--- a/Apresentacao.pptx
+++ b/Apresentacao.pptx
@@ -5,10 +5,10 @@
     <p:sldMasterId id="2147483660" r:id="rId4"/>
   </p:sldMasterIdLst>
   <p:notesMasterIdLst>
-    <p:notesMasterId r:id="rId14"/>
+    <p:notesMasterId r:id="rId15"/>
   </p:notesMasterIdLst>
   <p:handoutMasterIdLst>
-    <p:handoutMasterId r:id="rId15"/>
+    <p:handoutMasterId r:id="rId16"/>
   </p:handoutMasterIdLst>
   <p:sldIdLst>
     <p:sldId id="257" r:id="rId5"/>
@@ -18,8 +18,9 @@
     <p:sldId id="267" r:id="rId9"/>
     <p:sldId id="282" r:id="rId10"/>
     <p:sldId id="270" r:id="rId11"/>
-    <p:sldId id="261" r:id="rId12"/>
-    <p:sldId id="280" r:id="rId13"/>
+    <p:sldId id="283" r:id="rId12"/>
+    <p:sldId id="261" r:id="rId13"/>
+    <p:sldId id="280" r:id="rId14"/>
   </p:sldIdLst>
   <p:sldSz cx="12188825" cy="6858000"/>
   <p:notesSz cx="6858000" cy="9144000"/>
@@ -21300,6 +21301,680 @@
 </p:sld>
 </file>
 
+<file path=ppt/slides/slide10.xml><?xml version="1.0" encoding="utf-8"?>
+<p:sld xmlns:a="http://schemas.openxmlformats.org/drawingml/2006/main" xmlns:r="http://schemas.openxmlformats.org/officeDocument/2006/relationships" xmlns:p="http://schemas.openxmlformats.org/presentationml/2006/main">
+  <p:cSld>
+    <p:spTree>
+      <p:nvGrpSpPr>
+        <p:cNvPr id="1" name=""/>
+        <p:cNvGrpSpPr/>
+        <p:nvPr/>
+      </p:nvGrpSpPr>
+      <p:grpSpPr>
+        <a:xfrm>
+          <a:off x="0" y="0"/>
+          <a:ext cx="0" cy="0"/>
+          <a:chOff x="0" y="0"/>
+          <a:chExt cx="0" cy="0"/>
+        </a:xfrm>
+      </p:grpSpPr>
+      <p:sp>
+        <p:nvSpPr>
+          <p:cNvPr id="7" name="Título 6"/>
+          <p:cNvSpPr>
+            <a:spLocks noGrp="1"/>
+          </p:cNvSpPr>
+          <p:nvPr>
+            <p:ph type="title"/>
+          </p:nvPr>
+        </p:nvSpPr>
+        <p:spPr>
+          <a:xfrm>
+            <a:off x="1218883" y="274637"/>
+            <a:ext cx="10360501" cy="706091"/>
+          </a:xfrm>
+        </p:spPr>
+        <p:txBody>
+          <a:bodyPr rtlCol="0">
+            <a:normAutofit/>
+          </a:bodyPr>
+          <a:lstStyle/>
+          <a:p>
+            <a:r>
+              <a:rPr lang="pt-PT" dirty="0"/>
+              <a:t>Estimativa de custos</a:t>
+            </a:r>
+            <a:endParaRPr lang="pt-pt" dirty="0"/>
+          </a:p>
+        </p:txBody>
+      </p:sp>
+      <p:graphicFrame>
+        <p:nvGraphicFramePr>
+          <p:cNvPr id="5" name="Tabela 4">
+            <a:extLst>
+              <a:ext uri="{FF2B5EF4-FFF2-40B4-BE49-F238E27FC236}">
+                <a16:creationId xmlns:a16="http://schemas.microsoft.com/office/drawing/2014/main" id="{9A44A7C7-8024-42CB-B30C-BBD7757390FE}"/>
+              </a:ext>
+            </a:extLst>
+          </p:cNvPr>
+          <p:cNvGraphicFramePr>
+            <a:graphicFrameLocks noGrp="1"/>
+          </p:cNvGraphicFramePr>
+          <p:nvPr>
+            <p:extLst>
+              <p:ext uri="{D42A27DB-BD31-4B8C-83A1-F6EECF244321}">
+                <p14:modId xmlns:p14="http://schemas.microsoft.com/office/powerpoint/2010/main" val="4130216781"/>
+              </p:ext>
+            </p:extLst>
+          </p:nvPr>
+        </p:nvGraphicFramePr>
+        <p:xfrm>
+          <a:off x="2133972" y="1624918"/>
+          <a:ext cx="8125884" cy="1879600"/>
+        </p:xfrm>
+        <a:graphic>
+          <a:graphicData uri="http://schemas.openxmlformats.org/drawingml/2006/table">
+            <a:tbl>
+              <a:tblPr firstRow="1" bandRow="1">
+                <a:tableStyleId>{5C22544A-7EE6-4342-B048-85BDC9FD1C3A}</a:tableStyleId>
+              </a:tblPr>
+              <a:tblGrid>
+                <a:gridCol w="4062942">
+                  <a:extLst>
+                    <a:ext uri="{9D8B030D-6E8A-4147-A177-3AD203B41FA5}">
+                      <a16:colId xmlns:a16="http://schemas.microsoft.com/office/drawing/2014/main" val="648432220"/>
+                    </a:ext>
+                  </a:extLst>
+                </a:gridCol>
+                <a:gridCol w="4062942">
+                  <a:extLst>
+                    <a:ext uri="{9D8B030D-6E8A-4147-A177-3AD203B41FA5}">
+                      <a16:colId xmlns:a16="http://schemas.microsoft.com/office/drawing/2014/main" val="870498157"/>
+                    </a:ext>
+                  </a:extLst>
+                </a:gridCol>
+              </a:tblGrid>
+              <a:tr h="370840">
+                <a:tc>
+                  <a:txBody>
+                    <a:bodyPr/>
+                    <a:lstStyle/>
+                    <a:p>
+                      <a:pPr marL="0" marR="0" lvl="0" indent="0" algn="l" defTabSz="1218987" rtl="0" eaLnBrk="1" fontAlgn="auto" latinLnBrk="0" hangingPunct="1">
+                        <a:lnSpc>
+                          <a:spcPct val="100000"/>
+                        </a:lnSpc>
+                        <a:spcBef>
+                          <a:spcPts val="0"/>
+                        </a:spcBef>
+                        <a:spcAft>
+                          <a:spcPts val="0"/>
+                        </a:spcAft>
+                        <a:buClrTx/>
+                        <a:buSzTx/>
+                        <a:buFontTx/>
+                        <a:buNone/>
+                        <a:tabLst/>
+                        <a:defRPr/>
+                      </a:pPr>
+                      <a:r>
+                        <a:rPr lang="pt-PT" sz="2000" dirty="0"/>
+                        <a:t>Custo</a:t>
+                      </a:r>
+                    </a:p>
+                  </a:txBody>
+                  <a:tcPr/>
+                </a:tc>
+                <a:tc>
+                  <a:txBody>
+                    <a:bodyPr/>
+                    <a:lstStyle/>
+                    <a:p>
+                      <a:r>
+                        <a:rPr lang="pt-PT" sz="2000" dirty="0"/>
+                        <a:t>Valor estimado</a:t>
+                      </a:r>
+                    </a:p>
+                  </a:txBody>
+                  <a:tcPr/>
+                </a:tc>
+                <a:extLst>
+                  <a:ext uri="{0D108BD9-81ED-4DB2-BD59-A6C34878D82A}">
+                    <a16:rowId xmlns:a16="http://schemas.microsoft.com/office/drawing/2014/main" val="2895554856"/>
+                  </a:ext>
+                </a:extLst>
+              </a:tr>
+              <a:tr h="370840">
+                <a:tc>
+                  <a:txBody>
+                    <a:bodyPr/>
+                    <a:lstStyle/>
+                    <a:p>
+                      <a:r>
+                        <a:rPr lang="pt-PT" sz="1800" dirty="0"/>
+                        <a:t>Gestor de Projeto</a:t>
+                      </a:r>
+                    </a:p>
+                  </a:txBody>
+                  <a:tcPr/>
+                </a:tc>
+                <a:tc>
+                  <a:txBody>
+                    <a:bodyPr/>
+                    <a:lstStyle/>
+                    <a:p>
+                      <a:r>
+                        <a:rPr lang="pt-PT" sz="1800" dirty="0"/>
+                        <a:t>16€ x 140h = 2240€</a:t>
+                      </a:r>
+                    </a:p>
+                  </a:txBody>
+                  <a:tcPr/>
+                </a:tc>
+                <a:extLst>
+                  <a:ext uri="{0D108BD9-81ED-4DB2-BD59-A6C34878D82A}">
+                    <a16:rowId xmlns:a16="http://schemas.microsoft.com/office/drawing/2014/main" val="3517883124"/>
+                  </a:ext>
+                </a:extLst>
+              </a:tr>
+              <a:tr h="370840">
+                <a:tc>
+                  <a:txBody>
+                    <a:bodyPr/>
+                    <a:lstStyle/>
+                    <a:p>
+                      <a:r>
+                        <a:rPr lang="pt-PT" sz="1800" dirty="0"/>
+                        <a:t>2 x Programadores</a:t>
+                      </a:r>
+                    </a:p>
+                  </a:txBody>
+                  <a:tcPr/>
+                </a:tc>
+                <a:tc>
+                  <a:txBody>
+                    <a:bodyPr/>
+                    <a:lstStyle/>
+                    <a:p>
+                      <a:r>
+                        <a:rPr lang="pt-PT" sz="1800" dirty="0"/>
+                        <a:t>2 x 10€ x 81h = 1620€</a:t>
+                      </a:r>
+                    </a:p>
+                  </a:txBody>
+                  <a:tcPr/>
+                </a:tc>
+                <a:extLst>
+                  <a:ext uri="{0D108BD9-81ED-4DB2-BD59-A6C34878D82A}">
+                    <a16:rowId xmlns:a16="http://schemas.microsoft.com/office/drawing/2014/main" val="4017760778"/>
+                  </a:ext>
+                </a:extLst>
+              </a:tr>
+              <a:tr h="370840">
+                <a:tc>
+                  <a:txBody>
+                    <a:bodyPr/>
+                    <a:lstStyle/>
+                    <a:p>
+                      <a:r>
+                        <a:rPr lang="pt-PT" sz="1800" dirty="0"/>
+                        <a:t>Beta </a:t>
+                      </a:r>
+                      <a:r>
+                        <a:rPr lang="pt-PT" sz="1800" dirty="0" err="1"/>
+                        <a:t>Testing</a:t>
+                      </a:r>
+                      <a:endParaRPr lang="pt-PT" sz="1800" dirty="0"/>
+                    </a:p>
+                  </a:txBody>
+                  <a:tcPr/>
+                </a:tc>
+                <a:tc>
+                  <a:txBody>
+                    <a:bodyPr/>
+                    <a:lstStyle/>
+                    <a:p>
+                      <a:r>
+                        <a:rPr lang="pt-PT" sz="1800" dirty="0"/>
+                        <a:t>9€ x 40h = 360€</a:t>
+                      </a:r>
+                    </a:p>
+                  </a:txBody>
+                  <a:tcPr/>
+                </a:tc>
+                <a:extLst>
+                  <a:ext uri="{0D108BD9-81ED-4DB2-BD59-A6C34878D82A}">
+                    <a16:rowId xmlns:a16="http://schemas.microsoft.com/office/drawing/2014/main" val="717205056"/>
+                  </a:ext>
+                </a:extLst>
+              </a:tr>
+              <a:tr h="370840">
+                <a:tc>
+                  <a:txBody>
+                    <a:bodyPr/>
+                    <a:lstStyle/>
+                    <a:p>
+                      <a:r>
+                        <a:rPr lang="pt-PT" sz="1800" dirty="0"/>
+                        <a:t>Total</a:t>
+                      </a:r>
+                    </a:p>
+                  </a:txBody>
+                  <a:tcPr/>
+                </a:tc>
+                <a:tc>
+                  <a:txBody>
+                    <a:bodyPr/>
+                    <a:lstStyle/>
+                    <a:p>
+                      <a:r>
+                        <a:rPr lang="pt-PT" sz="1800" dirty="0"/>
+                        <a:t>4220€</a:t>
+                      </a:r>
+                    </a:p>
+                  </a:txBody>
+                  <a:tcPr/>
+                </a:tc>
+                <a:extLst>
+                  <a:ext uri="{0D108BD9-81ED-4DB2-BD59-A6C34878D82A}">
+                    <a16:rowId xmlns:a16="http://schemas.microsoft.com/office/drawing/2014/main" val="531991560"/>
+                  </a:ext>
+                </a:extLst>
+              </a:tr>
+            </a:tbl>
+          </a:graphicData>
+        </a:graphic>
+      </p:graphicFrame>
+      <p:sp>
+        <p:nvSpPr>
+          <p:cNvPr id="6" name="CaixaDeTexto 5">
+            <a:extLst>
+              <a:ext uri="{FF2B5EF4-FFF2-40B4-BE49-F238E27FC236}">
+                <a16:creationId xmlns:a16="http://schemas.microsoft.com/office/drawing/2014/main" id="{8915EDF6-9925-4165-8C84-6C63DE769E86}"/>
+              </a:ext>
+            </a:extLst>
+          </p:cNvPr>
+          <p:cNvSpPr txBox="1"/>
+          <p:nvPr/>
+        </p:nvSpPr>
+        <p:spPr>
+          <a:xfrm>
+            <a:off x="1628023" y="1069576"/>
+            <a:ext cx="7180492" cy="523220"/>
+          </a:xfrm>
+          <a:prstGeom prst="rect">
+            <a:avLst/>
+          </a:prstGeom>
+          <a:noFill/>
+        </p:spPr>
+        <p:txBody>
+          <a:bodyPr wrap="none" rtlCol="0">
+            <a:spAutoFit/>
+          </a:bodyPr>
+          <a:lstStyle/>
+          <a:p>
+            <a:pPr marL="457200" indent="-457200">
+              <a:buFont typeface="Arial" panose="020B0604020202020204" pitchFamily="34" charset="0"/>
+              <a:buChar char="•"/>
+            </a:pPr>
+            <a:r>
+              <a:rPr lang="pt-PT" sz="2800" dirty="0"/>
+              <a:t>Custos de desenvolvimento (final do projeto)</a:t>
+            </a:r>
+          </a:p>
+        </p:txBody>
+      </p:sp>
+      <p:sp>
+        <p:nvSpPr>
+          <p:cNvPr id="8" name="CaixaDeTexto 7">
+            <a:extLst>
+              <a:ext uri="{FF2B5EF4-FFF2-40B4-BE49-F238E27FC236}">
+                <a16:creationId xmlns:a16="http://schemas.microsoft.com/office/drawing/2014/main" id="{6F5B8958-3A40-40AA-8D5B-C47370E5CBB4}"/>
+              </a:ext>
+            </a:extLst>
+          </p:cNvPr>
+          <p:cNvSpPr txBox="1"/>
+          <p:nvPr/>
+        </p:nvSpPr>
+        <p:spPr>
+          <a:xfrm>
+            <a:off x="1629015" y="3841884"/>
+            <a:ext cx="5319148" cy="523220"/>
+          </a:xfrm>
+          <a:prstGeom prst="rect">
+            <a:avLst/>
+          </a:prstGeom>
+          <a:noFill/>
+        </p:spPr>
+        <p:txBody>
+          <a:bodyPr wrap="none" rtlCol="0">
+            <a:spAutoFit/>
+          </a:bodyPr>
+          <a:lstStyle/>
+          <a:p>
+            <a:pPr marL="457200" indent="-457200">
+              <a:buFont typeface="Arial" panose="020B0604020202020204" pitchFamily="34" charset="0"/>
+              <a:buChar char="•"/>
+            </a:pPr>
+            <a:r>
+              <a:rPr lang="pt-PT" sz="2800" dirty="0"/>
+              <a:t>Custos de manutenção (mensal)</a:t>
+            </a:r>
+          </a:p>
+        </p:txBody>
+      </p:sp>
+      <p:graphicFrame>
+        <p:nvGraphicFramePr>
+          <p:cNvPr id="9" name="Tabela 8">
+            <a:extLst>
+              <a:ext uri="{FF2B5EF4-FFF2-40B4-BE49-F238E27FC236}">
+                <a16:creationId xmlns:a16="http://schemas.microsoft.com/office/drawing/2014/main" id="{69377265-3145-4A80-A5A9-CEC292EB7C9E}"/>
+              </a:ext>
+            </a:extLst>
+          </p:cNvPr>
+          <p:cNvGraphicFramePr>
+            <a:graphicFrameLocks noGrp="1"/>
+          </p:cNvGraphicFramePr>
+          <p:nvPr>
+            <p:extLst>
+              <p:ext uri="{D42A27DB-BD31-4B8C-83A1-F6EECF244321}">
+                <p14:modId xmlns:p14="http://schemas.microsoft.com/office/powerpoint/2010/main" val="827077386"/>
+              </p:ext>
+            </p:extLst>
+          </p:nvPr>
+        </p:nvGraphicFramePr>
+        <p:xfrm>
+          <a:off x="2134964" y="4501728"/>
+          <a:ext cx="8125884" cy="1879600"/>
+        </p:xfrm>
+        <a:graphic>
+          <a:graphicData uri="http://schemas.openxmlformats.org/drawingml/2006/table">
+            <a:tbl>
+              <a:tblPr firstRow="1" bandRow="1">
+                <a:tableStyleId>{5C22544A-7EE6-4342-B048-85BDC9FD1C3A}</a:tableStyleId>
+              </a:tblPr>
+              <a:tblGrid>
+                <a:gridCol w="4062942">
+                  <a:extLst>
+                    <a:ext uri="{9D8B030D-6E8A-4147-A177-3AD203B41FA5}">
+                      <a16:colId xmlns:a16="http://schemas.microsoft.com/office/drawing/2014/main" val="648432220"/>
+                    </a:ext>
+                  </a:extLst>
+                </a:gridCol>
+                <a:gridCol w="4062942">
+                  <a:extLst>
+                    <a:ext uri="{9D8B030D-6E8A-4147-A177-3AD203B41FA5}">
+                      <a16:colId xmlns:a16="http://schemas.microsoft.com/office/drawing/2014/main" val="870498157"/>
+                    </a:ext>
+                  </a:extLst>
+                </a:gridCol>
+              </a:tblGrid>
+              <a:tr h="370840">
+                <a:tc>
+                  <a:txBody>
+                    <a:bodyPr/>
+                    <a:lstStyle/>
+                    <a:p>
+                      <a:r>
+                        <a:rPr lang="pt-PT" sz="2000" dirty="0"/>
+                        <a:t>Custo</a:t>
+                      </a:r>
+                    </a:p>
+                  </a:txBody>
+                  <a:tcPr/>
+                </a:tc>
+                <a:tc>
+                  <a:txBody>
+                    <a:bodyPr/>
+                    <a:lstStyle/>
+                    <a:p>
+                      <a:r>
+                        <a:rPr lang="pt-PT" sz="2000" dirty="0"/>
+                        <a:t>Valor estimado por mês</a:t>
+                      </a:r>
+                    </a:p>
+                  </a:txBody>
+                  <a:tcPr/>
+                </a:tc>
+                <a:extLst>
+                  <a:ext uri="{0D108BD9-81ED-4DB2-BD59-A6C34878D82A}">
+                    <a16:rowId xmlns:a16="http://schemas.microsoft.com/office/drawing/2014/main" val="2895554856"/>
+                  </a:ext>
+                </a:extLst>
+              </a:tr>
+              <a:tr h="370840">
+                <a:tc>
+                  <a:txBody>
+                    <a:bodyPr/>
+                    <a:lstStyle/>
+                    <a:p>
+                      <a:r>
+                        <a:rPr lang="pt-PT" sz="1800" dirty="0"/>
+                        <a:t>Servidor da aplicação e Base de Dados</a:t>
+                      </a:r>
+                    </a:p>
+                  </a:txBody>
+                  <a:tcPr/>
+                </a:tc>
+                <a:tc>
+                  <a:txBody>
+                    <a:bodyPr/>
+                    <a:lstStyle/>
+                    <a:p>
+                      <a:r>
+                        <a:rPr lang="pt-PT" sz="1800" kern="1200" dirty="0">
+                          <a:latin typeface="Bahnschrift Light" panose="020B0502040204020203" pitchFamily="34" charset="0"/>
+                        </a:rPr>
+                        <a:t>~</a:t>
+                      </a:r>
+                      <a:r>
+                        <a:rPr lang="pt-PT" sz="1800" dirty="0"/>
+                        <a:t> 51,18 €</a:t>
+                      </a:r>
+                    </a:p>
+                  </a:txBody>
+                  <a:tcPr/>
+                </a:tc>
+                <a:extLst>
+                  <a:ext uri="{0D108BD9-81ED-4DB2-BD59-A6C34878D82A}">
+                    <a16:rowId xmlns:a16="http://schemas.microsoft.com/office/drawing/2014/main" val="3517883124"/>
+                  </a:ext>
+                </a:extLst>
+              </a:tr>
+              <a:tr h="370840">
+                <a:tc>
+                  <a:txBody>
+                    <a:bodyPr/>
+                    <a:lstStyle/>
+                    <a:p>
+                      <a:r>
+                        <a:rPr lang="pt-PT" sz="1800" dirty="0"/>
+                        <a:t>Software </a:t>
+                      </a:r>
+                      <a:r>
+                        <a:rPr lang="pt-PT" sz="1800" dirty="0" err="1"/>
+                        <a:t>DevExpress</a:t>
+                      </a:r>
+                      <a:endParaRPr lang="pt-PT" sz="1800" dirty="0"/>
+                    </a:p>
+                  </a:txBody>
+                  <a:tcPr/>
+                </a:tc>
+                <a:tc>
+                  <a:txBody>
+                    <a:bodyPr/>
+                    <a:lstStyle/>
+                    <a:p>
+                      <a:r>
+                        <a:rPr lang="pt-PT" sz="1800" kern="1200" dirty="0">
+                          <a:latin typeface="Bahnschrift Light" panose="020B0502040204020203" pitchFamily="34" charset="0"/>
+                        </a:rPr>
+                        <a:t>~</a:t>
+                      </a:r>
+                      <a:r>
+                        <a:rPr lang="pt-PT" sz="1800" dirty="0"/>
+                        <a:t> 33,50 €</a:t>
+                      </a:r>
+                    </a:p>
+                  </a:txBody>
+                  <a:tcPr/>
+                </a:tc>
+                <a:extLst>
+                  <a:ext uri="{0D108BD9-81ED-4DB2-BD59-A6C34878D82A}">
+                    <a16:rowId xmlns:a16="http://schemas.microsoft.com/office/drawing/2014/main" val="4017760778"/>
+                  </a:ext>
+                </a:extLst>
+              </a:tr>
+              <a:tr h="370840">
+                <a:tc>
+                  <a:txBody>
+                    <a:bodyPr/>
+                    <a:lstStyle/>
+                    <a:p>
+                      <a:r>
+                        <a:rPr lang="pt-PT" sz="1800" dirty="0"/>
+                        <a:t>Serviço </a:t>
+                      </a:r>
+                      <a:r>
+                        <a:rPr lang="pt-PT" sz="1800" dirty="0" err="1"/>
+                        <a:t>KeyVault</a:t>
+                      </a:r>
+                      <a:r>
+                        <a:rPr lang="pt-PT" sz="1800" dirty="0"/>
+                        <a:t> - </a:t>
+                      </a:r>
+                      <a:r>
+                        <a:rPr lang="pt-PT" sz="1800" dirty="0" err="1"/>
+                        <a:t>Azure</a:t>
+                      </a:r>
+                      <a:endParaRPr lang="pt-PT" sz="1800" dirty="0"/>
+                    </a:p>
+                  </a:txBody>
+                  <a:tcPr/>
+                </a:tc>
+                <a:tc>
+                  <a:txBody>
+                    <a:bodyPr/>
+                    <a:lstStyle/>
+                    <a:p>
+                      <a:r>
+                        <a:rPr lang="pt-PT" sz="1800" kern="1200" dirty="0">
+                          <a:latin typeface="Bahnschrift Light" panose="020B0502040204020203" pitchFamily="34" charset="0"/>
+                        </a:rPr>
+                        <a:t>~</a:t>
+                      </a:r>
+                      <a:r>
+                        <a:rPr lang="pt-PT" sz="1800" dirty="0"/>
+                        <a:t> 0,026 €/10 000 transações</a:t>
+                      </a:r>
+                    </a:p>
+                  </a:txBody>
+                  <a:tcPr/>
+                </a:tc>
+                <a:extLst>
+                  <a:ext uri="{0D108BD9-81ED-4DB2-BD59-A6C34878D82A}">
+                    <a16:rowId xmlns:a16="http://schemas.microsoft.com/office/drawing/2014/main" val="834714384"/>
+                  </a:ext>
+                </a:extLst>
+              </a:tr>
+              <a:tr h="370840">
+                <a:tc>
+                  <a:txBody>
+                    <a:bodyPr/>
+                    <a:lstStyle/>
+                    <a:p>
+                      <a:r>
+                        <a:rPr lang="pt-PT" sz="1800" dirty="0"/>
+                        <a:t>Total</a:t>
+                      </a:r>
+                    </a:p>
+                  </a:txBody>
+                  <a:tcPr/>
+                </a:tc>
+                <a:tc>
+                  <a:txBody>
+                    <a:bodyPr/>
+                    <a:lstStyle/>
+                    <a:p>
+                      <a:r>
+                        <a:rPr lang="pt-PT" sz="1800" kern="1200" dirty="0">
+                          <a:latin typeface="Bahnschrift Light" panose="020B0502040204020203" pitchFamily="34" charset="0"/>
+                        </a:rPr>
+                        <a:t>~</a:t>
+                      </a:r>
+                      <a:r>
+                        <a:rPr lang="pt-PT" sz="1800" dirty="0"/>
+                        <a:t> 85,68€ /mês</a:t>
+                      </a:r>
+                    </a:p>
+                  </a:txBody>
+                  <a:tcPr/>
+                </a:tc>
+                <a:extLst>
+                  <a:ext uri="{0D108BD9-81ED-4DB2-BD59-A6C34878D82A}">
+                    <a16:rowId xmlns:a16="http://schemas.microsoft.com/office/drawing/2014/main" val="3072177838"/>
+                  </a:ext>
+                </a:extLst>
+              </a:tr>
+            </a:tbl>
+          </a:graphicData>
+        </a:graphic>
+      </p:graphicFrame>
+      <p:sp>
+        <p:nvSpPr>
+          <p:cNvPr id="2" name="Marcador de Posição do Número do Diapositivo 1">
+            <a:extLst>
+              <a:ext uri="{FF2B5EF4-FFF2-40B4-BE49-F238E27FC236}">
+                <a16:creationId xmlns:a16="http://schemas.microsoft.com/office/drawing/2014/main" id="{8D5C8176-B919-458D-B495-BE2D80498DED}"/>
+              </a:ext>
+            </a:extLst>
+          </p:cNvPr>
+          <p:cNvSpPr>
+            <a:spLocks noGrp="1"/>
+          </p:cNvSpPr>
+          <p:nvPr>
+            <p:ph type="sldNum" sz="quarter" idx="12"/>
+          </p:nvPr>
+        </p:nvSpPr>
+        <p:spPr/>
+        <p:txBody>
+          <a:bodyPr/>
+          <a:lstStyle/>
+          <a:p>
+            <a:pPr rtl="0"/>
+            <a:fld id="{C014DD1E-5D91-48A3-AD6D-45FBA980D106}" type="slidenum">
+              <a:rPr lang="pt-PT" smtClean="0"/>
+              <a:t>10</a:t>
+            </a:fld>
+            <a:endParaRPr lang="pt-PT"/>
+          </a:p>
+        </p:txBody>
+      </p:sp>
+    </p:spTree>
+    <p:extLst>
+      <p:ext uri="{BB962C8B-B14F-4D97-AF65-F5344CB8AC3E}">
+        <p14:creationId xmlns:p14="http://schemas.microsoft.com/office/powerpoint/2010/main" val="1259862763"/>
+      </p:ext>
+    </p:extLst>
+  </p:cSld>
+  <p:clrMapOvr>
+    <a:masterClrMapping/>
+  </p:clrMapOvr>
+  <mc:AlternateContent xmlns:mc="http://schemas.openxmlformats.org/markup-compatibility/2006" xmlns:p14="http://schemas.microsoft.com/office/powerpoint/2010/main">
+    <mc:Choice Requires="p14">
+      <p:transition spd="med" p14:dur="700">
+        <p:fade/>
+      </p:transition>
+    </mc:Choice>
+    <mc:Fallback xmlns="">
+      <p:transition spd="med">
+        <p:fade/>
+      </p:transition>
+    </mc:Fallback>
+  </mc:AlternateContent>
+</p:sld>
+</file>
+
 <file path=ppt/slides/slide2.xml><?xml version="1.0" encoding="utf-8"?>
 <p:sld xmlns:a="http://schemas.openxmlformats.org/drawingml/2006/main" xmlns:r="http://schemas.openxmlformats.org/officeDocument/2006/relationships" xmlns:p="http://schemas.openxmlformats.org/presentationml/2006/main">
   <p:cSld>
@@ -24755,6 +25430,42 @@
           </a:p>
         </p:txBody>
       </p:sp>
+      <p:pic>
+        <p:nvPicPr>
+          <p:cNvPr id="5" name="Imagem 4">
+            <a:extLst>
+              <a:ext uri="{FF2B5EF4-FFF2-40B4-BE49-F238E27FC236}">
+                <a16:creationId xmlns:a16="http://schemas.microsoft.com/office/drawing/2014/main" id="{4AEBA57E-778D-4A49-A26F-88E58CCF5E56}"/>
+              </a:ext>
+            </a:extLst>
+          </p:cNvPr>
+          <p:cNvPicPr>
+            <a:picLocks noChangeAspect="1"/>
+          </p:cNvPicPr>
+          <p:nvPr/>
+        </p:nvPicPr>
+        <p:blipFill>
+          <a:blip r:embed="rId11" cstate="print">
+            <a:extLst>
+              <a:ext uri="{28A0092B-C50C-407E-A947-70E740481C1C}">
+                <a14:useLocalDpi xmlns:a14="http://schemas.microsoft.com/office/drawing/2010/main" val="0"/>
+              </a:ext>
+            </a:extLst>
+          </a:blip>
+          <a:stretch>
+            <a:fillRect/>
+          </a:stretch>
+        </p:blipFill>
+        <p:spPr>
+          <a:xfrm>
+            <a:off x="4269731" y="2261947"/>
+            <a:ext cx="723149" cy="723149"/>
+          </a:xfrm>
+          <a:prstGeom prst="rect">
+            <a:avLst/>
+          </a:prstGeom>
+        </p:spPr>
+      </p:pic>
     </p:spTree>
     <p:extLst>
       <p:ext uri="{BB962C8B-B14F-4D97-AF65-F5344CB8AC3E}">
@@ -26231,6 +26942,158 @@
       </p:grpSpPr>
       <p:sp>
         <p:nvSpPr>
+          <p:cNvPr id="2" name="Título 1">
+            <a:extLst>
+              <a:ext uri="{FF2B5EF4-FFF2-40B4-BE49-F238E27FC236}">
+                <a16:creationId xmlns:a16="http://schemas.microsoft.com/office/drawing/2014/main" id="{F9A53EFC-A9FC-4C60-AD83-437D9B696FBC}"/>
+              </a:ext>
+            </a:extLst>
+          </p:cNvPr>
+          <p:cNvSpPr>
+            <a:spLocks noGrp="1"/>
+          </p:cNvSpPr>
+          <p:nvPr>
+            <p:ph type="title"/>
+          </p:nvPr>
+        </p:nvSpPr>
+        <p:spPr>
+          <a:xfrm>
+            <a:off x="1218883" y="274637"/>
+            <a:ext cx="10360501" cy="634083"/>
+          </a:xfrm>
+        </p:spPr>
+        <p:txBody>
+          <a:bodyPr/>
+          <a:lstStyle/>
+          <a:p>
+            <a:r>
+              <a:rPr lang="pt-PT" dirty="0" err="1"/>
+              <a:t>Burndown</a:t>
+            </a:r>
+            <a:r>
+              <a:rPr lang="pt-PT" dirty="0"/>
+              <a:t> </a:t>
+            </a:r>
+            <a:r>
+              <a:rPr lang="pt-PT" dirty="0" err="1"/>
+              <a:t>Chart</a:t>
+            </a:r>
+            <a:r>
+              <a:rPr lang="pt-PT" dirty="0"/>
+              <a:t> - Projeto</a:t>
+            </a:r>
+          </a:p>
+        </p:txBody>
+      </p:sp>
+      <p:sp>
+        <p:nvSpPr>
+          <p:cNvPr id="5" name="Marcador de Posição do Número do Diapositivo 4">
+            <a:extLst>
+              <a:ext uri="{FF2B5EF4-FFF2-40B4-BE49-F238E27FC236}">
+                <a16:creationId xmlns:a16="http://schemas.microsoft.com/office/drawing/2014/main" id="{D32862C7-F2CB-4B41-B967-337985C3D1B6}"/>
+              </a:ext>
+            </a:extLst>
+          </p:cNvPr>
+          <p:cNvSpPr>
+            <a:spLocks noGrp="1"/>
+          </p:cNvSpPr>
+          <p:nvPr>
+            <p:ph type="sldNum" sz="quarter" idx="12"/>
+          </p:nvPr>
+        </p:nvSpPr>
+        <p:spPr/>
+        <p:txBody>
+          <a:bodyPr/>
+          <a:lstStyle/>
+          <a:p>
+            <a:pPr rtl="0"/>
+            <a:fld id="{C014DD1E-5D91-48A3-AD6D-45FBA980D106}" type="slidenum">
+              <a:rPr lang="pt-PT" smtClean="0"/>
+              <a:t>8</a:t>
+            </a:fld>
+            <a:endParaRPr lang="pt-PT"/>
+          </a:p>
+        </p:txBody>
+      </p:sp>
+      <p:pic>
+        <p:nvPicPr>
+          <p:cNvPr id="6" name="Imagem 5">
+            <a:extLst>
+              <a:ext uri="{FF2B5EF4-FFF2-40B4-BE49-F238E27FC236}">
+                <a16:creationId xmlns:a16="http://schemas.microsoft.com/office/drawing/2014/main" id="{593FD8E6-48C1-4DB4-8EE2-E610DD4C93A8}"/>
+              </a:ext>
+            </a:extLst>
+          </p:cNvPr>
+          <p:cNvPicPr>
+            <a:picLocks noChangeAspect="1"/>
+          </p:cNvPicPr>
+          <p:nvPr/>
+        </p:nvPicPr>
+        <p:blipFill>
+          <a:blip r:embed="rId2"/>
+          <a:stretch>
+            <a:fillRect/>
+          </a:stretch>
+        </p:blipFill>
+        <p:spPr>
+          <a:xfrm>
+            <a:off x="1886342" y="987744"/>
+            <a:ext cx="9025582" cy="5289583"/>
+          </a:xfrm>
+          <a:prstGeom prst="rect">
+            <a:avLst/>
+          </a:prstGeom>
+          <a:ln>
+            <a:solidFill>
+              <a:schemeClr val="bg1"/>
+            </a:solidFill>
+          </a:ln>
+        </p:spPr>
+      </p:pic>
+    </p:spTree>
+    <p:extLst>
+      <p:ext uri="{BB962C8B-B14F-4D97-AF65-F5344CB8AC3E}">
+        <p14:creationId xmlns:p14="http://schemas.microsoft.com/office/powerpoint/2010/main" val="1048076111"/>
+      </p:ext>
+    </p:extLst>
+  </p:cSld>
+  <p:clrMapOvr>
+    <a:masterClrMapping/>
+  </p:clrMapOvr>
+  <mc:AlternateContent xmlns:mc="http://schemas.openxmlformats.org/markup-compatibility/2006" xmlns:p14="http://schemas.microsoft.com/office/powerpoint/2010/main">
+    <mc:Choice Requires="p14">
+      <p:transition spd="med" p14:dur="700">
+        <p:fade/>
+      </p:transition>
+    </mc:Choice>
+    <mc:Fallback xmlns="">
+      <p:transition spd="med">
+        <p:fade/>
+      </p:transition>
+    </mc:Fallback>
+  </mc:AlternateContent>
+</p:sld>
+</file>
+
+<file path=ppt/slides/slide9.xml><?xml version="1.0" encoding="utf-8"?>
+<p:sld xmlns:a="http://schemas.openxmlformats.org/drawingml/2006/main" xmlns:r="http://schemas.openxmlformats.org/officeDocument/2006/relationships" xmlns:p="http://schemas.openxmlformats.org/presentationml/2006/main">
+  <p:cSld>
+    <p:spTree>
+      <p:nvGrpSpPr>
+        <p:cNvPr id="1" name=""/>
+        <p:cNvGrpSpPr/>
+        <p:nvPr/>
+      </p:nvGrpSpPr>
+      <p:grpSpPr>
+        <a:xfrm>
+          <a:off x="0" y="0"/>
+          <a:ext cx="0" cy="0"/>
+          <a:chOff x="0" y="0"/>
+          <a:chExt cx="0" cy="0"/>
+        </a:xfrm>
+      </p:grpSpPr>
+      <p:sp>
+        <p:nvSpPr>
           <p:cNvPr id="7" name="Título 6"/>
           <p:cNvSpPr>
             <a:spLocks noGrp="1"/>
@@ -26375,7 +27238,7 @@
             <a:pPr rtl="0"/>
             <a:fld id="{C014DD1E-5D91-48A3-AD6D-45FBA980D106}" type="slidenum">
               <a:rPr lang="pt-PT" smtClean="0"/>
-              <a:t>8</a:t>
+              <a:t>9</a:t>
             </a:fld>
             <a:endParaRPr lang="pt-PT"/>
           </a:p>
@@ -26385,570 +27248,6 @@
     <p:extLst>
       <p:ext uri="{BB962C8B-B14F-4D97-AF65-F5344CB8AC3E}">
         <p14:creationId xmlns:p14="http://schemas.microsoft.com/office/powerpoint/2010/main" val="2672039197"/>
-      </p:ext>
-    </p:extLst>
-  </p:cSld>
-  <p:clrMapOvr>
-    <a:masterClrMapping/>
-  </p:clrMapOvr>
-  <mc:AlternateContent xmlns:mc="http://schemas.openxmlformats.org/markup-compatibility/2006" xmlns:p14="http://schemas.microsoft.com/office/powerpoint/2010/main">
-    <mc:Choice Requires="p14">
-      <p:transition spd="med" p14:dur="700">
-        <p:fade/>
-      </p:transition>
-    </mc:Choice>
-    <mc:Fallback xmlns="">
-      <p:transition spd="med">
-        <p:fade/>
-      </p:transition>
-    </mc:Fallback>
-  </mc:AlternateContent>
-</p:sld>
-</file>
-
-<file path=ppt/slides/slide9.xml><?xml version="1.0" encoding="utf-8"?>
-<p:sld xmlns:a="http://schemas.openxmlformats.org/drawingml/2006/main" xmlns:r="http://schemas.openxmlformats.org/officeDocument/2006/relationships" xmlns:p="http://schemas.openxmlformats.org/presentationml/2006/main">
-  <p:cSld>
-    <p:spTree>
-      <p:nvGrpSpPr>
-        <p:cNvPr id="1" name=""/>
-        <p:cNvGrpSpPr/>
-        <p:nvPr/>
-      </p:nvGrpSpPr>
-      <p:grpSpPr>
-        <a:xfrm>
-          <a:off x="0" y="0"/>
-          <a:ext cx="0" cy="0"/>
-          <a:chOff x="0" y="0"/>
-          <a:chExt cx="0" cy="0"/>
-        </a:xfrm>
-      </p:grpSpPr>
-      <p:sp>
-        <p:nvSpPr>
-          <p:cNvPr id="7" name="Título 6"/>
-          <p:cNvSpPr>
-            <a:spLocks noGrp="1"/>
-          </p:cNvSpPr>
-          <p:nvPr>
-            <p:ph type="title"/>
-          </p:nvPr>
-        </p:nvSpPr>
-        <p:spPr>
-          <a:xfrm>
-            <a:off x="1218883" y="274637"/>
-            <a:ext cx="10360501" cy="706091"/>
-          </a:xfrm>
-        </p:spPr>
-        <p:txBody>
-          <a:bodyPr rtlCol="0">
-            <a:normAutofit/>
-          </a:bodyPr>
-          <a:lstStyle/>
-          <a:p>
-            <a:r>
-              <a:rPr lang="pt-PT" dirty="0"/>
-              <a:t>Estimativa de custos</a:t>
-            </a:r>
-            <a:endParaRPr lang="pt-pt" dirty="0"/>
-          </a:p>
-        </p:txBody>
-      </p:sp>
-      <p:graphicFrame>
-        <p:nvGraphicFramePr>
-          <p:cNvPr id="5" name="Tabela 4">
-            <a:extLst>
-              <a:ext uri="{FF2B5EF4-FFF2-40B4-BE49-F238E27FC236}">
-                <a16:creationId xmlns:a16="http://schemas.microsoft.com/office/drawing/2014/main" id="{9A44A7C7-8024-42CB-B30C-BBD7757390FE}"/>
-              </a:ext>
-            </a:extLst>
-          </p:cNvPr>
-          <p:cNvGraphicFramePr>
-            <a:graphicFrameLocks noGrp="1"/>
-          </p:cNvGraphicFramePr>
-          <p:nvPr>
-            <p:extLst>
-              <p:ext uri="{D42A27DB-BD31-4B8C-83A1-F6EECF244321}">
-                <p14:modId xmlns:p14="http://schemas.microsoft.com/office/powerpoint/2010/main" val="1344765726"/>
-              </p:ext>
-            </p:extLst>
-          </p:nvPr>
-        </p:nvGraphicFramePr>
-        <p:xfrm>
-          <a:off x="2133972" y="1624918"/>
-          <a:ext cx="8125884" cy="1137920"/>
-        </p:xfrm>
-        <a:graphic>
-          <a:graphicData uri="http://schemas.openxmlformats.org/drawingml/2006/table">
-            <a:tbl>
-              <a:tblPr firstRow="1" bandRow="1">
-                <a:tableStyleId>{5C22544A-7EE6-4342-B048-85BDC9FD1C3A}</a:tableStyleId>
-              </a:tblPr>
-              <a:tblGrid>
-                <a:gridCol w="4062942">
-                  <a:extLst>
-                    <a:ext uri="{9D8B030D-6E8A-4147-A177-3AD203B41FA5}">
-                      <a16:colId xmlns:a16="http://schemas.microsoft.com/office/drawing/2014/main" val="648432220"/>
-                    </a:ext>
-                  </a:extLst>
-                </a:gridCol>
-                <a:gridCol w="4062942">
-                  <a:extLst>
-                    <a:ext uri="{9D8B030D-6E8A-4147-A177-3AD203B41FA5}">
-                      <a16:colId xmlns:a16="http://schemas.microsoft.com/office/drawing/2014/main" val="870498157"/>
-                    </a:ext>
-                  </a:extLst>
-                </a:gridCol>
-              </a:tblGrid>
-              <a:tr h="370840">
-                <a:tc>
-                  <a:txBody>
-                    <a:bodyPr/>
-                    <a:lstStyle/>
-                    <a:p>
-                      <a:pPr marL="0" marR="0" lvl="0" indent="0" algn="l" defTabSz="1218987" rtl="0" eaLnBrk="1" fontAlgn="auto" latinLnBrk="0" hangingPunct="1">
-                        <a:lnSpc>
-                          <a:spcPct val="100000"/>
-                        </a:lnSpc>
-                        <a:spcBef>
-                          <a:spcPts val="0"/>
-                        </a:spcBef>
-                        <a:spcAft>
-                          <a:spcPts val="0"/>
-                        </a:spcAft>
-                        <a:buClrTx/>
-                        <a:buSzTx/>
-                        <a:buFontTx/>
-                        <a:buNone/>
-                        <a:tabLst/>
-                        <a:defRPr/>
-                      </a:pPr>
-                      <a:r>
-                        <a:rPr lang="pt-PT" sz="2000" dirty="0"/>
-                        <a:t>Custo</a:t>
-                      </a:r>
-                    </a:p>
-                  </a:txBody>
-                  <a:tcPr/>
-                </a:tc>
-                <a:tc>
-                  <a:txBody>
-                    <a:bodyPr/>
-                    <a:lstStyle/>
-                    <a:p>
-                      <a:r>
-                        <a:rPr lang="pt-PT" sz="2000" dirty="0"/>
-                        <a:t>Valor estimado</a:t>
-                      </a:r>
-                    </a:p>
-                  </a:txBody>
-                  <a:tcPr/>
-                </a:tc>
-                <a:extLst>
-                  <a:ext uri="{0D108BD9-81ED-4DB2-BD59-A6C34878D82A}">
-                    <a16:rowId xmlns:a16="http://schemas.microsoft.com/office/drawing/2014/main" val="2895554856"/>
-                  </a:ext>
-                </a:extLst>
-              </a:tr>
-              <a:tr h="370840">
-                <a:tc>
-                  <a:txBody>
-                    <a:bodyPr/>
-                    <a:lstStyle/>
-                    <a:p>
-                      <a:r>
-                        <a:rPr lang="pt-PT" sz="1800" dirty="0"/>
-                        <a:t>Gestor de Projeto</a:t>
-                      </a:r>
-                    </a:p>
-                  </a:txBody>
-                  <a:tcPr/>
-                </a:tc>
-                <a:tc>
-                  <a:txBody>
-                    <a:bodyPr/>
-                    <a:lstStyle/>
-                    <a:p>
-                      <a:r>
-                        <a:rPr lang="pt-PT" sz="1800" dirty="0"/>
-                        <a:t>14€ x 25h = 1134€</a:t>
-                      </a:r>
-                    </a:p>
-                  </a:txBody>
-                  <a:tcPr/>
-                </a:tc>
-                <a:extLst>
-                  <a:ext uri="{0D108BD9-81ED-4DB2-BD59-A6C34878D82A}">
-                    <a16:rowId xmlns:a16="http://schemas.microsoft.com/office/drawing/2014/main" val="3517883124"/>
-                  </a:ext>
-                </a:extLst>
-              </a:tr>
-              <a:tr h="370840">
-                <a:tc>
-                  <a:txBody>
-                    <a:bodyPr/>
-                    <a:lstStyle/>
-                    <a:p>
-                      <a:r>
-                        <a:rPr lang="pt-PT" sz="1800" dirty="0"/>
-                        <a:t>3 x Programadores</a:t>
-                      </a:r>
-                    </a:p>
-                  </a:txBody>
-                  <a:tcPr/>
-                </a:tc>
-                <a:tc>
-                  <a:txBody>
-                    <a:bodyPr/>
-                    <a:lstStyle/>
-                    <a:p>
-                      <a:r>
-                        <a:rPr lang="pt-PT" sz="1800" dirty="0"/>
-                        <a:t>3 x 10€ x 81h = 2430€</a:t>
-                      </a:r>
-                    </a:p>
-                  </a:txBody>
-                  <a:tcPr/>
-                </a:tc>
-                <a:extLst>
-                  <a:ext uri="{0D108BD9-81ED-4DB2-BD59-A6C34878D82A}">
-                    <a16:rowId xmlns:a16="http://schemas.microsoft.com/office/drawing/2014/main" val="4017760778"/>
-                  </a:ext>
-                </a:extLst>
-              </a:tr>
-            </a:tbl>
-          </a:graphicData>
-        </a:graphic>
-      </p:graphicFrame>
-      <p:sp>
-        <p:nvSpPr>
-          <p:cNvPr id="6" name="CaixaDeTexto 5">
-            <a:extLst>
-              <a:ext uri="{FF2B5EF4-FFF2-40B4-BE49-F238E27FC236}">
-                <a16:creationId xmlns:a16="http://schemas.microsoft.com/office/drawing/2014/main" id="{8915EDF6-9925-4165-8C84-6C63DE769E86}"/>
-              </a:ext>
-            </a:extLst>
-          </p:cNvPr>
-          <p:cNvSpPr txBox="1"/>
-          <p:nvPr/>
-        </p:nvSpPr>
-        <p:spPr>
-          <a:xfrm>
-            <a:off x="1628023" y="1069576"/>
-            <a:ext cx="7180492" cy="523220"/>
-          </a:xfrm>
-          <a:prstGeom prst="rect">
-            <a:avLst/>
-          </a:prstGeom>
-          <a:noFill/>
-        </p:spPr>
-        <p:txBody>
-          <a:bodyPr wrap="none" rtlCol="0">
-            <a:spAutoFit/>
-          </a:bodyPr>
-          <a:lstStyle/>
-          <a:p>
-            <a:pPr marL="457200" indent="-457200">
-              <a:buFont typeface="Arial" panose="020B0604020202020204" pitchFamily="34" charset="0"/>
-              <a:buChar char="•"/>
-            </a:pPr>
-            <a:r>
-              <a:rPr lang="pt-PT" sz="2800" dirty="0"/>
-              <a:t>Custos de desenvolvimento (final do projeto)</a:t>
-            </a:r>
-          </a:p>
-        </p:txBody>
-      </p:sp>
-      <p:sp>
-        <p:nvSpPr>
-          <p:cNvPr id="8" name="CaixaDeTexto 7">
-            <a:extLst>
-              <a:ext uri="{FF2B5EF4-FFF2-40B4-BE49-F238E27FC236}">
-                <a16:creationId xmlns:a16="http://schemas.microsoft.com/office/drawing/2014/main" id="{6F5B8958-3A40-40AA-8D5B-C47370E5CBB4}"/>
-              </a:ext>
-            </a:extLst>
-          </p:cNvPr>
-          <p:cNvSpPr txBox="1"/>
-          <p:nvPr/>
-        </p:nvSpPr>
-        <p:spPr>
-          <a:xfrm>
-            <a:off x="1629015" y="3065893"/>
-            <a:ext cx="5319148" cy="523220"/>
-          </a:xfrm>
-          <a:prstGeom prst="rect">
-            <a:avLst/>
-          </a:prstGeom>
-          <a:noFill/>
-        </p:spPr>
-        <p:txBody>
-          <a:bodyPr wrap="none" rtlCol="0">
-            <a:spAutoFit/>
-          </a:bodyPr>
-          <a:lstStyle/>
-          <a:p>
-            <a:pPr marL="457200" indent="-457200">
-              <a:buFont typeface="Arial" panose="020B0604020202020204" pitchFamily="34" charset="0"/>
-              <a:buChar char="•"/>
-            </a:pPr>
-            <a:r>
-              <a:rPr lang="pt-PT" sz="2800" dirty="0"/>
-              <a:t>Custos de manutenção (mensal)</a:t>
-            </a:r>
-          </a:p>
-        </p:txBody>
-      </p:sp>
-      <p:graphicFrame>
-        <p:nvGraphicFramePr>
-          <p:cNvPr id="9" name="Tabela 8">
-            <a:extLst>
-              <a:ext uri="{FF2B5EF4-FFF2-40B4-BE49-F238E27FC236}">
-                <a16:creationId xmlns:a16="http://schemas.microsoft.com/office/drawing/2014/main" id="{69377265-3145-4A80-A5A9-CEC292EB7C9E}"/>
-              </a:ext>
-            </a:extLst>
-          </p:cNvPr>
-          <p:cNvGraphicFramePr>
-            <a:graphicFrameLocks noGrp="1"/>
-          </p:cNvGraphicFramePr>
-          <p:nvPr>
-            <p:extLst>
-              <p:ext uri="{D42A27DB-BD31-4B8C-83A1-F6EECF244321}">
-                <p14:modId xmlns:p14="http://schemas.microsoft.com/office/powerpoint/2010/main" val="3223569285"/>
-              </p:ext>
-            </p:extLst>
-          </p:nvPr>
-        </p:nvGraphicFramePr>
-        <p:xfrm>
-          <a:off x="2134964" y="3699046"/>
-          <a:ext cx="8125884" cy="1508760"/>
-        </p:xfrm>
-        <a:graphic>
-          <a:graphicData uri="http://schemas.openxmlformats.org/drawingml/2006/table">
-            <a:tbl>
-              <a:tblPr firstRow="1" bandRow="1">
-                <a:tableStyleId>{5C22544A-7EE6-4342-B048-85BDC9FD1C3A}</a:tableStyleId>
-              </a:tblPr>
-              <a:tblGrid>
-                <a:gridCol w="4062942">
-                  <a:extLst>
-                    <a:ext uri="{9D8B030D-6E8A-4147-A177-3AD203B41FA5}">
-                      <a16:colId xmlns:a16="http://schemas.microsoft.com/office/drawing/2014/main" val="648432220"/>
-                    </a:ext>
-                  </a:extLst>
-                </a:gridCol>
-                <a:gridCol w="4062942">
-                  <a:extLst>
-                    <a:ext uri="{9D8B030D-6E8A-4147-A177-3AD203B41FA5}">
-                      <a16:colId xmlns:a16="http://schemas.microsoft.com/office/drawing/2014/main" val="870498157"/>
-                    </a:ext>
-                  </a:extLst>
-                </a:gridCol>
-              </a:tblGrid>
-              <a:tr h="370840">
-                <a:tc>
-                  <a:txBody>
-                    <a:bodyPr/>
-                    <a:lstStyle/>
-                    <a:p>
-                      <a:r>
-                        <a:rPr lang="pt-PT" sz="2000" dirty="0"/>
-                        <a:t>Custo</a:t>
-                      </a:r>
-                    </a:p>
-                  </a:txBody>
-                  <a:tcPr/>
-                </a:tc>
-                <a:tc>
-                  <a:txBody>
-                    <a:bodyPr/>
-                    <a:lstStyle/>
-                    <a:p>
-                      <a:r>
-                        <a:rPr lang="pt-PT" sz="2000" dirty="0"/>
-                        <a:t>Valor estimado por mês</a:t>
-                      </a:r>
-                    </a:p>
-                  </a:txBody>
-                  <a:tcPr/>
-                </a:tc>
-                <a:extLst>
-                  <a:ext uri="{0D108BD9-81ED-4DB2-BD59-A6C34878D82A}">
-                    <a16:rowId xmlns:a16="http://schemas.microsoft.com/office/drawing/2014/main" val="2895554856"/>
-                  </a:ext>
-                </a:extLst>
-              </a:tr>
-              <a:tr h="370840">
-                <a:tc>
-                  <a:txBody>
-                    <a:bodyPr/>
-                    <a:lstStyle/>
-                    <a:p>
-                      <a:r>
-                        <a:rPr lang="pt-PT" sz="1800" dirty="0"/>
-                        <a:t>Servidor da aplicação e Base de Dados</a:t>
-                      </a:r>
-                    </a:p>
-                  </a:txBody>
-                  <a:tcPr/>
-                </a:tc>
-                <a:tc>
-                  <a:txBody>
-                    <a:bodyPr/>
-                    <a:lstStyle/>
-                    <a:p>
-                      <a:r>
-                        <a:rPr lang="pt-PT" sz="1800" kern="1200" dirty="0">
-                          <a:latin typeface="Bahnschrift Light" panose="020B0502040204020203" pitchFamily="34" charset="0"/>
-                        </a:rPr>
-                        <a:t>~</a:t>
-                      </a:r>
-                      <a:r>
-                        <a:rPr lang="pt-PT" sz="1800" dirty="0"/>
-                        <a:t> 51,18 €</a:t>
-                      </a:r>
-                    </a:p>
-                  </a:txBody>
-                  <a:tcPr/>
-                </a:tc>
-                <a:extLst>
-                  <a:ext uri="{0D108BD9-81ED-4DB2-BD59-A6C34878D82A}">
-                    <a16:rowId xmlns:a16="http://schemas.microsoft.com/office/drawing/2014/main" val="3517883124"/>
-                  </a:ext>
-                </a:extLst>
-              </a:tr>
-              <a:tr h="370840">
-                <a:tc>
-                  <a:txBody>
-                    <a:bodyPr/>
-                    <a:lstStyle/>
-                    <a:p>
-                      <a:r>
-                        <a:rPr lang="pt-PT" sz="1800" dirty="0"/>
-                        <a:t>Software </a:t>
-                      </a:r>
-                      <a:r>
-                        <a:rPr lang="pt-PT" sz="1800" dirty="0" err="1"/>
-                        <a:t>DevExpress</a:t>
-                      </a:r>
-                      <a:endParaRPr lang="pt-PT" sz="1800" dirty="0"/>
-                    </a:p>
-                  </a:txBody>
-                  <a:tcPr/>
-                </a:tc>
-                <a:tc>
-                  <a:txBody>
-                    <a:bodyPr/>
-                    <a:lstStyle/>
-                    <a:p>
-                      <a:r>
-                        <a:rPr lang="pt-PT" sz="1800" kern="1200" dirty="0">
-                          <a:latin typeface="Bahnschrift Light" panose="020B0502040204020203" pitchFamily="34" charset="0"/>
-                        </a:rPr>
-                        <a:t>~</a:t>
-                      </a:r>
-                      <a:r>
-                        <a:rPr lang="pt-PT" sz="1800" dirty="0"/>
-                        <a:t> 33,50 €</a:t>
-                      </a:r>
-                    </a:p>
-                  </a:txBody>
-                  <a:tcPr/>
-                </a:tc>
-                <a:extLst>
-                  <a:ext uri="{0D108BD9-81ED-4DB2-BD59-A6C34878D82A}">
-                    <a16:rowId xmlns:a16="http://schemas.microsoft.com/office/drawing/2014/main" val="4017760778"/>
-                  </a:ext>
-                </a:extLst>
-              </a:tr>
-              <a:tr h="370840">
-                <a:tc>
-                  <a:txBody>
-                    <a:bodyPr/>
-                    <a:lstStyle/>
-                    <a:p>
-                      <a:r>
-                        <a:rPr lang="pt-PT" sz="1800" dirty="0"/>
-                        <a:t>Serviço </a:t>
-                      </a:r>
-                      <a:r>
-                        <a:rPr lang="pt-PT" sz="1800" dirty="0" err="1"/>
-                        <a:t>KeyVault</a:t>
-                      </a:r>
-                      <a:r>
-                        <a:rPr lang="pt-PT" sz="1800" dirty="0"/>
-                        <a:t> - </a:t>
-                      </a:r>
-                      <a:r>
-                        <a:rPr lang="pt-PT" sz="1800" dirty="0" err="1"/>
-                        <a:t>Azure</a:t>
-                      </a:r>
-                      <a:endParaRPr lang="pt-PT" sz="1800" dirty="0"/>
-                    </a:p>
-                  </a:txBody>
-                  <a:tcPr/>
-                </a:tc>
-                <a:tc>
-                  <a:txBody>
-                    <a:bodyPr/>
-                    <a:lstStyle/>
-                    <a:p>
-                      <a:r>
-                        <a:rPr lang="pt-PT" sz="1800" kern="1200" dirty="0">
-                          <a:latin typeface="Bahnschrift Light" panose="020B0502040204020203" pitchFamily="34" charset="0"/>
-                        </a:rPr>
-                        <a:t>~</a:t>
-                      </a:r>
-                      <a:r>
-                        <a:rPr lang="pt-PT" sz="1800" dirty="0"/>
-                        <a:t> 0,026 €/10 000 transações</a:t>
-                      </a:r>
-                    </a:p>
-                  </a:txBody>
-                  <a:tcPr/>
-                </a:tc>
-                <a:extLst>
-                  <a:ext uri="{0D108BD9-81ED-4DB2-BD59-A6C34878D82A}">
-                    <a16:rowId xmlns:a16="http://schemas.microsoft.com/office/drawing/2014/main" val="834714384"/>
-                  </a:ext>
-                </a:extLst>
-              </a:tr>
-            </a:tbl>
-          </a:graphicData>
-        </a:graphic>
-      </p:graphicFrame>
-      <p:sp>
-        <p:nvSpPr>
-          <p:cNvPr id="2" name="Marcador de Posição do Número do Diapositivo 1">
-            <a:extLst>
-              <a:ext uri="{FF2B5EF4-FFF2-40B4-BE49-F238E27FC236}">
-                <a16:creationId xmlns:a16="http://schemas.microsoft.com/office/drawing/2014/main" id="{8D5C8176-B919-458D-B495-BE2D80498DED}"/>
-              </a:ext>
-            </a:extLst>
-          </p:cNvPr>
-          <p:cNvSpPr>
-            <a:spLocks noGrp="1"/>
-          </p:cNvSpPr>
-          <p:nvPr>
-            <p:ph type="sldNum" sz="quarter" idx="12"/>
-          </p:nvPr>
-        </p:nvSpPr>
-        <p:spPr/>
-        <p:txBody>
-          <a:bodyPr/>
-          <a:lstStyle/>
-          <a:p>
-            <a:pPr rtl="0"/>
-            <a:fld id="{C014DD1E-5D91-48A3-AD6D-45FBA980D106}" type="slidenum">
-              <a:rPr lang="pt-PT" smtClean="0"/>
-              <a:t>9</a:t>
-            </a:fld>
-            <a:endParaRPr lang="pt-PT"/>
-          </a:p>
-        </p:txBody>
-      </p:sp>
-    </p:spTree>
-    <p:extLst>
-      <p:ext uri="{BB962C8B-B14F-4D97-AF65-F5344CB8AC3E}">
-        <p14:creationId xmlns:p14="http://schemas.microsoft.com/office/powerpoint/2010/main" val="1259862763"/>
       </p:ext>
     </p:extLst>
   </p:cSld>
@@ -27921,142 +28220,6 @@
 </file>
 
 <file path=customXml/item1.xml><?xml version="1.0" encoding="utf-8"?>
-<p:properties xmlns:p="http://schemas.microsoft.com/office/2006/metadata/properties" xmlns:xsi="http://www.w3.org/2001/XMLSchema-instance" xmlns:pc="http://schemas.microsoft.com/office/infopath/2007/PartnerControls">
-  <documentManagement>
-    <LocPublishedLinkedAssetsLookup xmlns="4873beb7-5857-4685-be1f-d57550cc96cc" xsi:nil="true"/>
-    <ApprovalStatus xmlns="4873beb7-5857-4685-be1f-d57550cc96cc">InProgress</ApprovalStatus>
-    <MarketSpecific xmlns="4873beb7-5857-4685-be1f-d57550cc96cc">false</MarketSpecific>
-    <LocComments xmlns="4873beb7-5857-4685-be1f-d57550cc96cc" xsi:nil="true"/>
-    <LocLastLocAttemptVersionTypeLookup xmlns="4873beb7-5857-4685-be1f-d57550cc96cc" xsi:nil="true"/>
-    <DirectSourceMarket xmlns="4873beb7-5857-4685-be1f-d57550cc96cc" xsi:nil="true"/>
-    <ThumbnailAssetId xmlns="4873beb7-5857-4685-be1f-d57550cc96cc" xsi:nil="true"/>
-    <PrimaryImageGen xmlns="4873beb7-5857-4685-be1f-d57550cc96cc">false</PrimaryImageGen>
-    <LocNewPublishedVersionLookup xmlns="4873beb7-5857-4685-be1f-d57550cc96cc" xsi:nil="true"/>
-    <LegacyData xmlns="4873beb7-5857-4685-be1f-d57550cc96cc" xsi:nil="true"/>
-    <LocRecommendedHandoff xmlns="4873beb7-5857-4685-be1f-d57550cc96cc" xsi:nil="true"/>
-    <BusinessGroup xmlns="4873beb7-5857-4685-be1f-d57550cc96cc" xsi:nil="true"/>
-    <BlockPublish xmlns="4873beb7-5857-4685-be1f-d57550cc96cc">false</BlockPublish>
-    <TPFriendlyName xmlns="4873beb7-5857-4685-be1f-d57550cc96cc" xsi:nil="true"/>
-    <LocOverallPublishStatusLookup xmlns="4873beb7-5857-4685-be1f-d57550cc96cc" xsi:nil="true"/>
-    <NumericId xmlns="4873beb7-5857-4685-be1f-d57550cc96cc" xsi:nil="true"/>
-    <APEditor xmlns="4873beb7-5857-4685-be1f-d57550cc96cc">
-      <UserInfo>
-        <DisplayName/>
-        <AccountId xsi:nil="true"/>
-        <AccountType/>
-      </UserInfo>
-    </APEditor>
-    <SourceTitle xmlns="4873beb7-5857-4685-be1f-d57550cc96cc" xsi:nil="true"/>
-    <OpenTemplate xmlns="4873beb7-5857-4685-be1f-d57550cc96cc">true</OpenTemplate>
-    <LocOverallLocStatusLookup xmlns="4873beb7-5857-4685-be1f-d57550cc96cc" xsi:nil="true"/>
-    <UALocComments xmlns="4873beb7-5857-4685-be1f-d57550cc96cc" xsi:nil="true"/>
-    <ParentAssetId xmlns="4873beb7-5857-4685-be1f-d57550cc96cc" xsi:nil="true"/>
-    <IntlLangReviewDate xmlns="4873beb7-5857-4685-be1f-d57550cc96cc" xsi:nil="true"/>
-    <FeatureTagsTaxHTField0 xmlns="4873beb7-5857-4685-be1f-d57550cc96cc">
-      <Terms xmlns="http://schemas.microsoft.com/office/infopath/2007/PartnerControls"/>
-    </FeatureTagsTaxHTField0>
-    <PublishStatusLookup xmlns="4873beb7-5857-4685-be1f-d57550cc96cc">
-      <Value>1345093</Value>
-    </PublishStatusLookup>
-    <Providers xmlns="4873beb7-5857-4685-be1f-d57550cc96cc" xsi:nil="true"/>
-    <MachineTranslated xmlns="4873beb7-5857-4685-be1f-d57550cc96cc">false</MachineTranslated>
-    <OriginalSourceMarket xmlns="4873beb7-5857-4685-be1f-d57550cc96cc" xsi:nil="true"/>
-    <APDescription xmlns="4873beb7-5857-4685-be1f-d57550cc96cc">This simple template design works for technology and  businesses, but it's versatile enough to use in other contexts.  It features multiple slide layouts designed for widescreen (16x9 resolution) and includes a sample SmartArt list and chart that are easily editable.</APDescription>
-    <ClipArtFilename xmlns="4873beb7-5857-4685-be1f-d57550cc96cc" xsi:nil="true"/>
-    <ContentItem xmlns="4873beb7-5857-4685-be1f-d57550cc96cc" xsi:nil="true"/>
-    <TPInstallLocation xmlns="4873beb7-5857-4685-be1f-d57550cc96cc" xsi:nil="true"/>
-    <PublishTargets xmlns="4873beb7-5857-4685-be1f-d57550cc96cc">OfficeOnlineVNext</PublishTargets>
-    <TimesCloned xmlns="4873beb7-5857-4685-be1f-d57550cc96cc" xsi:nil="true"/>
-    <AssetStart xmlns="4873beb7-5857-4685-be1f-d57550cc96cc">2011-11-26T00:30:00+00:00</AssetStart>
-    <Provider xmlns="4873beb7-5857-4685-be1f-d57550cc96cc" xsi:nil="true"/>
-    <AcquiredFrom xmlns="4873beb7-5857-4685-be1f-d57550cc96cc">Internal MS</AcquiredFrom>
-    <FriendlyTitle xmlns="4873beb7-5857-4685-be1f-d57550cc96cc" xsi:nil="true"/>
-    <LastHandOff xmlns="4873beb7-5857-4685-be1f-d57550cc96cc" xsi:nil="true"/>
-    <TPClientViewer xmlns="4873beb7-5857-4685-be1f-d57550cc96cc" xsi:nil="true"/>
-    <TemplateStatus xmlns="4873beb7-5857-4685-be1f-d57550cc96cc">Complete</TemplateStatus>
-    <Downloads xmlns="4873beb7-5857-4685-be1f-d57550cc96cc">0</Downloads>
-    <OOCacheId xmlns="4873beb7-5857-4685-be1f-d57550cc96cc" xsi:nil="true"/>
-    <IsDeleted xmlns="4873beb7-5857-4685-be1f-d57550cc96cc">false</IsDeleted>
-    <LocPublishedDependentAssetsLookup xmlns="4873beb7-5857-4685-be1f-d57550cc96cc" xsi:nil="true"/>
-    <TPExecutable xmlns="4873beb7-5857-4685-be1f-d57550cc96cc" xsi:nil="true"/>
-    <EditorialTags xmlns="4873beb7-5857-4685-be1f-d57550cc96cc" xsi:nil="true"/>
-    <SubmitterId xmlns="4873beb7-5857-4685-be1f-d57550cc96cc" xsi:nil="true"/>
-    <ApprovalLog xmlns="4873beb7-5857-4685-be1f-d57550cc96cc" xsi:nil="true"/>
-    <AssetType xmlns="4873beb7-5857-4685-be1f-d57550cc96cc">TP</AssetType>
-    <BugNumber xmlns="4873beb7-5857-4685-be1f-d57550cc96cc" xsi:nil="true"/>
-    <CSXSubmissionDate xmlns="4873beb7-5857-4685-be1f-d57550cc96cc" xsi:nil="true"/>
-    <CSXUpdate xmlns="4873beb7-5857-4685-be1f-d57550cc96cc">false</CSXUpdate>
-    <Milestone xmlns="4873beb7-5857-4685-be1f-d57550cc96cc" xsi:nil="true"/>
-    <RecommendationsModifier xmlns="4873beb7-5857-4685-be1f-d57550cc96cc" xsi:nil="true"/>
-    <OriginAsset xmlns="4873beb7-5857-4685-be1f-d57550cc96cc" xsi:nil="true"/>
-    <TPComponent xmlns="4873beb7-5857-4685-be1f-d57550cc96cc" xsi:nil="true"/>
-    <AssetId xmlns="4873beb7-5857-4685-be1f-d57550cc96cc">TP102787989</AssetId>
-    <IntlLocPriority xmlns="4873beb7-5857-4685-be1f-d57550cc96cc" xsi:nil="true"/>
-    <PolicheckWords xmlns="4873beb7-5857-4685-be1f-d57550cc96cc" xsi:nil="true"/>
-    <TPLaunchHelpLink xmlns="4873beb7-5857-4685-be1f-d57550cc96cc" xsi:nil="true"/>
-    <TPApplication xmlns="4873beb7-5857-4685-be1f-d57550cc96cc" xsi:nil="true"/>
-    <CrawlForDependencies xmlns="4873beb7-5857-4685-be1f-d57550cc96cc">false</CrawlForDependencies>
-    <HandoffToMSDN xmlns="4873beb7-5857-4685-be1f-d57550cc96cc" xsi:nil="true"/>
-    <PlannedPubDate xmlns="4873beb7-5857-4685-be1f-d57550cc96cc" xsi:nil="true"/>
-    <IntlLangReviewer xmlns="4873beb7-5857-4685-be1f-d57550cc96cc" xsi:nil="true"/>
-    <TrustLevel xmlns="4873beb7-5857-4685-be1f-d57550cc96cc">1 Microsoft Managed Content</TrustLevel>
-    <LocLastLocAttemptVersionLookup xmlns="4873beb7-5857-4685-be1f-d57550cc96cc">694266</LocLastLocAttemptVersionLookup>
-    <LocProcessedForHandoffsLookup xmlns="4873beb7-5857-4685-be1f-d57550cc96cc" xsi:nil="true"/>
-    <IsSearchable xmlns="4873beb7-5857-4685-be1f-d57550cc96cc">true</IsSearchable>
-    <TemplateTemplateType xmlns="4873beb7-5857-4685-be1f-d57550cc96cc">PowerPoint Presentation Template</TemplateTemplateType>
-    <CampaignTagsTaxHTField0 xmlns="4873beb7-5857-4685-be1f-d57550cc96cc">
-      <Terms xmlns="http://schemas.microsoft.com/office/infopath/2007/PartnerControls"/>
-    </CampaignTagsTaxHTField0>
-    <TPNamespace xmlns="4873beb7-5857-4685-be1f-d57550cc96cc" xsi:nil="true"/>
-    <LocOverallPreviewStatusLookup xmlns="4873beb7-5857-4685-be1f-d57550cc96cc" xsi:nil="true"/>
-    <TaxCatchAll xmlns="4873beb7-5857-4685-be1f-d57550cc96cc"/>
-    <Markets xmlns="4873beb7-5857-4685-be1f-d57550cc96cc"/>
-    <UAProjectedTotalWords xmlns="4873beb7-5857-4685-be1f-d57550cc96cc" xsi:nil="true"/>
-    <IntlLangReview xmlns="4873beb7-5857-4685-be1f-d57550cc96cc" xsi:nil="true"/>
-    <OutputCachingOn xmlns="4873beb7-5857-4685-be1f-d57550cc96cc">false</OutputCachingOn>
-    <AverageRating xmlns="4873beb7-5857-4685-be1f-d57550cc96cc" xsi:nil="true"/>
-    <APAuthor xmlns="4873beb7-5857-4685-be1f-d57550cc96cc">
-      <UserInfo>
-        <DisplayName>REDMOND\kristaa</DisplayName>
-        <AccountId>136</AccountId>
-        <AccountType/>
-      </UserInfo>
-    </APAuthor>
-    <LocManualTestRequired xmlns="4873beb7-5857-4685-be1f-d57550cc96cc">false</LocManualTestRequired>
-    <TPCommandLine xmlns="4873beb7-5857-4685-be1f-d57550cc96cc" xsi:nil="true"/>
-    <TPAppVersion xmlns="4873beb7-5857-4685-be1f-d57550cc96cc" xsi:nil="true"/>
-    <EditorialStatus xmlns="4873beb7-5857-4685-be1f-d57550cc96cc">Complete</EditorialStatus>
-    <LastModifiedDateTime xmlns="4873beb7-5857-4685-be1f-d57550cc96cc" xsi:nil="true"/>
-    <ScenarioTagsTaxHTField0 xmlns="4873beb7-5857-4685-be1f-d57550cc96cc">
-      <Terms xmlns="http://schemas.microsoft.com/office/infopath/2007/PartnerControls"/>
-    </ScenarioTagsTaxHTField0>
-    <LocProcessedForMarketsLookup xmlns="4873beb7-5857-4685-be1f-d57550cc96cc" xsi:nil="true"/>
-    <TPLaunchHelpLinkType xmlns="4873beb7-5857-4685-be1f-d57550cc96cc">Template</TPLaunchHelpLinkType>
-    <OriginalRelease xmlns="4873beb7-5857-4685-be1f-d57550cc96cc">15</OriginalRelease>
-    <LocalizationTagsTaxHTField0 xmlns="4873beb7-5857-4685-be1f-d57550cc96cc">
-      <Terms xmlns="http://schemas.microsoft.com/office/infopath/2007/PartnerControls"/>
-    </LocalizationTagsTaxHTField0>
-    <UACurrentWords xmlns="4873beb7-5857-4685-be1f-d57550cc96cc" xsi:nil="true"/>
-    <ArtSampleDocs xmlns="4873beb7-5857-4685-be1f-d57550cc96cc" xsi:nil="true"/>
-    <UALocRecommendation xmlns="4873beb7-5857-4685-be1f-d57550cc96cc">Localize</UALocRecommendation>
-    <Manager xmlns="4873beb7-5857-4685-be1f-d57550cc96cc" xsi:nil="true"/>
-    <LocOverallHandbackStatusLookup xmlns="4873beb7-5857-4685-be1f-d57550cc96cc" xsi:nil="true"/>
-    <ShowIn xmlns="4873beb7-5857-4685-be1f-d57550cc96cc">Show everywhere</ShowIn>
-    <UANotes xmlns="4873beb7-5857-4685-be1f-d57550cc96cc" xsi:nil="true"/>
-    <InternalTagsTaxHTField0 xmlns="4873beb7-5857-4685-be1f-d57550cc96cc">
-      <Terms xmlns="http://schemas.microsoft.com/office/infopath/2007/PartnerControls"/>
-    </InternalTagsTaxHTField0>
-    <CSXHash xmlns="4873beb7-5857-4685-be1f-d57550cc96cc" xsi:nil="true"/>
-    <VoteCount xmlns="4873beb7-5857-4685-be1f-d57550cc96cc" xsi:nil="true"/>
-    <AssetExpire xmlns="4873beb7-5857-4685-be1f-d57550cc96cc">2029-05-12T07:00:00+00:00</AssetExpire>
-    <DSATActionTaken xmlns="4873beb7-5857-4685-be1f-d57550cc96cc" xsi:nil="true"/>
-    <CSXSubmissionMarket xmlns="4873beb7-5857-4685-be1f-d57550cc96cc" xsi:nil="true"/>
-    <LocMarketGroupTiers2 xmlns="4873beb7-5857-4685-be1f-d57550cc96cc" xsi:nil="true"/>
-  </documentManagement>
-</p:properties>
-</file>
-
-<file path=customXml/item2.xml><?xml version="1.0" encoding="utf-8"?>
 <ct:contentTypeSchema xmlns:ct="http://schemas.microsoft.com/office/2006/metadata/contentType" xmlns:ma="http://schemas.microsoft.com/office/2006/metadata/properties/metaAttributes" ct:_="" ma:_="" ma:contentTypeName="TemplateFile" ma:contentTypeID="0x0101006EDDDB5EE6D98C44930B742096920B300400F5B6D36B3EF94B4E9A635CDF2A18F5B8" ma:contentTypeVersion="72" ma:contentTypeDescription="Create a new document." ma:contentTypeScope="" ma:versionID="a23e56308344d904b51738559c3d67c9">
   <xsd:schema xmlns:xsd="http://www.w3.org/2001/XMLSchema" xmlns:xs="http://www.w3.org/2001/XMLSchema" xmlns:p="http://schemas.microsoft.com/office/2006/metadata/properties" xmlns:ns2="4873beb7-5857-4685-be1f-d57550cc96cc" targetNamespace="http://schemas.microsoft.com/office/2006/metadata/properties" ma:root="true" ma:fieldsID="cd0908cc4600e77bf5da051303e00c8d" ns2:_="">
     <xsd:import namespace="4873beb7-5857-4685-be1f-d57550cc96cc"/>
@@ -29096,6 +29259,142 @@
 </ct:contentTypeSchema>
 </file>
 
+<file path=customXml/item2.xml><?xml version="1.0" encoding="utf-8"?>
+<p:properties xmlns:p="http://schemas.microsoft.com/office/2006/metadata/properties" xmlns:xsi="http://www.w3.org/2001/XMLSchema-instance" xmlns:pc="http://schemas.microsoft.com/office/infopath/2007/PartnerControls">
+  <documentManagement>
+    <LocPublishedLinkedAssetsLookup xmlns="4873beb7-5857-4685-be1f-d57550cc96cc" xsi:nil="true"/>
+    <ApprovalStatus xmlns="4873beb7-5857-4685-be1f-d57550cc96cc">InProgress</ApprovalStatus>
+    <MarketSpecific xmlns="4873beb7-5857-4685-be1f-d57550cc96cc">false</MarketSpecific>
+    <LocComments xmlns="4873beb7-5857-4685-be1f-d57550cc96cc" xsi:nil="true"/>
+    <LocLastLocAttemptVersionTypeLookup xmlns="4873beb7-5857-4685-be1f-d57550cc96cc" xsi:nil="true"/>
+    <DirectSourceMarket xmlns="4873beb7-5857-4685-be1f-d57550cc96cc" xsi:nil="true"/>
+    <ThumbnailAssetId xmlns="4873beb7-5857-4685-be1f-d57550cc96cc" xsi:nil="true"/>
+    <PrimaryImageGen xmlns="4873beb7-5857-4685-be1f-d57550cc96cc">false</PrimaryImageGen>
+    <LocNewPublishedVersionLookup xmlns="4873beb7-5857-4685-be1f-d57550cc96cc" xsi:nil="true"/>
+    <LegacyData xmlns="4873beb7-5857-4685-be1f-d57550cc96cc" xsi:nil="true"/>
+    <LocRecommendedHandoff xmlns="4873beb7-5857-4685-be1f-d57550cc96cc" xsi:nil="true"/>
+    <BusinessGroup xmlns="4873beb7-5857-4685-be1f-d57550cc96cc" xsi:nil="true"/>
+    <BlockPublish xmlns="4873beb7-5857-4685-be1f-d57550cc96cc">false</BlockPublish>
+    <TPFriendlyName xmlns="4873beb7-5857-4685-be1f-d57550cc96cc" xsi:nil="true"/>
+    <LocOverallPublishStatusLookup xmlns="4873beb7-5857-4685-be1f-d57550cc96cc" xsi:nil="true"/>
+    <NumericId xmlns="4873beb7-5857-4685-be1f-d57550cc96cc" xsi:nil="true"/>
+    <APEditor xmlns="4873beb7-5857-4685-be1f-d57550cc96cc">
+      <UserInfo>
+        <DisplayName/>
+        <AccountId xsi:nil="true"/>
+        <AccountType/>
+      </UserInfo>
+    </APEditor>
+    <SourceTitle xmlns="4873beb7-5857-4685-be1f-d57550cc96cc" xsi:nil="true"/>
+    <OpenTemplate xmlns="4873beb7-5857-4685-be1f-d57550cc96cc">true</OpenTemplate>
+    <LocOverallLocStatusLookup xmlns="4873beb7-5857-4685-be1f-d57550cc96cc" xsi:nil="true"/>
+    <UALocComments xmlns="4873beb7-5857-4685-be1f-d57550cc96cc" xsi:nil="true"/>
+    <ParentAssetId xmlns="4873beb7-5857-4685-be1f-d57550cc96cc" xsi:nil="true"/>
+    <IntlLangReviewDate xmlns="4873beb7-5857-4685-be1f-d57550cc96cc" xsi:nil="true"/>
+    <FeatureTagsTaxHTField0 xmlns="4873beb7-5857-4685-be1f-d57550cc96cc">
+      <Terms xmlns="http://schemas.microsoft.com/office/infopath/2007/PartnerControls"/>
+    </FeatureTagsTaxHTField0>
+    <PublishStatusLookup xmlns="4873beb7-5857-4685-be1f-d57550cc96cc">
+      <Value>1345093</Value>
+    </PublishStatusLookup>
+    <Providers xmlns="4873beb7-5857-4685-be1f-d57550cc96cc" xsi:nil="true"/>
+    <MachineTranslated xmlns="4873beb7-5857-4685-be1f-d57550cc96cc">false</MachineTranslated>
+    <OriginalSourceMarket xmlns="4873beb7-5857-4685-be1f-d57550cc96cc" xsi:nil="true"/>
+    <APDescription xmlns="4873beb7-5857-4685-be1f-d57550cc96cc">This simple template design works for technology and  businesses, but it's versatile enough to use in other contexts.  It features multiple slide layouts designed for widescreen (16x9 resolution) and includes a sample SmartArt list and chart that are easily editable.</APDescription>
+    <ClipArtFilename xmlns="4873beb7-5857-4685-be1f-d57550cc96cc" xsi:nil="true"/>
+    <ContentItem xmlns="4873beb7-5857-4685-be1f-d57550cc96cc" xsi:nil="true"/>
+    <TPInstallLocation xmlns="4873beb7-5857-4685-be1f-d57550cc96cc" xsi:nil="true"/>
+    <PublishTargets xmlns="4873beb7-5857-4685-be1f-d57550cc96cc">OfficeOnlineVNext</PublishTargets>
+    <TimesCloned xmlns="4873beb7-5857-4685-be1f-d57550cc96cc" xsi:nil="true"/>
+    <AssetStart xmlns="4873beb7-5857-4685-be1f-d57550cc96cc">2011-11-26T00:30:00+00:00</AssetStart>
+    <Provider xmlns="4873beb7-5857-4685-be1f-d57550cc96cc" xsi:nil="true"/>
+    <AcquiredFrom xmlns="4873beb7-5857-4685-be1f-d57550cc96cc">Internal MS</AcquiredFrom>
+    <FriendlyTitle xmlns="4873beb7-5857-4685-be1f-d57550cc96cc" xsi:nil="true"/>
+    <LastHandOff xmlns="4873beb7-5857-4685-be1f-d57550cc96cc" xsi:nil="true"/>
+    <TPClientViewer xmlns="4873beb7-5857-4685-be1f-d57550cc96cc" xsi:nil="true"/>
+    <TemplateStatus xmlns="4873beb7-5857-4685-be1f-d57550cc96cc">Complete</TemplateStatus>
+    <Downloads xmlns="4873beb7-5857-4685-be1f-d57550cc96cc">0</Downloads>
+    <OOCacheId xmlns="4873beb7-5857-4685-be1f-d57550cc96cc" xsi:nil="true"/>
+    <IsDeleted xmlns="4873beb7-5857-4685-be1f-d57550cc96cc">false</IsDeleted>
+    <LocPublishedDependentAssetsLookup xmlns="4873beb7-5857-4685-be1f-d57550cc96cc" xsi:nil="true"/>
+    <TPExecutable xmlns="4873beb7-5857-4685-be1f-d57550cc96cc" xsi:nil="true"/>
+    <EditorialTags xmlns="4873beb7-5857-4685-be1f-d57550cc96cc" xsi:nil="true"/>
+    <SubmitterId xmlns="4873beb7-5857-4685-be1f-d57550cc96cc" xsi:nil="true"/>
+    <ApprovalLog xmlns="4873beb7-5857-4685-be1f-d57550cc96cc" xsi:nil="true"/>
+    <AssetType xmlns="4873beb7-5857-4685-be1f-d57550cc96cc">TP</AssetType>
+    <BugNumber xmlns="4873beb7-5857-4685-be1f-d57550cc96cc" xsi:nil="true"/>
+    <CSXSubmissionDate xmlns="4873beb7-5857-4685-be1f-d57550cc96cc" xsi:nil="true"/>
+    <CSXUpdate xmlns="4873beb7-5857-4685-be1f-d57550cc96cc">false</CSXUpdate>
+    <Milestone xmlns="4873beb7-5857-4685-be1f-d57550cc96cc" xsi:nil="true"/>
+    <RecommendationsModifier xmlns="4873beb7-5857-4685-be1f-d57550cc96cc" xsi:nil="true"/>
+    <OriginAsset xmlns="4873beb7-5857-4685-be1f-d57550cc96cc" xsi:nil="true"/>
+    <TPComponent xmlns="4873beb7-5857-4685-be1f-d57550cc96cc" xsi:nil="true"/>
+    <AssetId xmlns="4873beb7-5857-4685-be1f-d57550cc96cc">TP102787989</AssetId>
+    <IntlLocPriority xmlns="4873beb7-5857-4685-be1f-d57550cc96cc" xsi:nil="true"/>
+    <PolicheckWords xmlns="4873beb7-5857-4685-be1f-d57550cc96cc" xsi:nil="true"/>
+    <TPLaunchHelpLink xmlns="4873beb7-5857-4685-be1f-d57550cc96cc" xsi:nil="true"/>
+    <TPApplication xmlns="4873beb7-5857-4685-be1f-d57550cc96cc" xsi:nil="true"/>
+    <CrawlForDependencies xmlns="4873beb7-5857-4685-be1f-d57550cc96cc">false</CrawlForDependencies>
+    <HandoffToMSDN xmlns="4873beb7-5857-4685-be1f-d57550cc96cc" xsi:nil="true"/>
+    <PlannedPubDate xmlns="4873beb7-5857-4685-be1f-d57550cc96cc" xsi:nil="true"/>
+    <IntlLangReviewer xmlns="4873beb7-5857-4685-be1f-d57550cc96cc" xsi:nil="true"/>
+    <TrustLevel xmlns="4873beb7-5857-4685-be1f-d57550cc96cc">1 Microsoft Managed Content</TrustLevel>
+    <LocLastLocAttemptVersionLookup xmlns="4873beb7-5857-4685-be1f-d57550cc96cc">694266</LocLastLocAttemptVersionLookup>
+    <LocProcessedForHandoffsLookup xmlns="4873beb7-5857-4685-be1f-d57550cc96cc" xsi:nil="true"/>
+    <IsSearchable xmlns="4873beb7-5857-4685-be1f-d57550cc96cc">true</IsSearchable>
+    <TemplateTemplateType xmlns="4873beb7-5857-4685-be1f-d57550cc96cc">PowerPoint Presentation Template</TemplateTemplateType>
+    <CampaignTagsTaxHTField0 xmlns="4873beb7-5857-4685-be1f-d57550cc96cc">
+      <Terms xmlns="http://schemas.microsoft.com/office/infopath/2007/PartnerControls"/>
+    </CampaignTagsTaxHTField0>
+    <TPNamespace xmlns="4873beb7-5857-4685-be1f-d57550cc96cc" xsi:nil="true"/>
+    <LocOverallPreviewStatusLookup xmlns="4873beb7-5857-4685-be1f-d57550cc96cc" xsi:nil="true"/>
+    <TaxCatchAll xmlns="4873beb7-5857-4685-be1f-d57550cc96cc"/>
+    <Markets xmlns="4873beb7-5857-4685-be1f-d57550cc96cc"/>
+    <UAProjectedTotalWords xmlns="4873beb7-5857-4685-be1f-d57550cc96cc" xsi:nil="true"/>
+    <IntlLangReview xmlns="4873beb7-5857-4685-be1f-d57550cc96cc" xsi:nil="true"/>
+    <OutputCachingOn xmlns="4873beb7-5857-4685-be1f-d57550cc96cc">false</OutputCachingOn>
+    <AverageRating xmlns="4873beb7-5857-4685-be1f-d57550cc96cc" xsi:nil="true"/>
+    <APAuthor xmlns="4873beb7-5857-4685-be1f-d57550cc96cc">
+      <UserInfo>
+        <DisplayName>REDMOND\kristaa</DisplayName>
+        <AccountId>136</AccountId>
+        <AccountType/>
+      </UserInfo>
+    </APAuthor>
+    <LocManualTestRequired xmlns="4873beb7-5857-4685-be1f-d57550cc96cc">false</LocManualTestRequired>
+    <TPCommandLine xmlns="4873beb7-5857-4685-be1f-d57550cc96cc" xsi:nil="true"/>
+    <TPAppVersion xmlns="4873beb7-5857-4685-be1f-d57550cc96cc" xsi:nil="true"/>
+    <EditorialStatus xmlns="4873beb7-5857-4685-be1f-d57550cc96cc">Complete</EditorialStatus>
+    <LastModifiedDateTime xmlns="4873beb7-5857-4685-be1f-d57550cc96cc" xsi:nil="true"/>
+    <ScenarioTagsTaxHTField0 xmlns="4873beb7-5857-4685-be1f-d57550cc96cc">
+      <Terms xmlns="http://schemas.microsoft.com/office/infopath/2007/PartnerControls"/>
+    </ScenarioTagsTaxHTField0>
+    <LocProcessedForMarketsLookup xmlns="4873beb7-5857-4685-be1f-d57550cc96cc" xsi:nil="true"/>
+    <TPLaunchHelpLinkType xmlns="4873beb7-5857-4685-be1f-d57550cc96cc">Template</TPLaunchHelpLinkType>
+    <OriginalRelease xmlns="4873beb7-5857-4685-be1f-d57550cc96cc">15</OriginalRelease>
+    <LocalizationTagsTaxHTField0 xmlns="4873beb7-5857-4685-be1f-d57550cc96cc">
+      <Terms xmlns="http://schemas.microsoft.com/office/infopath/2007/PartnerControls"/>
+    </LocalizationTagsTaxHTField0>
+    <UACurrentWords xmlns="4873beb7-5857-4685-be1f-d57550cc96cc" xsi:nil="true"/>
+    <ArtSampleDocs xmlns="4873beb7-5857-4685-be1f-d57550cc96cc" xsi:nil="true"/>
+    <UALocRecommendation xmlns="4873beb7-5857-4685-be1f-d57550cc96cc">Localize</UALocRecommendation>
+    <Manager xmlns="4873beb7-5857-4685-be1f-d57550cc96cc" xsi:nil="true"/>
+    <LocOverallHandbackStatusLookup xmlns="4873beb7-5857-4685-be1f-d57550cc96cc" xsi:nil="true"/>
+    <ShowIn xmlns="4873beb7-5857-4685-be1f-d57550cc96cc">Show everywhere</ShowIn>
+    <UANotes xmlns="4873beb7-5857-4685-be1f-d57550cc96cc" xsi:nil="true"/>
+    <InternalTagsTaxHTField0 xmlns="4873beb7-5857-4685-be1f-d57550cc96cc">
+      <Terms xmlns="http://schemas.microsoft.com/office/infopath/2007/PartnerControls"/>
+    </InternalTagsTaxHTField0>
+    <CSXHash xmlns="4873beb7-5857-4685-be1f-d57550cc96cc" xsi:nil="true"/>
+    <VoteCount xmlns="4873beb7-5857-4685-be1f-d57550cc96cc" xsi:nil="true"/>
+    <AssetExpire xmlns="4873beb7-5857-4685-be1f-d57550cc96cc">2029-05-12T07:00:00+00:00</AssetExpire>
+    <DSATActionTaken xmlns="4873beb7-5857-4685-be1f-d57550cc96cc" xsi:nil="true"/>
+    <CSXSubmissionMarket xmlns="4873beb7-5857-4685-be1f-d57550cc96cc" xsi:nil="true"/>
+    <LocMarketGroupTiers2 xmlns="4873beb7-5857-4685-be1f-d57550cc96cc" xsi:nil="true"/>
+  </documentManagement>
+</p:properties>
+</file>
+
 <file path=customXml/item3.xml><?xml version="1.0" encoding="utf-8"?>
 <?mso-contentType ?>
 <FormTemplates xmlns="http://schemas.microsoft.com/sharepoint/v3/contenttype/forms">
@@ -29106,22 +29405,6 @@
 </file>
 
 <file path=customXml/itemProps1.xml><?xml version="1.0" encoding="utf-8"?>
-<ds:datastoreItem xmlns:ds="http://schemas.openxmlformats.org/officeDocument/2006/customXml" ds:itemID="{60C67BEE-D13F-4BD2-98A5-34D8A0977F68}">
-  <ds:schemaRefs>
-    <ds:schemaRef ds:uri="4873beb7-5857-4685-be1f-d57550cc96cc"/>
-    <ds:schemaRef ds:uri="http://purl.org/dc/dcmitype/"/>
-    <ds:schemaRef ds:uri="http://schemas.openxmlformats.org/package/2006/metadata/core-properties"/>
-    <ds:schemaRef ds:uri="http://purl.org/dc/terms/"/>
-    <ds:schemaRef ds:uri="http://www.w3.org/XML/1998/namespace"/>
-    <ds:schemaRef ds:uri="http://purl.org/dc/elements/1.1/"/>
-    <ds:schemaRef ds:uri="http://schemas.microsoft.com/office/2006/documentManagement/types"/>
-    <ds:schemaRef ds:uri="http://schemas.microsoft.com/office/2006/metadata/properties"/>
-    <ds:schemaRef ds:uri="http://schemas.microsoft.com/office/infopath/2007/PartnerControls"/>
-  </ds:schemaRefs>
-</ds:datastoreItem>
-</file>
-
-<file path=customXml/itemProps2.xml><?xml version="1.0" encoding="utf-8"?>
 <ds:datastoreItem xmlns:ds="http://schemas.openxmlformats.org/officeDocument/2006/customXml" ds:itemID="{A09BF4D4-EF60-4196-BFC3-9462D607978C}">
   <ds:schemaRefs>
     <ds:schemaRef ds:uri="http://schemas.microsoft.com/office/2006/metadata/contentType"/>
@@ -29139,6 +29422,22 @@
 </ds:datastoreItem>
 </file>
 
+<file path=customXml/itemProps2.xml><?xml version="1.0" encoding="utf-8"?>
+<ds:datastoreItem xmlns:ds="http://schemas.openxmlformats.org/officeDocument/2006/customXml" ds:itemID="{60C67BEE-D13F-4BD2-98A5-34D8A0977F68}">
+  <ds:schemaRefs>
+    <ds:schemaRef ds:uri="4873beb7-5857-4685-be1f-d57550cc96cc"/>
+    <ds:schemaRef ds:uri="http://purl.org/dc/dcmitype/"/>
+    <ds:schemaRef ds:uri="http://schemas.openxmlformats.org/package/2006/metadata/core-properties"/>
+    <ds:schemaRef ds:uri="http://purl.org/dc/terms/"/>
+    <ds:schemaRef ds:uri="http://www.w3.org/XML/1998/namespace"/>
+    <ds:schemaRef ds:uri="http://purl.org/dc/elements/1.1/"/>
+    <ds:schemaRef ds:uri="http://schemas.microsoft.com/office/2006/documentManagement/types"/>
+    <ds:schemaRef ds:uri="http://schemas.microsoft.com/office/2006/metadata/properties"/>
+    <ds:schemaRef ds:uri="http://schemas.microsoft.com/office/infopath/2007/PartnerControls"/>
+  </ds:schemaRefs>
+</ds:datastoreItem>
+</file>
+
 <file path=customXml/itemProps3.xml><?xml version="1.0" encoding="utf-8"?>
 <ds:datastoreItem xmlns:ds="http://schemas.openxmlformats.org/officeDocument/2006/customXml" ds:itemID="{3836F65B-1B07-41EE-A0E8-BC6EF3855225}">
   <ds:schemaRefs>

--- a/Apresentacao.pptx
+++ b/Apresentacao.pptx
@@ -15611,7 +15611,7 @@
             <a:pPr rtl="0"/>
             <a:fld id="{79429053-DC2A-4342-ADD4-2FD729D91E2C}" type="slidenum">
               <a:rPr/>
-              <a:t>‹nº›</a:t>
+              <a:t>‹#›</a:t>
             </a:fld>
             <a:endParaRPr/>
           </a:p>
@@ -15868,7 +15868,7 @@
             <a:pPr rtl="0"/>
             <a:fld id="{3EBA5BD7-F043-4D1B-AA17-CD412FC534DE}" type="slidenum">
               <a:rPr/>
-              <a:t>‹nº›</a:t>
+              <a:t>‹#›</a:t>
             </a:fld>
             <a:endParaRPr/>
           </a:p>
@@ -16866,7 +16866,7 @@
             <a:pPr rtl="0"/>
             <a:fld id="{C014DD1E-5D91-48A3-AD6D-45FBA980D106}" type="slidenum">
               <a:rPr/>
-              <a:t>‹nº›</a:t>
+              <a:t>‹#›</a:t>
             </a:fld>
             <a:endParaRPr/>
           </a:p>
@@ -17068,7 +17068,7 @@
             <a:pPr rtl="0"/>
             <a:fld id="{C014DD1E-5D91-48A3-AD6D-45FBA980D106}" type="slidenum">
               <a:rPr/>
-              <a:t>‹nº›</a:t>
+              <a:t>‹#›</a:t>
             </a:fld>
             <a:endParaRPr/>
           </a:p>
@@ -17280,7 +17280,7 @@
             <a:pPr rtl="0"/>
             <a:fld id="{C014DD1E-5D91-48A3-AD6D-45FBA980D106}" type="slidenum">
               <a:rPr/>
-              <a:t>‹nº›</a:t>
+              <a:t>‹#›</a:t>
             </a:fld>
             <a:endParaRPr/>
           </a:p>
@@ -17482,7 +17482,7 @@
             <a:pPr rtl="0"/>
             <a:fld id="{C014DD1E-5D91-48A3-AD6D-45FBA980D106}" type="slidenum">
               <a:rPr/>
-              <a:t>‹nº›</a:t>
+              <a:t>‹#›</a:t>
             </a:fld>
             <a:endParaRPr/>
           </a:p>
@@ -17918,7 +17918,7 @@
             <a:pPr rtl="0"/>
             <a:fld id="{C014DD1E-5D91-48A3-AD6D-45FBA980D106}" type="slidenum">
               <a:rPr/>
-              <a:t>‹nº›</a:t>
+              <a:t>‹#›</a:t>
             </a:fld>
             <a:endParaRPr/>
           </a:p>
@@ -18226,7 +18226,7 @@
             <a:pPr rtl="0"/>
             <a:fld id="{C014DD1E-5D91-48A3-AD6D-45FBA980D106}" type="slidenum">
               <a:rPr/>
-              <a:t>‹nº›</a:t>
+              <a:t>‹#›</a:t>
             </a:fld>
             <a:endParaRPr/>
           </a:p>
@@ -18686,7 +18686,7 @@
             <a:pPr rtl="0"/>
             <a:fld id="{C014DD1E-5D91-48A3-AD6D-45FBA980D106}" type="slidenum">
               <a:rPr/>
-              <a:t>‹nº›</a:t>
+              <a:t>‹#›</a:t>
             </a:fld>
             <a:endParaRPr/>
           </a:p>
@@ -18820,7 +18820,7 @@
             <a:pPr rtl="0"/>
             <a:fld id="{C014DD1E-5D91-48A3-AD6D-45FBA980D106}" type="slidenum">
               <a:rPr/>
-              <a:t>‹nº›</a:t>
+              <a:t>‹#›</a:t>
             </a:fld>
             <a:endParaRPr/>
           </a:p>
@@ -18930,7 +18930,7 @@
             <a:pPr rtl="0"/>
             <a:fld id="{C014DD1E-5D91-48A3-AD6D-45FBA980D106}" type="slidenum">
               <a:rPr/>
-              <a:t>‹nº›</a:t>
+              <a:t>‹#›</a:t>
             </a:fld>
             <a:endParaRPr/>
           </a:p>
@@ -19233,7 +19233,7 @@
             <a:pPr rtl="0"/>
             <a:fld id="{C014DD1E-5D91-48A3-AD6D-45FBA980D106}" type="slidenum">
               <a:rPr/>
-              <a:t>‹nº›</a:t>
+              <a:t>‹#›</a:t>
             </a:fld>
             <a:endParaRPr/>
           </a:p>
@@ -19526,7 +19526,7 @@
             <a:pPr rtl="0"/>
             <a:fld id="{C014DD1E-5D91-48A3-AD6D-45FBA980D106}" type="slidenum">
               <a:rPr/>
-              <a:t>‹nº›</a:t>
+              <a:t>‹#›</a:t>
             </a:fld>
             <a:endParaRPr/>
           </a:p>
@@ -20189,7 +20189,7 @@
             <a:fld id="{C014DD1E-5D91-48A3-AD6D-45FBA980D106}" type="slidenum">
               <a:rPr/>
               <a:pPr rtl="0"/>
-              <a:t>‹nº›</a:t>
+              <a:t>‹#›</a:t>
             </a:fld>
             <a:endParaRPr/>
           </a:p>
@@ -27050,6 +27050,42 @@
           </a:ln>
         </p:spPr>
       </p:pic>
+      <p:pic>
+        <p:nvPicPr>
+          <p:cNvPr id="4" name="Picture 3">
+            <a:extLst>
+              <a:ext uri="{FF2B5EF4-FFF2-40B4-BE49-F238E27FC236}">
+                <a16:creationId xmlns:a16="http://schemas.microsoft.com/office/drawing/2014/main" id="{6BB9356B-C6B3-4343-BF8A-F666E737FAE3}"/>
+              </a:ext>
+            </a:extLst>
+          </p:cNvPr>
+          <p:cNvPicPr>
+            <a:picLocks noChangeAspect="1"/>
+          </p:cNvPicPr>
+          <p:nvPr/>
+        </p:nvPicPr>
+        <p:blipFill>
+          <a:blip r:embed="rId3">
+            <a:extLst>
+              <a:ext uri="{28A0092B-C50C-407E-A947-70E740481C1C}">
+                <a14:useLocalDpi xmlns:a14="http://schemas.microsoft.com/office/drawing/2010/main" val="0"/>
+              </a:ext>
+            </a:extLst>
+          </a:blip>
+          <a:stretch>
+            <a:fillRect/>
+          </a:stretch>
+        </p:blipFill>
+        <p:spPr>
+          <a:xfrm>
+            <a:off x="1886342" y="985486"/>
+            <a:ext cx="9025582" cy="5291841"/>
+          </a:xfrm>
+          <a:prstGeom prst="rect">
+            <a:avLst/>
+          </a:prstGeom>
+        </p:spPr>
+      </p:pic>
     </p:spTree>
     <p:extLst>
       <p:ext uri="{BB962C8B-B14F-4D97-AF65-F5344CB8AC3E}">
@@ -28220,6 +28256,151 @@
 </file>
 
 <file path=customXml/item1.xml><?xml version="1.0" encoding="utf-8"?>
+<?mso-contentType ?>
+<FormTemplates xmlns="http://schemas.microsoft.com/sharepoint/v3/contenttype/forms">
+  <Display>DocumentLibraryForm</Display>
+  <Edit>AssetEditForm</Edit>
+  <New>DocumentLibraryForm</New>
+</FormTemplates>
+</file>
+
+<file path=customXml/item2.xml><?xml version="1.0" encoding="utf-8"?>
+<p:properties xmlns:p="http://schemas.microsoft.com/office/2006/metadata/properties" xmlns:xsi="http://www.w3.org/2001/XMLSchema-instance" xmlns:pc="http://schemas.microsoft.com/office/infopath/2007/PartnerControls">
+  <documentManagement>
+    <LocPublishedLinkedAssetsLookup xmlns="4873beb7-5857-4685-be1f-d57550cc96cc" xsi:nil="true"/>
+    <ApprovalStatus xmlns="4873beb7-5857-4685-be1f-d57550cc96cc">InProgress</ApprovalStatus>
+    <MarketSpecific xmlns="4873beb7-5857-4685-be1f-d57550cc96cc">false</MarketSpecific>
+    <LocComments xmlns="4873beb7-5857-4685-be1f-d57550cc96cc" xsi:nil="true"/>
+    <LocLastLocAttemptVersionTypeLookup xmlns="4873beb7-5857-4685-be1f-d57550cc96cc" xsi:nil="true"/>
+    <DirectSourceMarket xmlns="4873beb7-5857-4685-be1f-d57550cc96cc" xsi:nil="true"/>
+    <ThumbnailAssetId xmlns="4873beb7-5857-4685-be1f-d57550cc96cc" xsi:nil="true"/>
+    <PrimaryImageGen xmlns="4873beb7-5857-4685-be1f-d57550cc96cc">false</PrimaryImageGen>
+    <LocNewPublishedVersionLookup xmlns="4873beb7-5857-4685-be1f-d57550cc96cc" xsi:nil="true"/>
+    <LegacyData xmlns="4873beb7-5857-4685-be1f-d57550cc96cc" xsi:nil="true"/>
+    <LocRecommendedHandoff xmlns="4873beb7-5857-4685-be1f-d57550cc96cc" xsi:nil="true"/>
+    <BusinessGroup xmlns="4873beb7-5857-4685-be1f-d57550cc96cc" xsi:nil="true"/>
+    <BlockPublish xmlns="4873beb7-5857-4685-be1f-d57550cc96cc">false</BlockPublish>
+    <TPFriendlyName xmlns="4873beb7-5857-4685-be1f-d57550cc96cc" xsi:nil="true"/>
+    <LocOverallPublishStatusLookup xmlns="4873beb7-5857-4685-be1f-d57550cc96cc" xsi:nil="true"/>
+    <NumericId xmlns="4873beb7-5857-4685-be1f-d57550cc96cc" xsi:nil="true"/>
+    <APEditor xmlns="4873beb7-5857-4685-be1f-d57550cc96cc">
+      <UserInfo>
+        <DisplayName/>
+        <AccountId xsi:nil="true"/>
+        <AccountType/>
+      </UserInfo>
+    </APEditor>
+    <SourceTitle xmlns="4873beb7-5857-4685-be1f-d57550cc96cc" xsi:nil="true"/>
+    <OpenTemplate xmlns="4873beb7-5857-4685-be1f-d57550cc96cc">true</OpenTemplate>
+    <LocOverallLocStatusLookup xmlns="4873beb7-5857-4685-be1f-d57550cc96cc" xsi:nil="true"/>
+    <UALocComments xmlns="4873beb7-5857-4685-be1f-d57550cc96cc" xsi:nil="true"/>
+    <ParentAssetId xmlns="4873beb7-5857-4685-be1f-d57550cc96cc" xsi:nil="true"/>
+    <IntlLangReviewDate xmlns="4873beb7-5857-4685-be1f-d57550cc96cc" xsi:nil="true"/>
+    <FeatureTagsTaxHTField0 xmlns="4873beb7-5857-4685-be1f-d57550cc96cc">
+      <Terms xmlns="http://schemas.microsoft.com/office/infopath/2007/PartnerControls"/>
+    </FeatureTagsTaxHTField0>
+    <PublishStatusLookup xmlns="4873beb7-5857-4685-be1f-d57550cc96cc">
+      <Value>1345093</Value>
+    </PublishStatusLookup>
+    <Providers xmlns="4873beb7-5857-4685-be1f-d57550cc96cc" xsi:nil="true"/>
+    <MachineTranslated xmlns="4873beb7-5857-4685-be1f-d57550cc96cc">false</MachineTranslated>
+    <OriginalSourceMarket xmlns="4873beb7-5857-4685-be1f-d57550cc96cc" xsi:nil="true"/>
+    <APDescription xmlns="4873beb7-5857-4685-be1f-d57550cc96cc">This simple template design works for technology and  businesses, but it's versatile enough to use in other contexts.  It features multiple slide layouts designed for widescreen (16x9 resolution) and includes a sample SmartArt list and chart that are easily editable.</APDescription>
+    <ClipArtFilename xmlns="4873beb7-5857-4685-be1f-d57550cc96cc" xsi:nil="true"/>
+    <ContentItem xmlns="4873beb7-5857-4685-be1f-d57550cc96cc" xsi:nil="true"/>
+    <TPInstallLocation xmlns="4873beb7-5857-4685-be1f-d57550cc96cc" xsi:nil="true"/>
+    <PublishTargets xmlns="4873beb7-5857-4685-be1f-d57550cc96cc">OfficeOnlineVNext</PublishTargets>
+    <TimesCloned xmlns="4873beb7-5857-4685-be1f-d57550cc96cc" xsi:nil="true"/>
+    <AssetStart xmlns="4873beb7-5857-4685-be1f-d57550cc96cc">2011-11-26T00:30:00+00:00</AssetStart>
+    <Provider xmlns="4873beb7-5857-4685-be1f-d57550cc96cc" xsi:nil="true"/>
+    <AcquiredFrom xmlns="4873beb7-5857-4685-be1f-d57550cc96cc">Internal MS</AcquiredFrom>
+    <FriendlyTitle xmlns="4873beb7-5857-4685-be1f-d57550cc96cc" xsi:nil="true"/>
+    <LastHandOff xmlns="4873beb7-5857-4685-be1f-d57550cc96cc" xsi:nil="true"/>
+    <TPClientViewer xmlns="4873beb7-5857-4685-be1f-d57550cc96cc" xsi:nil="true"/>
+    <TemplateStatus xmlns="4873beb7-5857-4685-be1f-d57550cc96cc">Complete</TemplateStatus>
+    <Downloads xmlns="4873beb7-5857-4685-be1f-d57550cc96cc">0</Downloads>
+    <OOCacheId xmlns="4873beb7-5857-4685-be1f-d57550cc96cc" xsi:nil="true"/>
+    <IsDeleted xmlns="4873beb7-5857-4685-be1f-d57550cc96cc">false</IsDeleted>
+    <LocPublishedDependentAssetsLookup xmlns="4873beb7-5857-4685-be1f-d57550cc96cc" xsi:nil="true"/>
+    <TPExecutable xmlns="4873beb7-5857-4685-be1f-d57550cc96cc" xsi:nil="true"/>
+    <EditorialTags xmlns="4873beb7-5857-4685-be1f-d57550cc96cc" xsi:nil="true"/>
+    <SubmitterId xmlns="4873beb7-5857-4685-be1f-d57550cc96cc" xsi:nil="true"/>
+    <ApprovalLog xmlns="4873beb7-5857-4685-be1f-d57550cc96cc" xsi:nil="true"/>
+    <AssetType xmlns="4873beb7-5857-4685-be1f-d57550cc96cc">TP</AssetType>
+    <BugNumber xmlns="4873beb7-5857-4685-be1f-d57550cc96cc" xsi:nil="true"/>
+    <CSXSubmissionDate xmlns="4873beb7-5857-4685-be1f-d57550cc96cc" xsi:nil="true"/>
+    <CSXUpdate xmlns="4873beb7-5857-4685-be1f-d57550cc96cc">false</CSXUpdate>
+    <Milestone xmlns="4873beb7-5857-4685-be1f-d57550cc96cc" xsi:nil="true"/>
+    <RecommendationsModifier xmlns="4873beb7-5857-4685-be1f-d57550cc96cc" xsi:nil="true"/>
+    <OriginAsset xmlns="4873beb7-5857-4685-be1f-d57550cc96cc" xsi:nil="true"/>
+    <TPComponent xmlns="4873beb7-5857-4685-be1f-d57550cc96cc" xsi:nil="true"/>
+    <AssetId xmlns="4873beb7-5857-4685-be1f-d57550cc96cc">TP102787989</AssetId>
+    <IntlLocPriority xmlns="4873beb7-5857-4685-be1f-d57550cc96cc" xsi:nil="true"/>
+    <PolicheckWords xmlns="4873beb7-5857-4685-be1f-d57550cc96cc" xsi:nil="true"/>
+    <TPLaunchHelpLink xmlns="4873beb7-5857-4685-be1f-d57550cc96cc" xsi:nil="true"/>
+    <TPApplication xmlns="4873beb7-5857-4685-be1f-d57550cc96cc" xsi:nil="true"/>
+    <CrawlForDependencies xmlns="4873beb7-5857-4685-be1f-d57550cc96cc">false</CrawlForDependencies>
+    <HandoffToMSDN xmlns="4873beb7-5857-4685-be1f-d57550cc96cc" xsi:nil="true"/>
+    <PlannedPubDate xmlns="4873beb7-5857-4685-be1f-d57550cc96cc" xsi:nil="true"/>
+    <IntlLangReviewer xmlns="4873beb7-5857-4685-be1f-d57550cc96cc" xsi:nil="true"/>
+    <TrustLevel xmlns="4873beb7-5857-4685-be1f-d57550cc96cc">1 Microsoft Managed Content</TrustLevel>
+    <LocLastLocAttemptVersionLookup xmlns="4873beb7-5857-4685-be1f-d57550cc96cc">694266</LocLastLocAttemptVersionLookup>
+    <LocProcessedForHandoffsLookup xmlns="4873beb7-5857-4685-be1f-d57550cc96cc" xsi:nil="true"/>
+    <IsSearchable xmlns="4873beb7-5857-4685-be1f-d57550cc96cc">true</IsSearchable>
+    <TemplateTemplateType xmlns="4873beb7-5857-4685-be1f-d57550cc96cc">PowerPoint Presentation Template</TemplateTemplateType>
+    <CampaignTagsTaxHTField0 xmlns="4873beb7-5857-4685-be1f-d57550cc96cc">
+      <Terms xmlns="http://schemas.microsoft.com/office/infopath/2007/PartnerControls"/>
+    </CampaignTagsTaxHTField0>
+    <TPNamespace xmlns="4873beb7-5857-4685-be1f-d57550cc96cc" xsi:nil="true"/>
+    <LocOverallPreviewStatusLookup xmlns="4873beb7-5857-4685-be1f-d57550cc96cc" xsi:nil="true"/>
+    <TaxCatchAll xmlns="4873beb7-5857-4685-be1f-d57550cc96cc"/>
+    <Markets xmlns="4873beb7-5857-4685-be1f-d57550cc96cc"/>
+    <UAProjectedTotalWords xmlns="4873beb7-5857-4685-be1f-d57550cc96cc" xsi:nil="true"/>
+    <IntlLangReview xmlns="4873beb7-5857-4685-be1f-d57550cc96cc" xsi:nil="true"/>
+    <OutputCachingOn xmlns="4873beb7-5857-4685-be1f-d57550cc96cc">false</OutputCachingOn>
+    <AverageRating xmlns="4873beb7-5857-4685-be1f-d57550cc96cc" xsi:nil="true"/>
+    <APAuthor xmlns="4873beb7-5857-4685-be1f-d57550cc96cc">
+      <UserInfo>
+        <DisplayName>REDMOND\kristaa</DisplayName>
+        <AccountId>136</AccountId>
+        <AccountType/>
+      </UserInfo>
+    </APAuthor>
+    <LocManualTestRequired xmlns="4873beb7-5857-4685-be1f-d57550cc96cc">false</LocManualTestRequired>
+    <TPCommandLine xmlns="4873beb7-5857-4685-be1f-d57550cc96cc" xsi:nil="true"/>
+    <TPAppVersion xmlns="4873beb7-5857-4685-be1f-d57550cc96cc" xsi:nil="true"/>
+    <EditorialStatus xmlns="4873beb7-5857-4685-be1f-d57550cc96cc">Complete</EditorialStatus>
+    <LastModifiedDateTime xmlns="4873beb7-5857-4685-be1f-d57550cc96cc" xsi:nil="true"/>
+    <ScenarioTagsTaxHTField0 xmlns="4873beb7-5857-4685-be1f-d57550cc96cc">
+      <Terms xmlns="http://schemas.microsoft.com/office/infopath/2007/PartnerControls"/>
+    </ScenarioTagsTaxHTField0>
+    <LocProcessedForMarketsLookup xmlns="4873beb7-5857-4685-be1f-d57550cc96cc" xsi:nil="true"/>
+    <TPLaunchHelpLinkType xmlns="4873beb7-5857-4685-be1f-d57550cc96cc">Template</TPLaunchHelpLinkType>
+    <OriginalRelease xmlns="4873beb7-5857-4685-be1f-d57550cc96cc">15</OriginalRelease>
+    <LocalizationTagsTaxHTField0 xmlns="4873beb7-5857-4685-be1f-d57550cc96cc">
+      <Terms xmlns="http://schemas.microsoft.com/office/infopath/2007/PartnerControls"/>
+    </LocalizationTagsTaxHTField0>
+    <UACurrentWords xmlns="4873beb7-5857-4685-be1f-d57550cc96cc" xsi:nil="true"/>
+    <ArtSampleDocs xmlns="4873beb7-5857-4685-be1f-d57550cc96cc" xsi:nil="true"/>
+    <UALocRecommendation xmlns="4873beb7-5857-4685-be1f-d57550cc96cc">Localize</UALocRecommendation>
+    <Manager xmlns="4873beb7-5857-4685-be1f-d57550cc96cc" xsi:nil="true"/>
+    <LocOverallHandbackStatusLookup xmlns="4873beb7-5857-4685-be1f-d57550cc96cc" xsi:nil="true"/>
+    <ShowIn xmlns="4873beb7-5857-4685-be1f-d57550cc96cc">Show everywhere</ShowIn>
+    <UANotes xmlns="4873beb7-5857-4685-be1f-d57550cc96cc" xsi:nil="true"/>
+    <InternalTagsTaxHTField0 xmlns="4873beb7-5857-4685-be1f-d57550cc96cc">
+      <Terms xmlns="http://schemas.microsoft.com/office/infopath/2007/PartnerControls"/>
+    </InternalTagsTaxHTField0>
+    <CSXHash xmlns="4873beb7-5857-4685-be1f-d57550cc96cc" xsi:nil="true"/>
+    <VoteCount xmlns="4873beb7-5857-4685-be1f-d57550cc96cc" xsi:nil="true"/>
+    <AssetExpire xmlns="4873beb7-5857-4685-be1f-d57550cc96cc">2029-05-12T07:00:00+00:00</AssetExpire>
+    <DSATActionTaken xmlns="4873beb7-5857-4685-be1f-d57550cc96cc" xsi:nil="true"/>
+    <CSXSubmissionMarket xmlns="4873beb7-5857-4685-be1f-d57550cc96cc" xsi:nil="true"/>
+    <LocMarketGroupTiers2 xmlns="4873beb7-5857-4685-be1f-d57550cc96cc" xsi:nil="true"/>
+  </documentManagement>
+</p:properties>
+</file>
+
+<file path=customXml/item3.xml><?xml version="1.0" encoding="utf-8"?>
 <ct:contentTypeSchema xmlns:ct="http://schemas.microsoft.com/office/2006/metadata/contentType" xmlns:ma="http://schemas.microsoft.com/office/2006/metadata/properties/metaAttributes" ct:_="" ma:_="" ma:contentTypeName="TemplateFile" ma:contentTypeID="0x0101006EDDDB5EE6D98C44930B742096920B300400F5B6D36B3EF94B4E9A635CDF2A18F5B8" ma:contentTypeVersion="72" ma:contentTypeDescription="Create a new document." ma:contentTypeScope="" ma:versionID="a23e56308344d904b51738559c3d67c9">
   <xsd:schema xmlns:xsd="http://www.w3.org/2001/XMLSchema" xmlns:xs="http://www.w3.org/2001/XMLSchema" xmlns:p="http://schemas.microsoft.com/office/2006/metadata/properties" xmlns:ns2="4873beb7-5857-4685-be1f-d57550cc96cc" targetNamespace="http://schemas.microsoft.com/office/2006/metadata/properties" ma:root="true" ma:fieldsID="cd0908cc4600e77bf5da051303e00c8d" ns2:_="">
     <xsd:import namespace="4873beb7-5857-4685-be1f-d57550cc96cc"/>
@@ -29259,165 +29440,10 @@
 </ct:contentTypeSchema>
 </file>
 
-<file path=customXml/item2.xml><?xml version="1.0" encoding="utf-8"?>
-<p:properties xmlns:p="http://schemas.microsoft.com/office/2006/metadata/properties" xmlns:xsi="http://www.w3.org/2001/XMLSchema-instance" xmlns:pc="http://schemas.microsoft.com/office/infopath/2007/PartnerControls">
-  <documentManagement>
-    <LocPublishedLinkedAssetsLookup xmlns="4873beb7-5857-4685-be1f-d57550cc96cc" xsi:nil="true"/>
-    <ApprovalStatus xmlns="4873beb7-5857-4685-be1f-d57550cc96cc">InProgress</ApprovalStatus>
-    <MarketSpecific xmlns="4873beb7-5857-4685-be1f-d57550cc96cc">false</MarketSpecific>
-    <LocComments xmlns="4873beb7-5857-4685-be1f-d57550cc96cc" xsi:nil="true"/>
-    <LocLastLocAttemptVersionTypeLookup xmlns="4873beb7-5857-4685-be1f-d57550cc96cc" xsi:nil="true"/>
-    <DirectSourceMarket xmlns="4873beb7-5857-4685-be1f-d57550cc96cc" xsi:nil="true"/>
-    <ThumbnailAssetId xmlns="4873beb7-5857-4685-be1f-d57550cc96cc" xsi:nil="true"/>
-    <PrimaryImageGen xmlns="4873beb7-5857-4685-be1f-d57550cc96cc">false</PrimaryImageGen>
-    <LocNewPublishedVersionLookup xmlns="4873beb7-5857-4685-be1f-d57550cc96cc" xsi:nil="true"/>
-    <LegacyData xmlns="4873beb7-5857-4685-be1f-d57550cc96cc" xsi:nil="true"/>
-    <LocRecommendedHandoff xmlns="4873beb7-5857-4685-be1f-d57550cc96cc" xsi:nil="true"/>
-    <BusinessGroup xmlns="4873beb7-5857-4685-be1f-d57550cc96cc" xsi:nil="true"/>
-    <BlockPublish xmlns="4873beb7-5857-4685-be1f-d57550cc96cc">false</BlockPublish>
-    <TPFriendlyName xmlns="4873beb7-5857-4685-be1f-d57550cc96cc" xsi:nil="true"/>
-    <LocOverallPublishStatusLookup xmlns="4873beb7-5857-4685-be1f-d57550cc96cc" xsi:nil="true"/>
-    <NumericId xmlns="4873beb7-5857-4685-be1f-d57550cc96cc" xsi:nil="true"/>
-    <APEditor xmlns="4873beb7-5857-4685-be1f-d57550cc96cc">
-      <UserInfo>
-        <DisplayName/>
-        <AccountId xsi:nil="true"/>
-        <AccountType/>
-      </UserInfo>
-    </APEditor>
-    <SourceTitle xmlns="4873beb7-5857-4685-be1f-d57550cc96cc" xsi:nil="true"/>
-    <OpenTemplate xmlns="4873beb7-5857-4685-be1f-d57550cc96cc">true</OpenTemplate>
-    <LocOverallLocStatusLookup xmlns="4873beb7-5857-4685-be1f-d57550cc96cc" xsi:nil="true"/>
-    <UALocComments xmlns="4873beb7-5857-4685-be1f-d57550cc96cc" xsi:nil="true"/>
-    <ParentAssetId xmlns="4873beb7-5857-4685-be1f-d57550cc96cc" xsi:nil="true"/>
-    <IntlLangReviewDate xmlns="4873beb7-5857-4685-be1f-d57550cc96cc" xsi:nil="true"/>
-    <FeatureTagsTaxHTField0 xmlns="4873beb7-5857-4685-be1f-d57550cc96cc">
-      <Terms xmlns="http://schemas.microsoft.com/office/infopath/2007/PartnerControls"/>
-    </FeatureTagsTaxHTField0>
-    <PublishStatusLookup xmlns="4873beb7-5857-4685-be1f-d57550cc96cc">
-      <Value>1345093</Value>
-    </PublishStatusLookup>
-    <Providers xmlns="4873beb7-5857-4685-be1f-d57550cc96cc" xsi:nil="true"/>
-    <MachineTranslated xmlns="4873beb7-5857-4685-be1f-d57550cc96cc">false</MachineTranslated>
-    <OriginalSourceMarket xmlns="4873beb7-5857-4685-be1f-d57550cc96cc" xsi:nil="true"/>
-    <APDescription xmlns="4873beb7-5857-4685-be1f-d57550cc96cc">This simple template design works for technology and  businesses, but it's versatile enough to use in other contexts.  It features multiple slide layouts designed for widescreen (16x9 resolution) and includes a sample SmartArt list and chart that are easily editable.</APDescription>
-    <ClipArtFilename xmlns="4873beb7-5857-4685-be1f-d57550cc96cc" xsi:nil="true"/>
-    <ContentItem xmlns="4873beb7-5857-4685-be1f-d57550cc96cc" xsi:nil="true"/>
-    <TPInstallLocation xmlns="4873beb7-5857-4685-be1f-d57550cc96cc" xsi:nil="true"/>
-    <PublishTargets xmlns="4873beb7-5857-4685-be1f-d57550cc96cc">OfficeOnlineVNext</PublishTargets>
-    <TimesCloned xmlns="4873beb7-5857-4685-be1f-d57550cc96cc" xsi:nil="true"/>
-    <AssetStart xmlns="4873beb7-5857-4685-be1f-d57550cc96cc">2011-11-26T00:30:00+00:00</AssetStart>
-    <Provider xmlns="4873beb7-5857-4685-be1f-d57550cc96cc" xsi:nil="true"/>
-    <AcquiredFrom xmlns="4873beb7-5857-4685-be1f-d57550cc96cc">Internal MS</AcquiredFrom>
-    <FriendlyTitle xmlns="4873beb7-5857-4685-be1f-d57550cc96cc" xsi:nil="true"/>
-    <LastHandOff xmlns="4873beb7-5857-4685-be1f-d57550cc96cc" xsi:nil="true"/>
-    <TPClientViewer xmlns="4873beb7-5857-4685-be1f-d57550cc96cc" xsi:nil="true"/>
-    <TemplateStatus xmlns="4873beb7-5857-4685-be1f-d57550cc96cc">Complete</TemplateStatus>
-    <Downloads xmlns="4873beb7-5857-4685-be1f-d57550cc96cc">0</Downloads>
-    <OOCacheId xmlns="4873beb7-5857-4685-be1f-d57550cc96cc" xsi:nil="true"/>
-    <IsDeleted xmlns="4873beb7-5857-4685-be1f-d57550cc96cc">false</IsDeleted>
-    <LocPublishedDependentAssetsLookup xmlns="4873beb7-5857-4685-be1f-d57550cc96cc" xsi:nil="true"/>
-    <TPExecutable xmlns="4873beb7-5857-4685-be1f-d57550cc96cc" xsi:nil="true"/>
-    <EditorialTags xmlns="4873beb7-5857-4685-be1f-d57550cc96cc" xsi:nil="true"/>
-    <SubmitterId xmlns="4873beb7-5857-4685-be1f-d57550cc96cc" xsi:nil="true"/>
-    <ApprovalLog xmlns="4873beb7-5857-4685-be1f-d57550cc96cc" xsi:nil="true"/>
-    <AssetType xmlns="4873beb7-5857-4685-be1f-d57550cc96cc">TP</AssetType>
-    <BugNumber xmlns="4873beb7-5857-4685-be1f-d57550cc96cc" xsi:nil="true"/>
-    <CSXSubmissionDate xmlns="4873beb7-5857-4685-be1f-d57550cc96cc" xsi:nil="true"/>
-    <CSXUpdate xmlns="4873beb7-5857-4685-be1f-d57550cc96cc">false</CSXUpdate>
-    <Milestone xmlns="4873beb7-5857-4685-be1f-d57550cc96cc" xsi:nil="true"/>
-    <RecommendationsModifier xmlns="4873beb7-5857-4685-be1f-d57550cc96cc" xsi:nil="true"/>
-    <OriginAsset xmlns="4873beb7-5857-4685-be1f-d57550cc96cc" xsi:nil="true"/>
-    <TPComponent xmlns="4873beb7-5857-4685-be1f-d57550cc96cc" xsi:nil="true"/>
-    <AssetId xmlns="4873beb7-5857-4685-be1f-d57550cc96cc">TP102787989</AssetId>
-    <IntlLocPriority xmlns="4873beb7-5857-4685-be1f-d57550cc96cc" xsi:nil="true"/>
-    <PolicheckWords xmlns="4873beb7-5857-4685-be1f-d57550cc96cc" xsi:nil="true"/>
-    <TPLaunchHelpLink xmlns="4873beb7-5857-4685-be1f-d57550cc96cc" xsi:nil="true"/>
-    <TPApplication xmlns="4873beb7-5857-4685-be1f-d57550cc96cc" xsi:nil="true"/>
-    <CrawlForDependencies xmlns="4873beb7-5857-4685-be1f-d57550cc96cc">false</CrawlForDependencies>
-    <HandoffToMSDN xmlns="4873beb7-5857-4685-be1f-d57550cc96cc" xsi:nil="true"/>
-    <PlannedPubDate xmlns="4873beb7-5857-4685-be1f-d57550cc96cc" xsi:nil="true"/>
-    <IntlLangReviewer xmlns="4873beb7-5857-4685-be1f-d57550cc96cc" xsi:nil="true"/>
-    <TrustLevel xmlns="4873beb7-5857-4685-be1f-d57550cc96cc">1 Microsoft Managed Content</TrustLevel>
-    <LocLastLocAttemptVersionLookup xmlns="4873beb7-5857-4685-be1f-d57550cc96cc">694266</LocLastLocAttemptVersionLookup>
-    <LocProcessedForHandoffsLookup xmlns="4873beb7-5857-4685-be1f-d57550cc96cc" xsi:nil="true"/>
-    <IsSearchable xmlns="4873beb7-5857-4685-be1f-d57550cc96cc">true</IsSearchable>
-    <TemplateTemplateType xmlns="4873beb7-5857-4685-be1f-d57550cc96cc">PowerPoint Presentation Template</TemplateTemplateType>
-    <CampaignTagsTaxHTField0 xmlns="4873beb7-5857-4685-be1f-d57550cc96cc">
-      <Terms xmlns="http://schemas.microsoft.com/office/infopath/2007/PartnerControls"/>
-    </CampaignTagsTaxHTField0>
-    <TPNamespace xmlns="4873beb7-5857-4685-be1f-d57550cc96cc" xsi:nil="true"/>
-    <LocOverallPreviewStatusLookup xmlns="4873beb7-5857-4685-be1f-d57550cc96cc" xsi:nil="true"/>
-    <TaxCatchAll xmlns="4873beb7-5857-4685-be1f-d57550cc96cc"/>
-    <Markets xmlns="4873beb7-5857-4685-be1f-d57550cc96cc"/>
-    <UAProjectedTotalWords xmlns="4873beb7-5857-4685-be1f-d57550cc96cc" xsi:nil="true"/>
-    <IntlLangReview xmlns="4873beb7-5857-4685-be1f-d57550cc96cc" xsi:nil="true"/>
-    <OutputCachingOn xmlns="4873beb7-5857-4685-be1f-d57550cc96cc">false</OutputCachingOn>
-    <AverageRating xmlns="4873beb7-5857-4685-be1f-d57550cc96cc" xsi:nil="true"/>
-    <APAuthor xmlns="4873beb7-5857-4685-be1f-d57550cc96cc">
-      <UserInfo>
-        <DisplayName>REDMOND\kristaa</DisplayName>
-        <AccountId>136</AccountId>
-        <AccountType/>
-      </UserInfo>
-    </APAuthor>
-    <LocManualTestRequired xmlns="4873beb7-5857-4685-be1f-d57550cc96cc">false</LocManualTestRequired>
-    <TPCommandLine xmlns="4873beb7-5857-4685-be1f-d57550cc96cc" xsi:nil="true"/>
-    <TPAppVersion xmlns="4873beb7-5857-4685-be1f-d57550cc96cc" xsi:nil="true"/>
-    <EditorialStatus xmlns="4873beb7-5857-4685-be1f-d57550cc96cc">Complete</EditorialStatus>
-    <LastModifiedDateTime xmlns="4873beb7-5857-4685-be1f-d57550cc96cc" xsi:nil="true"/>
-    <ScenarioTagsTaxHTField0 xmlns="4873beb7-5857-4685-be1f-d57550cc96cc">
-      <Terms xmlns="http://schemas.microsoft.com/office/infopath/2007/PartnerControls"/>
-    </ScenarioTagsTaxHTField0>
-    <LocProcessedForMarketsLookup xmlns="4873beb7-5857-4685-be1f-d57550cc96cc" xsi:nil="true"/>
-    <TPLaunchHelpLinkType xmlns="4873beb7-5857-4685-be1f-d57550cc96cc">Template</TPLaunchHelpLinkType>
-    <OriginalRelease xmlns="4873beb7-5857-4685-be1f-d57550cc96cc">15</OriginalRelease>
-    <LocalizationTagsTaxHTField0 xmlns="4873beb7-5857-4685-be1f-d57550cc96cc">
-      <Terms xmlns="http://schemas.microsoft.com/office/infopath/2007/PartnerControls"/>
-    </LocalizationTagsTaxHTField0>
-    <UACurrentWords xmlns="4873beb7-5857-4685-be1f-d57550cc96cc" xsi:nil="true"/>
-    <ArtSampleDocs xmlns="4873beb7-5857-4685-be1f-d57550cc96cc" xsi:nil="true"/>
-    <UALocRecommendation xmlns="4873beb7-5857-4685-be1f-d57550cc96cc">Localize</UALocRecommendation>
-    <Manager xmlns="4873beb7-5857-4685-be1f-d57550cc96cc" xsi:nil="true"/>
-    <LocOverallHandbackStatusLookup xmlns="4873beb7-5857-4685-be1f-d57550cc96cc" xsi:nil="true"/>
-    <ShowIn xmlns="4873beb7-5857-4685-be1f-d57550cc96cc">Show everywhere</ShowIn>
-    <UANotes xmlns="4873beb7-5857-4685-be1f-d57550cc96cc" xsi:nil="true"/>
-    <InternalTagsTaxHTField0 xmlns="4873beb7-5857-4685-be1f-d57550cc96cc">
-      <Terms xmlns="http://schemas.microsoft.com/office/infopath/2007/PartnerControls"/>
-    </InternalTagsTaxHTField0>
-    <CSXHash xmlns="4873beb7-5857-4685-be1f-d57550cc96cc" xsi:nil="true"/>
-    <VoteCount xmlns="4873beb7-5857-4685-be1f-d57550cc96cc" xsi:nil="true"/>
-    <AssetExpire xmlns="4873beb7-5857-4685-be1f-d57550cc96cc">2029-05-12T07:00:00+00:00</AssetExpire>
-    <DSATActionTaken xmlns="4873beb7-5857-4685-be1f-d57550cc96cc" xsi:nil="true"/>
-    <CSXSubmissionMarket xmlns="4873beb7-5857-4685-be1f-d57550cc96cc" xsi:nil="true"/>
-    <LocMarketGroupTiers2 xmlns="4873beb7-5857-4685-be1f-d57550cc96cc" xsi:nil="true"/>
-  </documentManagement>
-</p:properties>
-</file>
-
-<file path=customXml/item3.xml><?xml version="1.0" encoding="utf-8"?>
-<?mso-contentType ?>
-<FormTemplates xmlns="http://schemas.microsoft.com/sharepoint/v3/contenttype/forms">
-  <Display>DocumentLibraryForm</Display>
-  <Edit>AssetEditForm</Edit>
-  <New>DocumentLibraryForm</New>
-</FormTemplates>
-</file>
-
 <file path=customXml/itemProps1.xml><?xml version="1.0" encoding="utf-8"?>
-<ds:datastoreItem xmlns:ds="http://schemas.openxmlformats.org/officeDocument/2006/customXml" ds:itemID="{A09BF4D4-EF60-4196-BFC3-9462D607978C}">
+<ds:datastoreItem xmlns:ds="http://schemas.openxmlformats.org/officeDocument/2006/customXml" ds:itemID="{3836F65B-1B07-41EE-A0E8-BC6EF3855225}">
   <ds:schemaRefs>
-    <ds:schemaRef ds:uri="http://schemas.microsoft.com/office/2006/metadata/contentType"/>
-    <ds:schemaRef ds:uri="http://schemas.microsoft.com/office/2006/metadata/properties/metaAttributes"/>
-    <ds:schemaRef ds:uri="http://www.w3.org/2001/XMLSchema"/>
-    <ds:schemaRef ds:uri="http://schemas.microsoft.com/office/2006/metadata/properties"/>
-    <ds:schemaRef ds:uri="4873beb7-5857-4685-be1f-d57550cc96cc"/>
-    <ds:schemaRef ds:uri="http://schemas.microsoft.com/office/2006/documentManagement/types"/>
-    <ds:schemaRef ds:uri="http://schemas.microsoft.com/office/infopath/2007/PartnerControls"/>
-    <ds:schemaRef ds:uri="http://schemas.openxmlformats.org/package/2006/metadata/core-properties"/>
-    <ds:schemaRef ds:uri="http://purl.org/dc/elements/1.1/"/>
-    <ds:schemaRef ds:uri="http://purl.org/dc/terms/"/>
-    <ds:schemaRef ds:uri="http://schemas.microsoft.com/internal/obd"/>
+    <ds:schemaRef ds:uri="http://schemas.microsoft.com/sharepoint/v3/contenttype/forms"/>
   </ds:schemaRefs>
 </ds:datastoreItem>
 </file>
@@ -29439,9 +29465,19 @@
 </file>
 
 <file path=customXml/itemProps3.xml><?xml version="1.0" encoding="utf-8"?>
-<ds:datastoreItem xmlns:ds="http://schemas.openxmlformats.org/officeDocument/2006/customXml" ds:itemID="{3836F65B-1B07-41EE-A0E8-BC6EF3855225}">
+<ds:datastoreItem xmlns:ds="http://schemas.openxmlformats.org/officeDocument/2006/customXml" ds:itemID="{A09BF4D4-EF60-4196-BFC3-9462D607978C}">
   <ds:schemaRefs>
-    <ds:schemaRef ds:uri="http://schemas.microsoft.com/sharepoint/v3/contenttype/forms"/>
+    <ds:schemaRef ds:uri="http://schemas.microsoft.com/office/2006/metadata/contentType"/>
+    <ds:schemaRef ds:uri="http://schemas.microsoft.com/office/2006/metadata/properties/metaAttributes"/>
+    <ds:schemaRef ds:uri="http://www.w3.org/2001/XMLSchema"/>
+    <ds:schemaRef ds:uri="http://schemas.microsoft.com/office/2006/metadata/properties"/>
+    <ds:schemaRef ds:uri="4873beb7-5857-4685-be1f-d57550cc96cc"/>
+    <ds:schemaRef ds:uri="http://schemas.microsoft.com/office/2006/documentManagement/types"/>
+    <ds:schemaRef ds:uri="http://schemas.microsoft.com/office/infopath/2007/PartnerControls"/>
+    <ds:schemaRef ds:uri="http://schemas.openxmlformats.org/package/2006/metadata/core-properties"/>
+    <ds:schemaRef ds:uri="http://purl.org/dc/elements/1.1/"/>
+    <ds:schemaRef ds:uri="http://purl.org/dc/terms/"/>
+    <ds:schemaRef ds:uri="http://schemas.microsoft.com/internal/obd"/>
   </ds:schemaRefs>
 </ds:datastoreItem>
 </file>
--- a/Apresentacao.pptx
+++ b/Apresentacao.pptx
@@ -15611,7 +15611,7 @@
             <a:pPr rtl="0"/>
             <a:fld id="{79429053-DC2A-4342-ADD4-2FD729D91E2C}" type="slidenum">
               <a:rPr/>
-              <a:t>‹#›</a:t>
+              <a:t>‹nº›</a:t>
             </a:fld>
             <a:endParaRPr/>
           </a:p>
@@ -15868,7 +15868,7 @@
             <a:pPr rtl="0"/>
             <a:fld id="{3EBA5BD7-F043-4D1B-AA17-CD412FC534DE}" type="slidenum">
               <a:rPr/>
-              <a:t>‹#›</a:t>
+              <a:t>‹nº›</a:t>
             </a:fld>
             <a:endParaRPr/>
           </a:p>
@@ -16054,6 +16054,92 @@
     <p:extLst>
       <p:ext uri="{BB962C8B-B14F-4D97-AF65-F5344CB8AC3E}">
         <p14:creationId xmlns:p14="http://schemas.microsoft.com/office/powerpoint/2010/main" val="4117229062"/>
+      </p:ext>
+    </p:extLst>
+  </p:cSld>
+  <p:clrMapOvr>
+    <a:masterClrMapping/>
+  </p:clrMapOvr>
+</p:notes>
+</file>
+
+<file path=ppt/notesSlides/notesSlide2.xml><?xml version="1.0" encoding="utf-8"?>
+<p:notes xmlns:a="http://schemas.openxmlformats.org/drawingml/2006/main" xmlns:r="http://schemas.openxmlformats.org/officeDocument/2006/relationships" xmlns:p="http://schemas.openxmlformats.org/presentationml/2006/main">
+  <p:cSld>
+    <p:spTree>
+      <p:nvGrpSpPr>
+        <p:cNvPr id="1" name=""/>
+        <p:cNvGrpSpPr/>
+        <p:nvPr/>
+      </p:nvGrpSpPr>
+      <p:grpSpPr>
+        <a:xfrm>
+          <a:off x="0" y="0"/>
+          <a:ext cx="0" cy="0"/>
+          <a:chOff x="0" y="0"/>
+          <a:chExt cx="0" cy="0"/>
+        </a:xfrm>
+      </p:grpSpPr>
+      <p:sp>
+        <p:nvSpPr>
+          <p:cNvPr id="2" name="Marcador de Posição da Imagem do Diapositivo 1"/>
+          <p:cNvSpPr>
+            <a:spLocks noGrp="1" noRot="1" noChangeAspect="1"/>
+          </p:cNvSpPr>
+          <p:nvPr>
+            <p:ph type="sldImg"/>
+          </p:nvPr>
+        </p:nvSpPr>
+        <p:spPr/>
+      </p:sp>
+      <p:sp>
+        <p:nvSpPr>
+          <p:cNvPr id="3" name="Marcador de Posição de Notas 2"/>
+          <p:cNvSpPr>
+            <a:spLocks noGrp="1"/>
+          </p:cNvSpPr>
+          <p:nvPr>
+            <p:ph type="body" idx="1"/>
+          </p:nvPr>
+        </p:nvSpPr>
+        <p:spPr/>
+        <p:txBody>
+          <a:bodyPr rtlCol="0"/>
+          <a:lstStyle/>
+          <a:p>
+            <a:pPr rtl="0"/>
+            <a:endParaRPr lang="en-US" dirty="0"/>
+          </a:p>
+        </p:txBody>
+      </p:sp>
+      <p:sp>
+        <p:nvSpPr>
+          <p:cNvPr id="4" name="Marcador de Posição do Número do Diapositivo 3"/>
+          <p:cNvSpPr>
+            <a:spLocks noGrp="1"/>
+          </p:cNvSpPr>
+          <p:nvPr>
+            <p:ph type="sldNum" sz="quarter" idx="10"/>
+          </p:nvPr>
+        </p:nvSpPr>
+        <p:spPr/>
+        <p:txBody>
+          <a:bodyPr rtlCol="0"/>
+          <a:lstStyle/>
+          <a:p>
+            <a:pPr rtl="0"/>
+            <a:fld id="{3EBA5BD7-F043-4D1B-AA17-CD412FC534DE}" type="slidenum">
+              <a:rPr lang="en-US" smtClean="0"/>
+              <a:t>8</a:t>
+            </a:fld>
+            <a:endParaRPr lang="en-US"/>
+          </a:p>
+        </p:txBody>
+      </p:sp>
+    </p:spTree>
+    <p:extLst>
+      <p:ext uri="{BB962C8B-B14F-4D97-AF65-F5344CB8AC3E}">
+        <p14:creationId xmlns:p14="http://schemas.microsoft.com/office/powerpoint/2010/main" val="2716693281"/>
       </p:ext>
     </p:extLst>
   </p:cSld>
@@ -16866,7 +16952,7 @@
             <a:pPr rtl="0"/>
             <a:fld id="{C014DD1E-5D91-48A3-AD6D-45FBA980D106}" type="slidenum">
               <a:rPr/>
-              <a:t>‹#›</a:t>
+              <a:t>‹nº›</a:t>
             </a:fld>
             <a:endParaRPr/>
           </a:p>
@@ -17068,7 +17154,7 @@
             <a:pPr rtl="0"/>
             <a:fld id="{C014DD1E-5D91-48A3-AD6D-45FBA980D106}" type="slidenum">
               <a:rPr/>
-              <a:t>‹#›</a:t>
+              <a:t>‹nº›</a:t>
             </a:fld>
             <a:endParaRPr/>
           </a:p>
@@ -17280,7 +17366,7 @@
             <a:pPr rtl="0"/>
             <a:fld id="{C014DD1E-5D91-48A3-AD6D-45FBA980D106}" type="slidenum">
               <a:rPr/>
-              <a:t>‹#›</a:t>
+              <a:t>‹nº›</a:t>
             </a:fld>
             <a:endParaRPr/>
           </a:p>
@@ -17482,7 +17568,7 @@
             <a:pPr rtl="0"/>
             <a:fld id="{C014DD1E-5D91-48A3-AD6D-45FBA980D106}" type="slidenum">
               <a:rPr/>
-              <a:t>‹#›</a:t>
+              <a:t>‹nº›</a:t>
             </a:fld>
             <a:endParaRPr/>
           </a:p>
@@ -17918,7 +18004,7 @@
             <a:pPr rtl="0"/>
             <a:fld id="{C014DD1E-5D91-48A3-AD6D-45FBA980D106}" type="slidenum">
               <a:rPr/>
-              <a:t>‹#›</a:t>
+              <a:t>‹nº›</a:t>
             </a:fld>
             <a:endParaRPr/>
           </a:p>
@@ -18226,7 +18312,7 @@
             <a:pPr rtl="0"/>
             <a:fld id="{C014DD1E-5D91-48A3-AD6D-45FBA980D106}" type="slidenum">
               <a:rPr/>
-              <a:t>‹#›</a:t>
+              <a:t>‹nº›</a:t>
             </a:fld>
             <a:endParaRPr/>
           </a:p>
@@ -18686,7 +18772,7 @@
             <a:pPr rtl="0"/>
             <a:fld id="{C014DD1E-5D91-48A3-AD6D-45FBA980D106}" type="slidenum">
               <a:rPr/>
-              <a:t>‹#›</a:t>
+              <a:t>‹nº›</a:t>
             </a:fld>
             <a:endParaRPr/>
           </a:p>
@@ -18820,7 +18906,7 @@
             <a:pPr rtl="0"/>
             <a:fld id="{C014DD1E-5D91-48A3-AD6D-45FBA980D106}" type="slidenum">
               <a:rPr/>
-              <a:t>‹#›</a:t>
+              <a:t>‹nº›</a:t>
             </a:fld>
             <a:endParaRPr/>
           </a:p>
@@ -18930,7 +19016,7 @@
             <a:pPr rtl="0"/>
             <a:fld id="{C014DD1E-5D91-48A3-AD6D-45FBA980D106}" type="slidenum">
               <a:rPr/>
-              <a:t>‹#›</a:t>
+              <a:t>‹nº›</a:t>
             </a:fld>
             <a:endParaRPr/>
           </a:p>
@@ -19233,7 +19319,7 @@
             <a:pPr rtl="0"/>
             <a:fld id="{C014DD1E-5D91-48A3-AD6D-45FBA980D106}" type="slidenum">
               <a:rPr/>
-              <a:t>‹#›</a:t>
+              <a:t>‹nº›</a:t>
             </a:fld>
             <a:endParaRPr/>
           </a:p>
@@ -19526,7 +19612,7 @@
             <a:pPr rtl="0"/>
             <a:fld id="{C014DD1E-5D91-48A3-AD6D-45FBA980D106}" type="slidenum">
               <a:rPr/>
-              <a:t>‹#›</a:t>
+              <a:t>‹nº›</a:t>
             </a:fld>
             <a:endParaRPr/>
           </a:p>
@@ -20189,7 +20275,7 @@
             <a:fld id="{C014DD1E-5D91-48A3-AD6D-45FBA980D106}" type="slidenum">
               <a:rPr/>
               <a:pPr rtl="0"/>
-              <a:t>‹#›</a:t>
+              <a:t>‹nº›</a:t>
             </a:fld>
             <a:endParaRPr/>
           </a:p>
@@ -20548,12 +20634,12 @@
   <p:extLst mod="1">
     <p:ext uri="{27BBF7A9-308A-43DC-89C8-2F10F3537804}">
       <p15:sldGuideLst xmlns:p15="http://schemas.microsoft.com/office/powerpoint/2012/main">
-        <p15:guide id="1" orient="horz" pos="2160" userDrawn="1">
+        <p15:guide id="1" orient="horz" pos="2160">
           <p15:clr>
             <a:srgbClr val="F26B43"/>
           </p15:clr>
         </p15:guide>
-        <p15:guide id="2" pos="3839" userDrawn="1">
+        <p15:guide id="2" pos="3839">
           <p15:clr>
             <a:srgbClr val="F26B43"/>
           </p15:clr>
@@ -20647,6 +20733,36 @@
               <a:t>2018/2019</a:t>
             </a:r>
             <a:endParaRPr lang="pt-pt" sz="3200" dirty="0"/>
+          </a:p>
+        </p:txBody>
+      </p:sp>
+      <p:sp>
+        <p:nvSpPr>
+          <p:cNvPr id="3" name="Marcador de Posição do Número do Diapositivo 2">
+            <a:extLst>
+              <a:ext uri="{FF2B5EF4-FFF2-40B4-BE49-F238E27FC236}">
+                <a16:creationId xmlns:a16="http://schemas.microsoft.com/office/drawing/2014/main" id="{358B4AC4-8785-432B-A195-65B7CED8E326}"/>
+              </a:ext>
+            </a:extLst>
+          </p:cNvPr>
+          <p:cNvSpPr>
+            <a:spLocks noGrp="1"/>
+          </p:cNvSpPr>
+          <p:nvPr>
+            <p:ph type="sldNum" sz="quarter" idx="12"/>
+          </p:nvPr>
+        </p:nvSpPr>
+        <p:spPr/>
+        <p:txBody>
+          <a:bodyPr/>
+          <a:lstStyle/>
+          <a:p>
+            <a:pPr rtl="0"/>
+            <a:fld id="{C014DD1E-5D91-48A3-AD6D-45FBA980D106}" type="slidenum">
+              <a:rPr lang="pt-PT" smtClean="0"/>
+              <a:t>1</a:t>
+            </a:fld>
+            <a:endParaRPr lang="pt-PT"/>
           </a:p>
         </p:txBody>
       </p:sp>
@@ -21246,36 +21362,6 @@
           </a:p>
         </p:txBody>
       </p:sp>
-      <p:sp>
-        <p:nvSpPr>
-          <p:cNvPr id="3" name="Marcador de Posição do Número do Diapositivo 2">
-            <a:extLst>
-              <a:ext uri="{FF2B5EF4-FFF2-40B4-BE49-F238E27FC236}">
-                <a16:creationId xmlns:a16="http://schemas.microsoft.com/office/drawing/2014/main" id="{358B4AC4-8785-432B-A195-65B7CED8E326}"/>
-              </a:ext>
-            </a:extLst>
-          </p:cNvPr>
-          <p:cNvSpPr>
-            <a:spLocks noGrp="1"/>
-          </p:cNvSpPr>
-          <p:nvPr>
-            <p:ph type="sldNum" sz="quarter" idx="12"/>
-          </p:nvPr>
-        </p:nvSpPr>
-        <p:spPr/>
-        <p:txBody>
-          <a:bodyPr/>
-          <a:lstStyle/>
-          <a:p>
-            <a:pPr rtl="0"/>
-            <a:fld id="{C014DD1E-5D91-48A3-AD6D-45FBA980D106}" type="slidenum">
-              <a:rPr lang="pt-PT" smtClean="0"/>
-              <a:t>1</a:t>
-            </a:fld>
-            <a:endParaRPr lang="pt-PT"/>
-          </a:p>
-        </p:txBody>
-      </p:sp>
     </p:spTree>
     <p:extLst>
       <p:ext uri="{BB962C8B-B14F-4D97-AF65-F5344CB8AC3E}">
@@ -21348,6 +21434,36 @@
           </a:p>
         </p:txBody>
       </p:sp>
+      <p:sp>
+        <p:nvSpPr>
+          <p:cNvPr id="2" name="Marcador de Posição do Número do Diapositivo 1">
+            <a:extLst>
+              <a:ext uri="{FF2B5EF4-FFF2-40B4-BE49-F238E27FC236}">
+                <a16:creationId xmlns:a16="http://schemas.microsoft.com/office/drawing/2014/main" id="{8D5C8176-B919-458D-B495-BE2D80498DED}"/>
+              </a:ext>
+            </a:extLst>
+          </p:cNvPr>
+          <p:cNvSpPr>
+            <a:spLocks noGrp="1"/>
+          </p:cNvSpPr>
+          <p:nvPr>
+            <p:ph type="sldNum" sz="quarter" idx="12"/>
+          </p:nvPr>
+        </p:nvSpPr>
+        <p:spPr/>
+        <p:txBody>
+          <a:bodyPr/>
+          <a:lstStyle/>
+          <a:p>
+            <a:pPr rtl="0"/>
+            <a:fld id="{C014DD1E-5D91-48A3-AD6D-45FBA980D106}" type="slidenum">
+              <a:rPr lang="pt-PT" smtClean="0"/>
+              <a:t>10</a:t>
+            </a:fld>
+            <a:endParaRPr lang="pt-PT"/>
+          </a:p>
+        </p:txBody>
+      </p:sp>
       <p:graphicFrame>
         <p:nvGraphicFramePr>
           <p:cNvPr id="5" name="Tabela 4">
@@ -21363,14 +21479,14 @@
           <p:nvPr>
             <p:extLst>
               <p:ext uri="{D42A27DB-BD31-4B8C-83A1-F6EECF244321}">
-                <p14:modId xmlns:p14="http://schemas.microsoft.com/office/powerpoint/2010/main" val="4130216781"/>
+                <p14:modId xmlns:p14="http://schemas.microsoft.com/office/powerpoint/2010/main" val="818495393"/>
               </p:ext>
             </p:extLst>
           </p:nvPr>
         </p:nvGraphicFramePr>
         <p:xfrm>
           <a:off x="2133972" y="1624918"/>
-          <a:ext cx="8125884" cy="1879600"/>
+          <a:ext cx="8125884" cy="1508760"/>
         </p:xfrm>
         <a:graphic>
           <a:graphicData uri="http://schemas.openxmlformats.org/drawingml/2006/table">
@@ -21465,7 +21581,7 @@
                     <a:p>
                       <a:r>
                         <a:rPr lang="pt-PT" sz="1800" dirty="0"/>
-                        <a:t>16€ x 140h = 2240€</a:t>
+                        <a:t>14€ x 25h = 1134€</a:t>
                       </a:r>
                     </a:p>
                   </a:txBody>
@@ -21485,7 +21601,7 @@
                     <a:p>
                       <a:r>
                         <a:rPr lang="pt-PT" sz="1800" dirty="0"/>
-                        <a:t>2 x Programadores</a:t>
+                        <a:t>3 x Programadores</a:t>
                       </a:r>
                     </a:p>
                   </a:txBody>
@@ -21498,7 +21614,7 @@
                     <a:p>
                       <a:r>
                         <a:rPr lang="pt-PT" sz="1800" dirty="0"/>
-                        <a:t>2 x 10€ x 81h = 1620€</a:t>
+                        <a:t>3 x 10€ x 81h = 2430€</a:t>
                       </a:r>
                     </a:p>
                   </a:txBody>
@@ -21516,47 +21632,10 @@
                     <a:bodyPr/>
                     <a:lstStyle/>
                     <a:p>
+                      <a:pPr algn="r"/>
                       <a:r>
                         <a:rPr lang="pt-PT" sz="1800" dirty="0"/>
-                        <a:t>Beta </a:t>
-                      </a:r>
-                      <a:r>
-                        <a:rPr lang="pt-PT" sz="1800" dirty="0" err="1"/>
-                        <a:t>Testing</a:t>
-                      </a:r>
-                      <a:endParaRPr lang="pt-PT" sz="1800" dirty="0"/>
-                    </a:p>
-                  </a:txBody>
-                  <a:tcPr/>
-                </a:tc>
-                <a:tc>
-                  <a:txBody>
-                    <a:bodyPr/>
-                    <a:lstStyle/>
-                    <a:p>
-                      <a:r>
-                        <a:rPr lang="pt-PT" sz="1800" dirty="0"/>
-                        <a:t>9€ x 40h = 360€</a:t>
-                      </a:r>
-                    </a:p>
-                  </a:txBody>
-                  <a:tcPr/>
-                </a:tc>
-                <a:extLst>
-                  <a:ext uri="{0D108BD9-81ED-4DB2-BD59-A6C34878D82A}">
-                    <a16:rowId xmlns:a16="http://schemas.microsoft.com/office/drawing/2014/main" val="717205056"/>
-                  </a:ext>
-                </a:extLst>
-              </a:tr>
-              <a:tr h="370840">
-                <a:tc>
-                  <a:txBody>
-                    <a:bodyPr/>
-                    <a:lstStyle/>
-                    <a:p>
-                      <a:r>
-                        <a:rPr lang="pt-PT" sz="1800" dirty="0"/>
-                        <a:t>Total</a:t>
+                        <a:t>Total:</a:t>
                       </a:r>
                     </a:p>
                   </a:txBody>
@@ -21569,7 +21648,7 @@
                     <a:p>
                       <a:r>
                         <a:rPr lang="pt-PT" sz="1800" dirty="0"/>
-                        <a:t>4220€</a:t>
+                        <a:t>3564€</a:t>
                       </a:r>
                     </a:p>
                   </a:txBody>
@@ -21577,7 +21656,7 @@
                 </a:tc>
                 <a:extLst>
                   <a:ext uri="{0D108BD9-81ED-4DB2-BD59-A6C34878D82A}">
-                    <a16:rowId xmlns:a16="http://schemas.microsoft.com/office/drawing/2014/main" val="531991560"/>
+                    <a16:rowId xmlns:a16="http://schemas.microsoft.com/office/drawing/2014/main" val="1917844257"/>
                   </a:ext>
                 </a:extLst>
               </a:tr>
@@ -21638,7 +21717,7 @@
         </p:nvSpPr>
         <p:spPr>
           <a:xfrm>
-            <a:off x="1629015" y="3841884"/>
+            <a:off x="1628023" y="3443334"/>
             <a:ext cx="5319148" cy="523220"/>
           </a:xfrm>
           <a:prstGeom prst="rect">
@@ -21678,13 +21757,13 @@
           <p:nvPr>
             <p:extLst>
               <p:ext uri="{D42A27DB-BD31-4B8C-83A1-F6EECF244321}">
-                <p14:modId xmlns:p14="http://schemas.microsoft.com/office/powerpoint/2010/main" val="827077386"/>
+                <p14:modId xmlns:p14="http://schemas.microsoft.com/office/powerpoint/2010/main" val="401881444"/>
               </p:ext>
             </p:extLst>
           </p:nvPr>
         </p:nvGraphicFramePr>
         <p:xfrm>
-          <a:off x="2134964" y="4501728"/>
+          <a:off x="2133972" y="4076487"/>
           <a:ext cx="8125884" cy="1879600"/>
         </p:xfrm>
         <a:graphic>
@@ -21883,9 +21962,10 @@
                     <a:bodyPr/>
                     <a:lstStyle/>
                     <a:p>
+                      <a:pPr algn="r"/>
                       <a:r>
                         <a:rPr lang="pt-PT" sz="1800" dirty="0"/>
-                        <a:t>Total</a:t>
+                        <a:t>Total:</a:t>
                       </a:r>
                     </a:p>
                   </a:txBody>
@@ -21897,14 +21977,8 @@
                     <a:lstStyle/>
                     <a:p>
                       <a:r>
-                        <a:rPr lang="pt-PT" sz="1800" kern="1200" dirty="0">
-                          <a:latin typeface="Bahnschrift Light" panose="020B0502040204020203" pitchFamily="34" charset="0"/>
-                        </a:rPr>
-                        <a:t>~</a:t>
-                      </a:r>
-                      <a:r>
                         <a:rPr lang="pt-PT" sz="1800" dirty="0"/>
-                        <a:t> 85,68€ /mês</a:t>
+                        <a:t>~ 84,94€</a:t>
                       </a:r>
                     </a:p>
                   </a:txBody>
@@ -21912,7 +21986,7 @@
                 </a:tc>
                 <a:extLst>
                   <a:ext uri="{0D108BD9-81ED-4DB2-BD59-A6C34878D82A}">
-                    <a16:rowId xmlns:a16="http://schemas.microsoft.com/office/drawing/2014/main" val="3072177838"/>
+                    <a16:rowId xmlns:a16="http://schemas.microsoft.com/office/drawing/2014/main" val="801894360"/>
                   </a:ext>
                 </a:extLst>
               </a:tr>
@@ -21920,36 +21994,6 @@
           </a:graphicData>
         </a:graphic>
       </p:graphicFrame>
-      <p:sp>
-        <p:nvSpPr>
-          <p:cNvPr id="2" name="Marcador de Posição do Número do Diapositivo 1">
-            <a:extLst>
-              <a:ext uri="{FF2B5EF4-FFF2-40B4-BE49-F238E27FC236}">
-                <a16:creationId xmlns:a16="http://schemas.microsoft.com/office/drawing/2014/main" id="{8D5C8176-B919-458D-B495-BE2D80498DED}"/>
-              </a:ext>
-            </a:extLst>
-          </p:cNvPr>
-          <p:cNvSpPr>
-            <a:spLocks noGrp="1"/>
-          </p:cNvSpPr>
-          <p:nvPr>
-            <p:ph type="sldNum" sz="quarter" idx="12"/>
-          </p:nvPr>
-        </p:nvSpPr>
-        <p:spPr/>
-        <p:txBody>
-          <a:bodyPr/>
-          <a:lstStyle/>
-          <a:p>
-            <a:pPr rtl="0"/>
-            <a:fld id="{C014DD1E-5D91-48A3-AD6D-45FBA980D106}" type="slidenum">
-              <a:rPr lang="pt-PT" smtClean="0"/>
-              <a:t>10</a:t>
-            </a:fld>
-            <a:endParaRPr lang="pt-PT"/>
-          </a:p>
-        </p:txBody>
-      </p:sp>
     </p:spTree>
     <p:extLst>
       <p:ext uri="{BB962C8B-B14F-4D97-AF65-F5344CB8AC3E}">
@@ -22021,34 +22065,6 @@
           </a:p>
         </p:txBody>
       </p:sp>
-      <p:graphicFrame>
-        <p:nvGraphicFramePr>
-          <p:cNvPr id="4" name="Diagrama 3">
-            <a:extLst>
-              <a:ext uri="{FF2B5EF4-FFF2-40B4-BE49-F238E27FC236}">
-                <a16:creationId xmlns:a16="http://schemas.microsoft.com/office/drawing/2014/main" id="{9647A109-405C-4A2E-80FB-E2D739B6ED20}"/>
-              </a:ext>
-            </a:extLst>
-          </p:cNvPr>
-          <p:cNvGraphicFramePr/>
-          <p:nvPr>
-            <p:extLst>
-              <p:ext uri="{D42A27DB-BD31-4B8C-83A1-F6EECF244321}">
-                <p14:modId xmlns:p14="http://schemas.microsoft.com/office/powerpoint/2010/main" val="2988421464"/>
-              </p:ext>
-            </p:extLst>
-          </p:nvPr>
-        </p:nvGraphicFramePr>
-        <p:xfrm>
-          <a:off x="2638028" y="1556792"/>
-          <a:ext cx="6912768" cy="4409144"/>
-        </p:xfrm>
-        <a:graphic>
-          <a:graphicData uri="http://schemas.openxmlformats.org/drawingml/2006/diagram">
-            <dgm:relIds xmlns:dgm="http://schemas.openxmlformats.org/drawingml/2006/diagram" xmlns:r="http://schemas.openxmlformats.org/officeDocument/2006/relationships" r:dm="rId2" r:lo="rId3" r:qs="rId4" r:cs="rId5"/>
-          </a:graphicData>
-        </a:graphic>
-      </p:graphicFrame>
       <p:sp>
         <p:nvSpPr>
           <p:cNvPr id="2" name="Marcador de Posição do Número do Diapositivo 1">
@@ -22079,6 +22095,34 @@
           </a:p>
         </p:txBody>
       </p:sp>
+      <p:graphicFrame>
+        <p:nvGraphicFramePr>
+          <p:cNvPr id="4" name="Diagrama 3">
+            <a:extLst>
+              <a:ext uri="{FF2B5EF4-FFF2-40B4-BE49-F238E27FC236}">
+                <a16:creationId xmlns:a16="http://schemas.microsoft.com/office/drawing/2014/main" id="{9647A109-405C-4A2E-80FB-E2D739B6ED20}"/>
+              </a:ext>
+            </a:extLst>
+          </p:cNvPr>
+          <p:cNvGraphicFramePr/>
+          <p:nvPr>
+            <p:extLst>
+              <p:ext uri="{D42A27DB-BD31-4B8C-83A1-F6EECF244321}">
+                <p14:modId xmlns:p14="http://schemas.microsoft.com/office/powerpoint/2010/main" val="2988421464"/>
+              </p:ext>
+            </p:extLst>
+          </p:nvPr>
+        </p:nvGraphicFramePr>
+        <p:xfrm>
+          <a:off x="2638028" y="1556792"/>
+          <a:ext cx="6912768" cy="4409144"/>
+        </p:xfrm>
+        <a:graphic>
+          <a:graphicData uri="http://schemas.openxmlformats.org/drawingml/2006/diagram">
+            <dgm:relIds xmlns:dgm="http://schemas.openxmlformats.org/drawingml/2006/diagram" xmlns:r="http://schemas.openxmlformats.org/officeDocument/2006/relationships" r:dm="rId2" r:lo="rId3" r:qs="rId4" r:cs="rId5"/>
+          </a:graphicData>
+        </a:graphic>
+      </p:graphicFrame>
     </p:spTree>
     <p:extLst>
       <p:ext uri="{BB962C8B-B14F-4D97-AF65-F5344CB8AC3E}">
@@ -22154,34 +22198,6 @@
           </a:p>
         </p:txBody>
       </p:sp>
-      <p:graphicFrame>
-        <p:nvGraphicFramePr>
-          <p:cNvPr id="3" name="Diagrama 2">
-            <a:extLst>
-              <a:ext uri="{FF2B5EF4-FFF2-40B4-BE49-F238E27FC236}">
-                <a16:creationId xmlns:a16="http://schemas.microsoft.com/office/drawing/2014/main" id="{91CFBEA9-9B00-442B-ACDC-E964A7E89BFB}"/>
-              </a:ext>
-            </a:extLst>
-          </p:cNvPr>
-          <p:cNvGraphicFramePr/>
-          <p:nvPr>
-            <p:extLst>
-              <p:ext uri="{D42A27DB-BD31-4B8C-83A1-F6EECF244321}">
-                <p14:modId xmlns:p14="http://schemas.microsoft.com/office/powerpoint/2010/main" val="3649695132"/>
-              </p:ext>
-            </p:extLst>
-          </p:nvPr>
-        </p:nvGraphicFramePr>
-        <p:xfrm>
-          <a:off x="2133972" y="1268760"/>
-          <a:ext cx="7375309" cy="4580836"/>
-        </p:xfrm>
-        <a:graphic>
-          <a:graphicData uri="http://schemas.openxmlformats.org/drawingml/2006/diagram">
-            <dgm:relIds xmlns:dgm="http://schemas.openxmlformats.org/drawingml/2006/diagram" xmlns:r="http://schemas.openxmlformats.org/officeDocument/2006/relationships" r:dm="rId2" r:lo="rId3" r:qs="rId4" r:cs="rId5"/>
-          </a:graphicData>
-        </a:graphic>
-      </p:graphicFrame>
       <p:sp>
         <p:nvSpPr>
           <p:cNvPr id="4" name="Marcador de Posição do Número do Diapositivo 3">
@@ -22212,6 +22228,34 @@
           </a:p>
         </p:txBody>
       </p:sp>
+      <p:graphicFrame>
+        <p:nvGraphicFramePr>
+          <p:cNvPr id="3" name="Diagrama 2">
+            <a:extLst>
+              <a:ext uri="{FF2B5EF4-FFF2-40B4-BE49-F238E27FC236}">
+                <a16:creationId xmlns:a16="http://schemas.microsoft.com/office/drawing/2014/main" id="{91CFBEA9-9B00-442B-ACDC-E964A7E89BFB}"/>
+              </a:ext>
+            </a:extLst>
+          </p:cNvPr>
+          <p:cNvGraphicFramePr/>
+          <p:nvPr>
+            <p:extLst>
+              <p:ext uri="{D42A27DB-BD31-4B8C-83A1-F6EECF244321}">
+                <p14:modId xmlns:p14="http://schemas.microsoft.com/office/powerpoint/2010/main" val="3649695132"/>
+              </p:ext>
+            </p:extLst>
+          </p:nvPr>
+        </p:nvGraphicFramePr>
+        <p:xfrm>
+          <a:off x="2133972" y="1268760"/>
+          <a:ext cx="7375309" cy="4580836"/>
+        </p:xfrm>
+        <a:graphic>
+          <a:graphicData uri="http://schemas.openxmlformats.org/drawingml/2006/diagram">
+            <dgm:relIds xmlns:dgm="http://schemas.openxmlformats.org/drawingml/2006/diagram" xmlns:r="http://schemas.openxmlformats.org/officeDocument/2006/relationships" r:dm="rId2" r:lo="rId3" r:qs="rId4" r:cs="rId5"/>
+          </a:graphicData>
+        </a:graphic>
+      </p:graphicFrame>
     </p:spTree>
     <p:extLst>
       <p:ext uri="{BB962C8B-B14F-4D97-AF65-F5344CB8AC3E}">
@@ -22284,6 +22328,36 @@
               <a:rPr lang="pt-PT" dirty="0"/>
               <a:t>Características da aplicação</a:t>
             </a:r>
+          </a:p>
+        </p:txBody>
+      </p:sp>
+      <p:sp>
+        <p:nvSpPr>
+          <p:cNvPr id="3" name="Marcador de Posição do Número do Diapositivo 2">
+            <a:extLst>
+              <a:ext uri="{FF2B5EF4-FFF2-40B4-BE49-F238E27FC236}">
+                <a16:creationId xmlns:a16="http://schemas.microsoft.com/office/drawing/2014/main" id="{8B7EE316-F6FA-4C8C-B7C2-6B087F044135}"/>
+              </a:ext>
+            </a:extLst>
+          </p:cNvPr>
+          <p:cNvSpPr>
+            <a:spLocks noGrp="1"/>
+          </p:cNvSpPr>
+          <p:nvPr>
+            <p:ph type="sldNum" sz="quarter" idx="12"/>
+          </p:nvPr>
+        </p:nvSpPr>
+        <p:spPr/>
+        <p:txBody>
+          <a:bodyPr/>
+          <a:lstStyle/>
+          <a:p>
+            <a:pPr rtl="0"/>
+            <a:fld id="{C014DD1E-5D91-48A3-AD6D-45FBA980D106}" type="slidenum">
+              <a:rPr lang="pt-PT" smtClean="0"/>
+              <a:t>4</a:t>
+            </a:fld>
+            <a:endParaRPr lang="pt-PT"/>
           </a:p>
         </p:txBody>
       </p:sp>
@@ -22630,36 +22704,6 @@
       </p:sp>
       <p:sp>
         <p:nvSpPr>
-          <p:cNvPr id="3" name="Marcador de Posição do Número do Diapositivo 2">
-            <a:extLst>
-              <a:ext uri="{FF2B5EF4-FFF2-40B4-BE49-F238E27FC236}">
-                <a16:creationId xmlns:a16="http://schemas.microsoft.com/office/drawing/2014/main" id="{8B7EE316-F6FA-4C8C-B7C2-6B087F044135}"/>
-              </a:ext>
-            </a:extLst>
-          </p:cNvPr>
-          <p:cNvSpPr>
-            <a:spLocks noGrp="1"/>
-          </p:cNvSpPr>
-          <p:nvPr>
-            <p:ph type="sldNum" sz="quarter" idx="12"/>
-          </p:nvPr>
-        </p:nvSpPr>
-        <p:spPr/>
-        <p:txBody>
-          <a:bodyPr/>
-          <a:lstStyle/>
-          <a:p>
-            <a:pPr rtl="0"/>
-            <a:fld id="{C014DD1E-5D91-48A3-AD6D-45FBA980D106}" type="slidenum">
-              <a:rPr lang="pt-PT" smtClean="0"/>
-              <a:t>4</a:t>
-            </a:fld>
-            <a:endParaRPr lang="pt-PT"/>
-          </a:p>
-        </p:txBody>
-      </p:sp>
-      <p:sp>
-        <p:nvSpPr>
           <p:cNvPr id="16" name="Retângulo 15">
             <a:extLst>
               <a:ext uri="{FF2B5EF4-FFF2-40B4-BE49-F238E27FC236}">
@@ -22867,6 +22911,36 @@
               <a:t>Arquitetura Geral</a:t>
             </a:r>
             <a:endParaRPr lang="pt-pt" dirty="0"/>
+          </a:p>
+        </p:txBody>
+      </p:sp>
+      <p:sp>
+        <p:nvSpPr>
+          <p:cNvPr id="2" name="Marcador de Posição do Número do Diapositivo 1">
+            <a:extLst>
+              <a:ext uri="{FF2B5EF4-FFF2-40B4-BE49-F238E27FC236}">
+                <a16:creationId xmlns:a16="http://schemas.microsoft.com/office/drawing/2014/main" id="{1B09E6BA-3D50-4FC2-92C4-7CBFB81B935B}"/>
+              </a:ext>
+            </a:extLst>
+          </p:cNvPr>
+          <p:cNvSpPr>
+            <a:spLocks noGrp="1"/>
+          </p:cNvSpPr>
+          <p:nvPr>
+            <p:ph type="sldNum" sz="quarter" idx="12"/>
+          </p:nvPr>
+        </p:nvSpPr>
+        <p:spPr/>
+        <p:txBody>
+          <a:bodyPr/>
+          <a:lstStyle/>
+          <a:p>
+            <a:pPr rtl="0"/>
+            <a:fld id="{C014DD1E-5D91-48A3-AD6D-45FBA980D106}" type="slidenum">
+              <a:rPr lang="pt-PT" smtClean="0"/>
+              <a:t>5</a:t>
+            </a:fld>
+            <a:endParaRPr lang="pt-PT"/>
           </a:p>
         </p:txBody>
       </p:sp>
@@ -25400,47 +25474,17 @@
           </p:grpSp>
         </p:grpSp>
       </p:grpSp>
-      <p:sp>
-        <p:nvSpPr>
-          <p:cNvPr id="2" name="Marcador de Posição do Número do Diapositivo 1">
+      <p:pic>
+        <p:nvPicPr>
+          <p:cNvPr id="1026" name="Picture 2" descr="Resultado de imagem para asp.net core">
             <a:extLst>
               <a:ext uri="{FF2B5EF4-FFF2-40B4-BE49-F238E27FC236}">
-                <a16:creationId xmlns:a16="http://schemas.microsoft.com/office/drawing/2014/main" id="{1B09E6BA-3D50-4FC2-92C4-7CBFB81B935B}"/>
-              </a:ext>
-            </a:extLst>
-          </p:cNvPr>
-          <p:cNvSpPr>
-            <a:spLocks noGrp="1"/>
-          </p:cNvSpPr>
-          <p:nvPr>
-            <p:ph type="sldNum" sz="quarter" idx="12"/>
-          </p:nvPr>
-        </p:nvSpPr>
-        <p:spPr/>
-        <p:txBody>
-          <a:bodyPr/>
-          <a:lstStyle/>
-          <a:p>
-            <a:pPr rtl="0"/>
-            <a:fld id="{C014DD1E-5D91-48A3-AD6D-45FBA980D106}" type="slidenum">
-              <a:rPr lang="pt-PT" smtClean="0"/>
-              <a:t>5</a:t>
-            </a:fld>
-            <a:endParaRPr lang="pt-PT"/>
-          </a:p>
-        </p:txBody>
-      </p:sp>
-      <p:pic>
-        <p:nvPicPr>
-          <p:cNvPr id="5" name="Imagem 4">
-            <a:extLst>
-              <a:ext uri="{FF2B5EF4-FFF2-40B4-BE49-F238E27FC236}">
-                <a16:creationId xmlns:a16="http://schemas.microsoft.com/office/drawing/2014/main" id="{4AEBA57E-778D-4A49-A26F-88E58CCF5E56}"/>
+                <a16:creationId xmlns:a16="http://schemas.microsoft.com/office/drawing/2014/main" id="{2E185920-4196-4E83-8D86-00A4BCD57EFA}"/>
               </a:ext>
             </a:extLst>
           </p:cNvPr>
           <p:cNvPicPr>
-            <a:picLocks noChangeAspect="1"/>
+            <a:picLocks noChangeAspect="1" noChangeArrowheads="1"/>
           </p:cNvPicPr>
           <p:nvPr/>
         </p:nvPicPr>
@@ -25452,18 +25496,29 @@
               </a:ext>
             </a:extLst>
           </a:blip>
+          <a:srcRect/>
           <a:stretch>
             <a:fillRect/>
           </a:stretch>
         </p:blipFill>
-        <p:spPr>
+        <p:spPr bwMode="auto">
           <a:xfrm>
-            <a:off x="4269731" y="2261947"/>
-            <a:ext cx="723149" cy="723149"/>
+            <a:off x="4177305" y="2244605"/>
+            <a:ext cx="850743" cy="640893"/>
           </a:xfrm>
           <a:prstGeom prst="rect">
             <a:avLst/>
           </a:prstGeom>
+          <a:noFill/>
+          <a:extLst>
+            <a:ext uri="{909E8E84-426E-40DD-AFC4-6F175D3DCCD1}">
+              <a14:hiddenFill xmlns:a14="http://schemas.microsoft.com/office/drawing/2010/main">
+                <a:solidFill>
+                  <a:srgbClr val="FFFFFF"/>
+                </a:solidFill>
+              </a14:hiddenFill>
+            </a:ext>
+          </a:extLst>
         </p:spPr>
       </p:pic>
     </p:spTree>
@@ -25538,6 +25593,36 @@
               <a:rPr lang="pt-PT" dirty="0"/>
               <a:t>Metodologia de Desenvolvimento</a:t>
             </a:r>
+          </a:p>
+        </p:txBody>
+      </p:sp>
+      <p:sp>
+        <p:nvSpPr>
+          <p:cNvPr id="3" name="Marcador de Posição do Número do Diapositivo 2">
+            <a:extLst>
+              <a:ext uri="{FF2B5EF4-FFF2-40B4-BE49-F238E27FC236}">
+                <a16:creationId xmlns:a16="http://schemas.microsoft.com/office/drawing/2014/main" id="{0C4BC7ED-1B67-4FA7-936B-FA09B58AE339}"/>
+              </a:ext>
+            </a:extLst>
+          </p:cNvPr>
+          <p:cNvSpPr>
+            <a:spLocks noGrp="1"/>
+          </p:cNvSpPr>
+          <p:nvPr>
+            <p:ph type="sldNum" sz="quarter" idx="12"/>
+          </p:nvPr>
+        </p:nvSpPr>
+        <p:spPr/>
+        <p:txBody>
+          <a:bodyPr/>
+          <a:lstStyle/>
+          <a:p>
+            <a:pPr rtl="0"/>
+            <a:fld id="{C014DD1E-5D91-48A3-AD6D-45FBA980D106}" type="slidenum">
+              <a:rPr lang="pt-PT" smtClean="0"/>
+              <a:t>6</a:t>
+            </a:fld>
+            <a:endParaRPr lang="pt-PT"/>
           </a:p>
         </p:txBody>
       </p:sp>
@@ -26430,36 +26515,6 @@
           </a:extLst>
         </p:spPr>
       </p:pic>
-      <p:sp>
-        <p:nvSpPr>
-          <p:cNvPr id="3" name="Marcador de Posição do Número do Diapositivo 2">
-            <a:extLst>
-              <a:ext uri="{FF2B5EF4-FFF2-40B4-BE49-F238E27FC236}">
-                <a16:creationId xmlns:a16="http://schemas.microsoft.com/office/drawing/2014/main" id="{0C4BC7ED-1B67-4FA7-936B-FA09B58AE339}"/>
-              </a:ext>
-            </a:extLst>
-          </p:cNvPr>
-          <p:cNvSpPr>
-            <a:spLocks noGrp="1"/>
-          </p:cNvSpPr>
-          <p:nvPr>
-            <p:ph type="sldNum" sz="quarter" idx="12"/>
-          </p:nvPr>
-        </p:nvSpPr>
-        <p:spPr/>
-        <p:txBody>
-          <a:bodyPr/>
-          <a:lstStyle/>
-          <a:p>
-            <a:pPr rtl="0"/>
-            <a:fld id="{C014DD1E-5D91-48A3-AD6D-45FBA980D106}" type="slidenum">
-              <a:rPr lang="pt-PT" smtClean="0"/>
-              <a:t>6</a:t>
-            </a:fld>
-            <a:endParaRPr lang="pt-PT"/>
-          </a:p>
-        </p:txBody>
-      </p:sp>
       <p:pic>
         <p:nvPicPr>
           <p:cNvPr id="13" name="Imagem 12">
@@ -26610,7 +26665,7 @@
             <a:graphicFrameLocks noGrp="1"/>
           </p:cNvGraphicFramePr>
           <p:nvPr>
-            <p:ph sz="half" idx="2"/>
+            <p:ph sz="half" idx="1"/>
             <p:extLst>
               <p:ext uri="{D42A27DB-BD31-4B8C-83A1-F6EECF244321}">
                 <p14:modId xmlns:p14="http://schemas.microsoft.com/office/powerpoint/2010/main" val="869522464"/>
@@ -26942,13 +26997,7 @@
       </p:grpSpPr>
       <p:sp>
         <p:nvSpPr>
-          <p:cNvPr id="2" name="Título 1">
-            <a:extLst>
-              <a:ext uri="{FF2B5EF4-FFF2-40B4-BE49-F238E27FC236}">
-                <a16:creationId xmlns:a16="http://schemas.microsoft.com/office/drawing/2014/main" id="{F9A53EFC-A9FC-4C60-AD83-437D9B696FBC}"/>
-              </a:ext>
-            </a:extLst>
-          </p:cNvPr>
+          <p:cNvPr id="2" name="Título 1"/>
           <p:cNvSpPr>
             <a:spLocks noGrp="1"/>
           </p:cNvSpPr>
@@ -26958,39 +27007,29 @@
         </p:nvSpPr>
         <p:spPr>
           <a:xfrm>
-            <a:off x="1218883" y="274637"/>
-            <a:ext cx="10360501" cy="634083"/>
+            <a:off x="914161" y="1"/>
+            <a:ext cx="10360501" cy="1052736"/>
           </a:xfrm>
         </p:spPr>
         <p:txBody>
-          <a:bodyPr/>
+          <a:bodyPr rtlCol="0"/>
           <a:lstStyle/>
           <a:p>
-            <a:r>
-              <a:rPr lang="pt-PT" dirty="0" err="1"/>
-              <a:t>Burndown</a:t>
-            </a:r>
+            <a:pPr rtl="0"/>
             <a:r>
               <a:rPr lang="pt-PT" dirty="0"/>
-              <a:t> </a:t>
+              <a:t>Testes Realizados</a:t>
             </a:r>
-            <a:r>
-              <a:rPr lang="pt-PT" dirty="0" err="1"/>
-              <a:t>Chart</a:t>
-            </a:r>
-            <a:r>
-              <a:rPr lang="pt-PT" dirty="0"/>
-              <a:t> - Projeto</a:t>
-            </a:r>
+            <a:endParaRPr lang="pt-pt" dirty="0"/>
           </a:p>
         </p:txBody>
       </p:sp>
       <p:sp>
         <p:nvSpPr>
-          <p:cNvPr id="5" name="Marcador de Posição do Número do Diapositivo 4">
+          <p:cNvPr id="3" name="Marcador de Posição do Número do Diapositivo 2">
             <a:extLst>
               <a:ext uri="{FF2B5EF4-FFF2-40B4-BE49-F238E27FC236}">
-                <a16:creationId xmlns:a16="http://schemas.microsoft.com/office/drawing/2014/main" id="{D32862C7-F2CB-4B41-B967-337985C3D1B6}"/>
+                <a16:creationId xmlns:a16="http://schemas.microsoft.com/office/drawing/2014/main" id="{711A336E-D85A-411D-9826-E56D909E8AB7}"/>
               </a:ext>
             </a:extLst>
           </p:cNvPr>
@@ -27017,54 +27056,19 @@
       </p:sp>
       <p:pic>
         <p:nvPicPr>
-          <p:cNvPr id="6" name="Imagem 5">
+          <p:cNvPr id="2050" name="Picture 2" descr="Resultado de imagem para xunit">
             <a:extLst>
               <a:ext uri="{FF2B5EF4-FFF2-40B4-BE49-F238E27FC236}">
-                <a16:creationId xmlns:a16="http://schemas.microsoft.com/office/drawing/2014/main" id="{593FD8E6-48C1-4DB4-8EE2-E610DD4C93A8}"/>
+                <a16:creationId xmlns:a16="http://schemas.microsoft.com/office/drawing/2014/main" id="{1F02DB1B-9BCC-4815-A4FA-F6A4A5FD55B7}"/>
               </a:ext>
             </a:extLst>
           </p:cNvPr>
           <p:cNvPicPr>
-            <a:picLocks noChangeAspect="1"/>
+            <a:picLocks noChangeAspect="1" noChangeArrowheads="1"/>
           </p:cNvPicPr>
           <p:nvPr/>
         </p:nvPicPr>
-        <p:blipFill>
-          <a:blip r:embed="rId2"/>
-          <a:stretch>
-            <a:fillRect/>
-          </a:stretch>
-        </p:blipFill>
-        <p:spPr>
-          <a:xfrm>
-            <a:off x="1886342" y="987744"/>
-            <a:ext cx="9025582" cy="5289583"/>
-          </a:xfrm>
-          <a:prstGeom prst="rect">
-            <a:avLst/>
-          </a:prstGeom>
-          <a:ln>
-            <a:solidFill>
-              <a:schemeClr val="bg1"/>
-            </a:solidFill>
-          </a:ln>
-        </p:spPr>
-      </p:pic>
-      <p:pic>
-        <p:nvPicPr>
-          <p:cNvPr id="4" name="Picture 3">
-            <a:extLst>
-              <a:ext uri="{FF2B5EF4-FFF2-40B4-BE49-F238E27FC236}">
-                <a16:creationId xmlns:a16="http://schemas.microsoft.com/office/drawing/2014/main" id="{6BB9356B-C6B3-4343-BF8A-F666E737FAE3}"/>
-              </a:ext>
-            </a:extLst>
-          </p:cNvPr>
-          <p:cNvPicPr>
-            <a:picLocks noChangeAspect="1"/>
-          </p:cNvPicPr>
-          <p:nvPr/>
-        </p:nvPicPr>
-        <p:blipFill>
+        <p:blipFill rotWithShape="1">
           <a:blip r:embed="rId3">
             <a:extLst>
               <a:ext uri="{28A0092B-C50C-407E-A947-70E740481C1C}">
@@ -27072,24 +27076,347 @@
               </a:ext>
             </a:extLst>
           </a:blip>
+          <a:srcRect l="13228" t="36770" r="11172" b="38661"/>
+          <a:stretch/>
+        </p:blipFill>
+        <p:spPr bwMode="auto">
+          <a:xfrm>
+            <a:off x="8552685" y="3634891"/>
+            <a:ext cx="2880320" cy="936104"/>
+          </a:xfrm>
+          <a:prstGeom prst="rect">
+            <a:avLst/>
+          </a:prstGeom>
+          <a:noFill/>
+          <a:ln w="19050">
+            <a:solidFill>
+              <a:schemeClr val="accent1"/>
+            </a:solidFill>
+          </a:ln>
+          <a:extLst>
+            <a:ext uri="{909E8E84-426E-40DD-AFC4-6F175D3DCCD1}">
+              <a14:hiddenFill xmlns:a14="http://schemas.microsoft.com/office/drawing/2010/main">
+                <a:solidFill>
+                  <a:srgbClr val="FFFFFF"/>
+                </a:solidFill>
+              </a14:hiddenFill>
+            </a:ext>
+          </a:extLst>
+        </p:spPr>
+      </p:pic>
+      <p:pic>
+        <p:nvPicPr>
+          <p:cNvPr id="2052" name="Picture 4" descr="Resultado de imagem para selenium">
+            <a:extLst>
+              <a:ext uri="{FF2B5EF4-FFF2-40B4-BE49-F238E27FC236}">
+                <a16:creationId xmlns:a16="http://schemas.microsoft.com/office/drawing/2014/main" id="{03C51FA2-DBBC-470E-A0C0-8709308F115E}"/>
+              </a:ext>
+            </a:extLst>
+          </p:cNvPr>
+          <p:cNvPicPr>
+            <a:picLocks noChangeAspect="1" noChangeArrowheads="1"/>
+          </p:cNvPicPr>
+          <p:nvPr/>
+        </p:nvPicPr>
+        <p:blipFill>
+          <a:blip r:embed="rId4">
+            <a:extLst>
+              <a:ext uri="{28A0092B-C50C-407E-A947-70E740481C1C}">
+                <a14:useLocalDpi xmlns:a14="http://schemas.microsoft.com/office/drawing/2010/main" val="0"/>
+              </a:ext>
+            </a:extLst>
+          </a:blip>
+          <a:srcRect/>
           <a:stretch>
             <a:fillRect/>
           </a:stretch>
         </p:blipFill>
-        <p:spPr>
+        <p:spPr bwMode="auto">
           <a:xfrm>
-            <a:off x="1886342" y="985486"/>
-            <a:ext cx="9025582" cy="5291841"/>
+            <a:off x="9235316" y="685872"/>
+            <a:ext cx="1512168" cy="1368512"/>
           </a:xfrm>
           <a:prstGeom prst="rect">
             <a:avLst/>
           </a:prstGeom>
+          <a:solidFill>
+            <a:srgbClr val="FFFFFF">
+              <a:shade val="85000"/>
+            </a:srgbClr>
+          </a:solidFill>
+          <a:ln w="19050" cap="sq">
+            <a:solidFill>
+              <a:schemeClr val="accent1"/>
+            </a:solidFill>
+            <a:miter lim="800000"/>
+          </a:ln>
+          <a:effectLst>
+            <a:outerShdw blurRad="55000" dist="18000" dir="5400000" algn="tl" rotWithShape="0">
+              <a:srgbClr val="000000">
+                <a:alpha val="40000"/>
+              </a:srgbClr>
+            </a:outerShdw>
+          </a:effectLst>
+          <a:scene3d>
+            <a:camera prst="orthographicFront"/>
+            <a:lightRig rig="twoPt" dir="t">
+              <a:rot lat="0" lon="0" rev="7200000"/>
+            </a:lightRig>
+          </a:scene3d>
+          <a:sp3d>
+            <a:bevelT w="25400" h="19050"/>
+            <a:contourClr>
+              <a:srgbClr val="FFFFFF"/>
+            </a:contourClr>
+          </a:sp3d>
+          <a:extLst>
+            <a:ext uri="{909E8E84-426E-40DD-AFC4-6F175D3DCCD1}">
+              <a14:hiddenFill xmlns:a14="http://schemas.microsoft.com/office/drawing/2010/main">
+                <a:solidFill>
+                  <a:srgbClr val="FFFFFF"/>
+                </a:solidFill>
+              </a14:hiddenFill>
+            </a:ext>
+          </a:extLst>
         </p:spPr>
       </p:pic>
+      <p:pic>
+        <p:nvPicPr>
+          <p:cNvPr id="2054" name="Picture 6" descr="Resultado de imagem para google forms">
+            <a:extLst>
+              <a:ext uri="{FF2B5EF4-FFF2-40B4-BE49-F238E27FC236}">
+                <a16:creationId xmlns:a16="http://schemas.microsoft.com/office/drawing/2014/main" id="{215D1B21-3734-4887-B812-E17C34242FFA}"/>
+              </a:ext>
+            </a:extLst>
+          </p:cNvPr>
+          <p:cNvPicPr>
+            <a:picLocks noChangeAspect="1" noChangeArrowheads="1"/>
+          </p:cNvPicPr>
+          <p:nvPr/>
+        </p:nvPicPr>
+        <p:blipFill>
+          <a:blip r:embed="rId5" cstate="print">
+            <a:extLst>
+              <a:ext uri="{28A0092B-C50C-407E-A947-70E740481C1C}">
+                <a14:useLocalDpi xmlns:a14="http://schemas.microsoft.com/office/drawing/2010/main" val="0"/>
+              </a:ext>
+            </a:extLst>
+          </a:blip>
+          <a:srcRect/>
+          <a:stretch>
+            <a:fillRect/>
+          </a:stretch>
+        </p:blipFill>
+        <p:spPr bwMode="auto">
+          <a:xfrm>
+            <a:off x="8551240" y="4873482"/>
+            <a:ext cx="2897432" cy="965811"/>
+          </a:xfrm>
+          <a:prstGeom prst="rect">
+            <a:avLst/>
+          </a:prstGeom>
+          <a:noFill/>
+          <a:ln w="19050">
+            <a:solidFill>
+              <a:schemeClr val="accent1"/>
+            </a:solidFill>
+          </a:ln>
+          <a:extLst>
+            <a:ext uri="{909E8E84-426E-40DD-AFC4-6F175D3DCCD1}">
+              <a14:hiddenFill xmlns:a14="http://schemas.microsoft.com/office/drawing/2010/main">
+                <a:solidFill>
+                  <a:srgbClr val="FFFFFF"/>
+                </a:solidFill>
+              </a14:hiddenFill>
+            </a:ext>
+          </a:extLst>
+        </p:spPr>
+      </p:pic>
+      <p:pic>
+        <p:nvPicPr>
+          <p:cNvPr id="2062" name="Picture 14" descr="Resultado de imagem para azure">
+            <a:extLst>
+              <a:ext uri="{FF2B5EF4-FFF2-40B4-BE49-F238E27FC236}">
+                <a16:creationId xmlns:a16="http://schemas.microsoft.com/office/drawing/2014/main" id="{05C345D4-EA81-4FD5-BB61-51E77CC6B9B0}"/>
+              </a:ext>
+            </a:extLst>
+          </p:cNvPr>
+          <p:cNvPicPr>
+            <a:picLocks noChangeAspect="1" noChangeArrowheads="1"/>
+          </p:cNvPicPr>
+          <p:nvPr/>
+        </p:nvPicPr>
+        <p:blipFill rotWithShape="1">
+          <a:blip r:embed="rId6" cstate="print">
+            <a:extLst>
+              <a:ext uri="{28A0092B-C50C-407E-A947-70E740481C1C}">
+                <a14:useLocalDpi xmlns:a14="http://schemas.microsoft.com/office/drawing/2010/main" val="0"/>
+              </a:ext>
+            </a:extLst>
+          </a:blip>
+          <a:srcRect l="-5147" t="-11979" r="-5393" b="-18624"/>
+          <a:stretch/>
+        </p:blipFill>
+        <p:spPr bwMode="auto">
+          <a:xfrm>
+            <a:off x="8542684" y="2348880"/>
+            <a:ext cx="2897432" cy="983524"/>
+          </a:xfrm>
+          <a:prstGeom prst="rect">
+            <a:avLst/>
+          </a:prstGeom>
+          <a:solidFill>
+            <a:srgbClr val="FFFFFF">
+              <a:shade val="85000"/>
+            </a:srgbClr>
+          </a:solidFill>
+          <a:ln w="19050" cap="sq">
+            <a:solidFill>
+              <a:schemeClr val="accent1"/>
+            </a:solidFill>
+            <a:miter lim="800000"/>
+          </a:ln>
+          <a:effectLst>
+            <a:outerShdw blurRad="55000" dist="18000" dir="5400000" algn="tl" rotWithShape="0">
+              <a:srgbClr val="000000">
+                <a:alpha val="40000"/>
+              </a:srgbClr>
+            </a:outerShdw>
+          </a:effectLst>
+          <a:scene3d>
+            <a:camera prst="orthographicFront"/>
+            <a:lightRig rig="twoPt" dir="t">
+              <a:rot lat="0" lon="0" rev="7200000"/>
+            </a:lightRig>
+          </a:scene3d>
+          <a:sp3d>
+            <a:bevelT w="25400" h="19050"/>
+            <a:contourClr>
+              <a:srgbClr val="FFFFFF"/>
+            </a:contourClr>
+          </a:sp3d>
+          <a:extLst>
+            <a:ext uri="{909E8E84-426E-40DD-AFC4-6F175D3DCCD1}">
+              <a14:hiddenFill xmlns:a14="http://schemas.microsoft.com/office/drawing/2010/main">
+                <a:solidFill>
+                  <a:srgbClr val="FFFFFF"/>
+                </a:solidFill>
+              </a14:hiddenFill>
+            </a:ext>
+          </a:extLst>
+        </p:spPr>
+      </p:pic>
+      <p:sp>
+        <p:nvSpPr>
+          <p:cNvPr id="19" name="CaixaDeTexto 18">
+            <a:extLst>
+              <a:ext uri="{FF2B5EF4-FFF2-40B4-BE49-F238E27FC236}">
+                <a16:creationId xmlns:a16="http://schemas.microsoft.com/office/drawing/2014/main" id="{3DA29D70-EEC1-4B08-AB39-C2D31009E0B9}"/>
+              </a:ext>
+            </a:extLst>
+          </p:cNvPr>
+          <p:cNvSpPr txBox="1"/>
+          <p:nvPr/>
+        </p:nvSpPr>
+        <p:spPr>
+          <a:xfrm>
+            <a:off x="1441341" y="1556792"/>
+            <a:ext cx="5615512" cy="3903504"/>
+          </a:xfrm>
+          <a:prstGeom prst="rect">
+            <a:avLst/>
+          </a:prstGeom>
+          <a:noFill/>
+        </p:spPr>
+        <p:txBody>
+          <a:bodyPr wrap="none" rtlCol="0">
+            <a:spAutoFit/>
+          </a:bodyPr>
+          <a:lstStyle/>
+          <a:p>
+            <a:pPr marL="457200" indent="-457200">
+              <a:lnSpc>
+                <a:spcPct val="150000"/>
+              </a:lnSpc>
+              <a:buFont typeface="Arial" panose="020B0604020202020204" pitchFamily="34" charset="0"/>
+              <a:buChar char="•"/>
+            </a:pPr>
+            <a:r>
+              <a:rPr lang="pt-PT" sz="2800" dirty="0"/>
+              <a:t>Testes de Sistema</a:t>
+            </a:r>
+          </a:p>
+          <a:p>
+            <a:pPr marL="457200" indent="-457200">
+              <a:lnSpc>
+                <a:spcPct val="150000"/>
+              </a:lnSpc>
+              <a:buFont typeface="Arial" panose="020B0604020202020204" pitchFamily="34" charset="0"/>
+              <a:buChar char="•"/>
+            </a:pPr>
+            <a:r>
+              <a:rPr lang="pt-PT" sz="2800" dirty="0"/>
+              <a:t>Testes de Carga e de Desempenho</a:t>
+            </a:r>
+          </a:p>
+          <a:p>
+            <a:pPr marL="457200" indent="-457200">
+              <a:lnSpc>
+                <a:spcPct val="150000"/>
+              </a:lnSpc>
+              <a:buFont typeface="Arial" panose="020B0604020202020204" pitchFamily="34" charset="0"/>
+              <a:buChar char="•"/>
+            </a:pPr>
+            <a:r>
+              <a:rPr lang="pt-PT" sz="2800" dirty="0"/>
+              <a:t>Testes Unitários</a:t>
+            </a:r>
+          </a:p>
+          <a:p>
+            <a:pPr marL="457200" indent="-457200">
+              <a:lnSpc>
+                <a:spcPct val="150000"/>
+              </a:lnSpc>
+              <a:buFont typeface="Arial" panose="020B0604020202020204" pitchFamily="34" charset="0"/>
+              <a:buChar char="•"/>
+            </a:pPr>
+            <a:r>
+              <a:rPr lang="pt-PT" sz="2800" dirty="0"/>
+              <a:t>Testes de Usabilidade </a:t>
+            </a:r>
+          </a:p>
+          <a:p>
+            <a:pPr marL="457200" indent="-457200">
+              <a:lnSpc>
+                <a:spcPct val="150000"/>
+              </a:lnSpc>
+              <a:buFont typeface="Arial" panose="020B0604020202020204" pitchFamily="34" charset="0"/>
+              <a:buChar char="•"/>
+            </a:pPr>
+            <a:r>
+              <a:rPr lang="pt-PT" sz="2800" dirty="0"/>
+              <a:t>Testes de Integração</a:t>
+            </a:r>
+          </a:p>
+          <a:p>
+            <a:pPr marL="457200" indent="-457200">
+              <a:lnSpc>
+                <a:spcPct val="150000"/>
+              </a:lnSpc>
+              <a:buFont typeface="Arial" panose="020B0604020202020204" pitchFamily="34" charset="0"/>
+              <a:buChar char="•"/>
+            </a:pPr>
+            <a:r>
+              <a:rPr lang="pt-PT" sz="2800" dirty="0"/>
+              <a:t>Testes de Aceitação</a:t>
+            </a:r>
+          </a:p>
+        </p:txBody>
+      </p:sp>
     </p:spTree>
     <p:extLst>
       <p:ext uri="{BB962C8B-B14F-4D97-AF65-F5344CB8AC3E}">
-        <p14:creationId xmlns:p14="http://schemas.microsoft.com/office/powerpoint/2010/main" val="1048076111"/>
+        <p14:creationId xmlns:p14="http://schemas.microsoft.com/office/powerpoint/2010/main" val="479676154"/>
       </p:ext>
     </p:extLst>
   </p:cSld>
@@ -27156,6 +27483,36 @@
               <a:t>Estimativa de custos</a:t>
             </a:r>
             <a:endParaRPr lang="pt-pt" dirty="0"/>
+          </a:p>
+        </p:txBody>
+      </p:sp>
+      <p:sp>
+        <p:nvSpPr>
+          <p:cNvPr id="5" name="Marcador de Posição do Número do Diapositivo 4">
+            <a:extLst>
+              <a:ext uri="{FF2B5EF4-FFF2-40B4-BE49-F238E27FC236}">
+                <a16:creationId xmlns:a16="http://schemas.microsoft.com/office/drawing/2014/main" id="{4FFC9CB5-77D3-4DF1-BFFA-3582FEE45012}"/>
+              </a:ext>
+            </a:extLst>
+          </p:cNvPr>
+          <p:cNvSpPr>
+            <a:spLocks noGrp="1"/>
+          </p:cNvSpPr>
+          <p:nvPr>
+            <p:ph type="sldNum" sz="quarter" idx="12"/>
+          </p:nvPr>
+        </p:nvSpPr>
+        <p:spPr/>
+        <p:txBody>
+          <a:bodyPr/>
+          <a:lstStyle/>
+          <a:p>
+            <a:pPr rtl="0"/>
+            <a:fld id="{C014DD1E-5D91-48A3-AD6D-45FBA980D106}" type="slidenum">
+              <a:rPr lang="pt-PT" smtClean="0"/>
+              <a:t>9</a:t>
+            </a:fld>
+            <a:endParaRPr lang="pt-PT"/>
           </a:p>
         </p:txBody>
       </p:sp>
@@ -27250,36 +27607,6 @@
           </p:txBody>
         </p:sp>
       </p:grpSp>
-      <p:sp>
-        <p:nvSpPr>
-          <p:cNvPr id="5" name="Marcador de Posição do Número do Diapositivo 4">
-            <a:extLst>
-              <a:ext uri="{FF2B5EF4-FFF2-40B4-BE49-F238E27FC236}">
-                <a16:creationId xmlns:a16="http://schemas.microsoft.com/office/drawing/2014/main" id="{4FFC9CB5-77D3-4DF1-BFFA-3582FEE45012}"/>
-              </a:ext>
-            </a:extLst>
-          </p:cNvPr>
-          <p:cNvSpPr>
-            <a:spLocks noGrp="1"/>
-          </p:cNvSpPr>
-          <p:nvPr>
-            <p:ph type="sldNum" sz="quarter" idx="12"/>
-          </p:nvPr>
-        </p:nvSpPr>
-        <p:spPr/>
-        <p:txBody>
-          <a:bodyPr/>
-          <a:lstStyle/>
-          <a:p>
-            <a:pPr rtl="0"/>
-            <a:fld id="{C014DD1E-5D91-48A3-AD6D-45FBA980D106}" type="slidenum">
-              <a:rPr lang="pt-PT" smtClean="0"/>
-              <a:t>9</a:t>
-            </a:fld>
-            <a:endParaRPr lang="pt-PT"/>
-          </a:p>
-        </p:txBody>
-      </p:sp>
     </p:spTree>
     <p:extLst>
       <p:ext uri="{BB962C8B-B14F-4D97-AF65-F5344CB8AC3E}">
@@ -28256,15 +28583,6 @@
 </file>
 
 <file path=customXml/item1.xml><?xml version="1.0" encoding="utf-8"?>
-<?mso-contentType ?>
-<FormTemplates xmlns="http://schemas.microsoft.com/sharepoint/v3/contenttype/forms">
-  <Display>DocumentLibraryForm</Display>
-  <Edit>AssetEditForm</Edit>
-  <New>DocumentLibraryForm</New>
-</FormTemplates>
-</file>
-
-<file path=customXml/item2.xml><?xml version="1.0" encoding="utf-8"?>
 <p:properties xmlns:p="http://schemas.microsoft.com/office/2006/metadata/properties" xmlns:xsi="http://www.w3.org/2001/XMLSchema-instance" xmlns:pc="http://schemas.microsoft.com/office/infopath/2007/PartnerControls">
   <documentManagement>
     <LocPublishedLinkedAssetsLookup xmlns="4873beb7-5857-4685-be1f-d57550cc96cc" xsi:nil="true"/>
@@ -28400,7 +28718,7 @@
 </p:properties>
 </file>
 
-<file path=customXml/item3.xml><?xml version="1.0" encoding="utf-8"?>
+<file path=customXml/item2.xml><?xml version="1.0" encoding="utf-8"?>
 <ct:contentTypeSchema xmlns:ct="http://schemas.microsoft.com/office/2006/metadata/contentType" xmlns:ma="http://schemas.microsoft.com/office/2006/metadata/properties/metaAttributes" ct:_="" ma:_="" ma:contentTypeName="TemplateFile" ma:contentTypeID="0x0101006EDDDB5EE6D98C44930B742096920B300400F5B6D36B3EF94B4E9A635CDF2A18F5B8" ma:contentTypeVersion="72" ma:contentTypeDescription="Create a new document." ma:contentTypeScope="" ma:versionID="a23e56308344d904b51738559c3d67c9">
   <xsd:schema xmlns:xsd="http://www.w3.org/2001/XMLSchema" xmlns:xs="http://www.w3.org/2001/XMLSchema" xmlns:p="http://schemas.microsoft.com/office/2006/metadata/properties" xmlns:ns2="4873beb7-5857-4685-be1f-d57550cc96cc" targetNamespace="http://schemas.microsoft.com/office/2006/metadata/properties" ma:root="true" ma:fieldsID="cd0908cc4600e77bf5da051303e00c8d" ns2:_="">
     <xsd:import namespace="4873beb7-5857-4685-be1f-d57550cc96cc"/>
@@ -29440,15 +29758,16 @@
 </ct:contentTypeSchema>
 </file>
 
-<file path=customXml/itemProps1.xml><?xml version="1.0" encoding="utf-8"?>
-<ds:datastoreItem xmlns:ds="http://schemas.openxmlformats.org/officeDocument/2006/customXml" ds:itemID="{3836F65B-1B07-41EE-A0E8-BC6EF3855225}">
-  <ds:schemaRefs>
-    <ds:schemaRef ds:uri="http://schemas.microsoft.com/sharepoint/v3/contenttype/forms"/>
-  </ds:schemaRefs>
-</ds:datastoreItem>
+<file path=customXml/item3.xml><?xml version="1.0" encoding="utf-8"?>
+<?mso-contentType ?>
+<FormTemplates xmlns="http://schemas.microsoft.com/sharepoint/v3/contenttype/forms">
+  <Display>DocumentLibraryForm</Display>
+  <Edit>AssetEditForm</Edit>
+  <New>DocumentLibraryForm</New>
+</FormTemplates>
 </file>
 
-<file path=customXml/itemProps2.xml><?xml version="1.0" encoding="utf-8"?>
+<file path=customXml/itemProps1.xml><?xml version="1.0" encoding="utf-8"?>
 <ds:datastoreItem xmlns:ds="http://schemas.openxmlformats.org/officeDocument/2006/customXml" ds:itemID="{60C67BEE-D13F-4BD2-98A5-34D8A0977F68}">
   <ds:schemaRefs>
     <ds:schemaRef ds:uri="4873beb7-5857-4685-be1f-d57550cc96cc"/>
@@ -29464,7 +29783,7 @@
 </ds:datastoreItem>
 </file>
 
-<file path=customXml/itemProps3.xml><?xml version="1.0" encoding="utf-8"?>
+<file path=customXml/itemProps2.xml><?xml version="1.0" encoding="utf-8"?>
 <ds:datastoreItem xmlns:ds="http://schemas.openxmlformats.org/officeDocument/2006/customXml" ds:itemID="{A09BF4D4-EF60-4196-BFC3-9462D607978C}">
   <ds:schemaRefs>
     <ds:schemaRef ds:uri="http://schemas.microsoft.com/office/2006/metadata/contentType"/>
@@ -29480,4 +29799,12 @@
     <ds:schemaRef ds:uri="http://schemas.microsoft.com/internal/obd"/>
   </ds:schemaRefs>
 </ds:datastoreItem>
+</file>
+
+<file path=customXml/itemProps3.xml><?xml version="1.0" encoding="utf-8"?>
+<ds:datastoreItem xmlns:ds="http://schemas.openxmlformats.org/officeDocument/2006/customXml" ds:itemID="{3836F65B-1B07-41EE-A0E8-BC6EF3855225}">
+  <ds:schemaRefs>
+    <ds:schemaRef ds:uri="http://schemas.microsoft.com/sharepoint/v3/contenttype/forms"/>
+  </ds:schemaRefs>
+</ds:datastoreItem>
 </file>
--- a/Apresentacao.pptx
+++ b/Apresentacao.pptx
@@ -5,10 +5,10 @@
     <p:sldMasterId id="2147483660" r:id="rId4"/>
   </p:sldMasterIdLst>
   <p:notesMasterIdLst>
-    <p:notesMasterId r:id="rId15"/>
+    <p:notesMasterId r:id="rId16"/>
   </p:notesMasterIdLst>
   <p:handoutMasterIdLst>
-    <p:handoutMasterId r:id="rId16"/>
+    <p:handoutMasterId r:id="rId17"/>
   </p:handoutMasterIdLst>
   <p:sldIdLst>
     <p:sldId id="257" r:id="rId5"/>
@@ -18,9 +18,10 @@
     <p:sldId id="267" r:id="rId9"/>
     <p:sldId id="282" r:id="rId10"/>
     <p:sldId id="270" r:id="rId11"/>
-    <p:sldId id="283" r:id="rId12"/>
-    <p:sldId id="261" r:id="rId13"/>
-    <p:sldId id="280" r:id="rId14"/>
+    <p:sldId id="284" r:id="rId12"/>
+    <p:sldId id="283" r:id="rId13"/>
+    <p:sldId id="261" r:id="rId14"/>
+    <p:sldId id="280" r:id="rId15"/>
   </p:sldIdLst>
   <p:sldSz cx="12188825" cy="6858000"/>
   <p:notesSz cx="6858000" cy="9144000"/>
@@ -15611,7 +15612,7 @@
             <a:pPr rtl="0"/>
             <a:fld id="{79429053-DC2A-4342-ADD4-2FD729D91E2C}" type="slidenum">
               <a:rPr/>
-              <a:t>‹nº›</a:t>
+              <a:t>‹#›</a:t>
             </a:fld>
             <a:endParaRPr/>
           </a:p>
@@ -15868,7 +15869,7 @@
             <a:pPr rtl="0"/>
             <a:fld id="{3EBA5BD7-F043-4D1B-AA17-CD412FC534DE}" type="slidenum">
               <a:rPr/>
-              <a:t>‹nº›</a:t>
+              <a:t>‹#›</a:t>
             </a:fld>
             <a:endParaRPr/>
           </a:p>
@@ -16130,7 +16131,7 @@
             <a:pPr rtl="0"/>
             <a:fld id="{3EBA5BD7-F043-4D1B-AA17-CD412FC534DE}" type="slidenum">
               <a:rPr lang="en-US" smtClean="0"/>
-              <a:t>8</a:t>
+              <a:t>9</a:t>
             </a:fld>
             <a:endParaRPr lang="en-US"/>
           </a:p>
@@ -16952,7 +16953,7 @@
             <a:pPr rtl="0"/>
             <a:fld id="{C014DD1E-5D91-48A3-AD6D-45FBA980D106}" type="slidenum">
               <a:rPr/>
-              <a:t>‹nº›</a:t>
+              <a:t>‹#›</a:t>
             </a:fld>
             <a:endParaRPr/>
           </a:p>
@@ -17154,7 +17155,7 @@
             <a:pPr rtl="0"/>
             <a:fld id="{C014DD1E-5D91-48A3-AD6D-45FBA980D106}" type="slidenum">
               <a:rPr/>
-              <a:t>‹nº›</a:t>
+              <a:t>‹#›</a:t>
             </a:fld>
             <a:endParaRPr/>
           </a:p>
@@ -17366,7 +17367,7 @@
             <a:pPr rtl="0"/>
             <a:fld id="{C014DD1E-5D91-48A3-AD6D-45FBA980D106}" type="slidenum">
               <a:rPr/>
-              <a:t>‹nº›</a:t>
+              <a:t>‹#›</a:t>
             </a:fld>
             <a:endParaRPr/>
           </a:p>
@@ -17568,7 +17569,7 @@
             <a:pPr rtl="0"/>
             <a:fld id="{C014DD1E-5D91-48A3-AD6D-45FBA980D106}" type="slidenum">
               <a:rPr/>
-              <a:t>‹nº›</a:t>
+              <a:t>‹#›</a:t>
             </a:fld>
             <a:endParaRPr/>
           </a:p>
@@ -18004,7 +18005,7 @@
             <a:pPr rtl="0"/>
             <a:fld id="{C014DD1E-5D91-48A3-AD6D-45FBA980D106}" type="slidenum">
               <a:rPr/>
-              <a:t>‹nº›</a:t>
+              <a:t>‹#›</a:t>
             </a:fld>
             <a:endParaRPr/>
           </a:p>
@@ -18312,7 +18313,7 @@
             <a:pPr rtl="0"/>
             <a:fld id="{C014DD1E-5D91-48A3-AD6D-45FBA980D106}" type="slidenum">
               <a:rPr/>
-              <a:t>‹nº›</a:t>
+              <a:t>‹#›</a:t>
             </a:fld>
             <a:endParaRPr/>
           </a:p>
@@ -18772,7 +18773,7 @@
             <a:pPr rtl="0"/>
             <a:fld id="{C014DD1E-5D91-48A3-AD6D-45FBA980D106}" type="slidenum">
               <a:rPr/>
-              <a:t>‹nº›</a:t>
+              <a:t>‹#›</a:t>
             </a:fld>
             <a:endParaRPr/>
           </a:p>
@@ -18906,7 +18907,7 @@
             <a:pPr rtl="0"/>
             <a:fld id="{C014DD1E-5D91-48A3-AD6D-45FBA980D106}" type="slidenum">
               <a:rPr/>
-              <a:t>‹nº›</a:t>
+              <a:t>‹#›</a:t>
             </a:fld>
             <a:endParaRPr/>
           </a:p>
@@ -19016,7 +19017,7 @@
             <a:pPr rtl="0"/>
             <a:fld id="{C014DD1E-5D91-48A3-AD6D-45FBA980D106}" type="slidenum">
               <a:rPr/>
-              <a:t>‹nº›</a:t>
+              <a:t>‹#›</a:t>
             </a:fld>
             <a:endParaRPr/>
           </a:p>
@@ -19319,7 +19320,7 @@
             <a:pPr rtl="0"/>
             <a:fld id="{C014DD1E-5D91-48A3-AD6D-45FBA980D106}" type="slidenum">
               <a:rPr/>
-              <a:t>‹nº›</a:t>
+              <a:t>‹#›</a:t>
             </a:fld>
             <a:endParaRPr/>
           </a:p>
@@ -19612,7 +19613,7 @@
             <a:pPr rtl="0"/>
             <a:fld id="{C014DD1E-5D91-48A3-AD6D-45FBA980D106}" type="slidenum">
               <a:rPr/>
-              <a:t>‹nº›</a:t>
+              <a:t>‹#›</a:t>
             </a:fld>
             <a:endParaRPr/>
           </a:p>
@@ -20275,7 +20276,7 @@
             <a:fld id="{C014DD1E-5D91-48A3-AD6D-45FBA980D106}" type="slidenum">
               <a:rPr/>
               <a:pPr rtl="0"/>
-              <a:t>‹nº›</a:t>
+              <a:t>‹#›</a:t>
             </a:fld>
             <a:endParaRPr/>
           </a:p>
@@ -21426,6 +21427,200 @@
           </a:bodyPr>
           <a:lstStyle/>
           <a:p>
+            <a:pPr rtl="0"/>
+            <a:r>
+              <a:rPr lang="pt-PT" dirty="0"/>
+              <a:t>Estimativa de custos</a:t>
+            </a:r>
+            <a:endParaRPr lang="pt-pt" dirty="0"/>
+          </a:p>
+        </p:txBody>
+      </p:sp>
+      <p:sp>
+        <p:nvSpPr>
+          <p:cNvPr id="5" name="Marcador de Posição do Número do Diapositivo 4">
+            <a:extLst>
+              <a:ext uri="{FF2B5EF4-FFF2-40B4-BE49-F238E27FC236}">
+                <a16:creationId xmlns:a16="http://schemas.microsoft.com/office/drawing/2014/main" id="{4FFC9CB5-77D3-4DF1-BFFA-3582FEE45012}"/>
+              </a:ext>
+            </a:extLst>
+          </p:cNvPr>
+          <p:cNvSpPr>
+            <a:spLocks noGrp="1"/>
+          </p:cNvSpPr>
+          <p:nvPr>
+            <p:ph type="sldNum" sz="quarter" idx="12"/>
+          </p:nvPr>
+        </p:nvSpPr>
+        <p:spPr/>
+        <p:txBody>
+          <a:bodyPr/>
+          <a:lstStyle/>
+          <a:p>
+            <a:pPr rtl="0"/>
+            <a:fld id="{C014DD1E-5D91-48A3-AD6D-45FBA980D106}" type="slidenum">
+              <a:rPr lang="pt-PT" smtClean="0"/>
+              <a:t>10</a:t>
+            </a:fld>
+            <a:endParaRPr lang="pt-PT"/>
+          </a:p>
+        </p:txBody>
+      </p:sp>
+      <p:grpSp>
+        <p:nvGrpSpPr>
+          <p:cNvPr id="4" name="Agrupar 3">
+            <a:extLst>
+              <a:ext uri="{FF2B5EF4-FFF2-40B4-BE49-F238E27FC236}">
+                <a16:creationId xmlns:a16="http://schemas.microsoft.com/office/drawing/2014/main" id="{87195522-EFCC-44A4-8850-D2ECAC53EB9E}"/>
+              </a:ext>
+            </a:extLst>
+          </p:cNvPr>
+          <p:cNvGrpSpPr/>
+          <p:nvPr/>
+        </p:nvGrpSpPr>
+        <p:grpSpPr>
+          <a:xfrm>
+            <a:off x="1269876" y="1798592"/>
+            <a:ext cx="10579202" cy="3260816"/>
+            <a:chOff x="1092764" y="600232"/>
+            <a:chExt cx="10579202" cy="5444932"/>
+          </a:xfrm>
+        </p:grpSpPr>
+        <p:graphicFrame>
+          <p:nvGraphicFramePr>
+            <p:cNvPr id="2" name="Diagrama 1">
+              <a:extLst>
+                <a:ext uri="{FF2B5EF4-FFF2-40B4-BE49-F238E27FC236}">
+                  <a16:creationId xmlns:a16="http://schemas.microsoft.com/office/drawing/2014/main" id="{ECE5481E-89AF-4822-AC37-F2A873844233}"/>
+                </a:ext>
+              </a:extLst>
+            </p:cNvPr>
+            <p:cNvGraphicFramePr/>
+            <p:nvPr>
+              <p:extLst>
+                <p:ext uri="{D42A27DB-BD31-4B8C-83A1-F6EECF244321}">
+                  <p14:modId xmlns:p14="http://schemas.microsoft.com/office/powerpoint/2010/main" val="661391210"/>
+                </p:ext>
+              </p:extLst>
+            </p:nvPr>
+          </p:nvGraphicFramePr>
+          <p:xfrm>
+            <a:off x="1126300" y="600232"/>
+            <a:ext cx="10545666" cy="5444932"/>
+          </p:xfrm>
+          <a:graphic>
+            <a:graphicData uri="http://schemas.openxmlformats.org/drawingml/2006/diagram">
+              <dgm:relIds xmlns:dgm="http://schemas.openxmlformats.org/drawingml/2006/diagram" xmlns:r="http://schemas.openxmlformats.org/officeDocument/2006/relationships" r:dm="rId2" r:lo="rId3" r:qs="rId4" r:cs="rId5"/>
+            </a:graphicData>
+          </a:graphic>
+        </p:graphicFrame>
+        <p:sp>
+          <p:nvSpPr>
+            <p:cNvPr id="3" name="Retângulo 2">
+              <a:extLst>
+                <a:ext uri="{FF2B5EF4-FFF2-40B4-BE49-F238E27FC236}">
+                  <a16:creationId xmlns:a16="http://schemas.microsoft.com/office/drawing/2014/main" id="{463B2F36-BE2E-4D96-B009-F43963369B62}"/>
+                </a:ext>
+              </a:extLst>
+            </p:cNvPr>
+            <p:cNvSpPr/>
+            <p:nvPr/>
+          </p:nvSpPr>
+          <p:spPr>
+            <a:xfrm>
+              <a:off x="1092764" y="2628895"/>
+              <a:ext cx="1800200" cy="1387604"/>
+            </a:xfrm>
+            <a:prstGeom prst="rect">
+              <a:avLst/>
+            </a:prstGeom>
+          </p:spPr>
+          <p:txBody>
+            <a:bodyPr wrap="square">
+              <a:spAutoFit/>
+            </a:bodyPr>
+            <a:lstStyle/>
+            <a:p>
+              <a:pPr lvl="0" algn="ctr"/>
+              <a:r>
+                <a:rPr lang="pt-PT" sz="1600" dirty="0"/>
+                <a:t>Equipa de Desenvolvimento </a:t>
+              </a:r>
+            </a:p>
+            <a:p>
+              <a:pPr lvl="0" algn="ctr"/>
+              <a:r>
+                <a:rPr lang="pt-PT" sz="1600" dirty="0"/>
+                <a:t>e de Testes</a:t>
+              </a:r>
+            </a:p>
+          </p:txBody>
+        </p:sp>
+      </p:grpSp>
+    </p:spTree>
+    <p:extLst>
+      <p:ext uri="{BB962C8B-B14F-4D97-AF65-F5344CB8AC3E}">
+        <p14:creationId xmlns:p14="http://schemas.microsoft.com/office/powerpoint/2010/main" val="2672039197"/>
+      </p:ext>
+    </p:extLst>
+  </p:cSld>
+  <p:clrMapOvr>
+    <a:masterClrMapping/>
+  </p:clrMapOvr>
+  <mc:AlternateContent xmlns:mc="http://schemas.openxmlformats.org/markup-compatibility/2006" xmlns:p14="http://schemas.microsoft.com/office/powerpoint/2010/main">
+    <mc:Choice Requires="p14">
+      <p:transition spd="med" p14:dur="700">
+        <p:fade/>
+      </p:transition>
+    </mc:Choice>
+    <mc:Fallback xmlns="">
+      <p:transition spd="med">
+        <p:fade/>
+      </p:transition>
+    </mc:Fallback>
+  </mc:AlternateContent>
+</p:sld>
+</file>
+
+<file path=ppt/slides/slide11.xml><?xml version="1.0" encoding="utf-8"?>
+<p:sld xmlns:a="http://schemas.openxmlformats.org/drawingml/2006/main" xmlns:r="http://schemas.openxmlformats.org/officeDocument/2006/relationships" xmlns:p="http://schemas.openxmlformats.org/presentationml/2006/main">
+  <p:cSld>
+    <p:spTree>
+      <p:nvGrpSpPr>
+        <p:cNvPr id="1" name=""/>
+        <p:cNvGrpSpPr/>
+        <p:nvPr/>
+      </p:nvGrpSpPr>
+      <p:grpSpPr>
+        <a:xfrm>
+          <a:off x="0" y="0"/>
+          <a:ext cx="0" cy="0"/>
+          <a:chOff x="0" y="0"/>
+          <a:chExt cx="0" cy="0"/>
+        </a:xfrm>
+      </p:grpSpPr>
+      <p:sp>
+        <p:nvSpPr>
+          <p:cNvPr id="7" name="Título 6"/>
+          <p:cNvSpPr>
+            <a:spLocks noGrp="1"/>
+          </p:cNvSpPr>
+          <p:nvPr>
+            <p:ph type="title"/>
+          </p:nvPr>
+        </p:nvSpPr>
+        <p:spPr>
+          <a:xfrm>
+            <a:off x="1218883" y="274637"/>
+            <a:ext cx="10360501" cy="706091"/>
+          </a:xfrm>
+        </p:spPr>
+        <p:txBody>
+          <a:bodyPr rtlCol="0">
+            <a:normAutofit/>
+          </a:bodyPr>
+          <a:lstStyle/>
+          <a:p>
             <a:r>
               <a:rPr lang="pt-PT" dirty="0"/>
               <a:t>Estimativa de custos</a:t>
@@ -21458,7 +21653,7 @@
             <a:pPr rtl="0"/>
             <a:fld id="{C014DD1E-5D91-48A3-AD6D-45FBA980D106}" type="slidenum">
               <a:rPr lang="pt-PT" smtClean="0"/>
-              <a:t>10</a:t>
+              <a:t>11</a:t>
             </a:fld>
             <a:endParaRPr lang="pt-PT"/>
           </a:p>
@@ -26997,6 +27192,114 @@
       </p:grpSpPr>
       <p:sp>
         <p:nvSpPr>
+          <p:cNvPr id="7" name="Slide Number Placeholder 6">
+            <a:extLst>
+              <a:ext uri="{FF2B5EF4-FFF2-40B4-BE49-F238E27FC236}">
+                <a16:creationId xmlns:a16="http://schemas.microsoft.com/office/drawing/2014/main" id="{45EAE7DA-AB6C-4342-8E71-9307D26DD55A}"/>
+              </a:ext>
+            </a:extLst>
+          </p:cNvPr>
+          <p:cNvSpPr>
+            <a:spLocks noGrp="1"/>
+          </p:cNvSpPr>
+          <p:nvPr>
+            <p:ph type="sldNum" sz="quarter" idx="12"/>
+          </p:nvPr>
+        </p:nvSpPr>
+        <p:spPr/>
+        <p:txBody>
+          <a:bodyPr/>
+          <a:lstStyle/>
+          <a:p>
+            <a:pPr rtl="0"/>
+            <a:fld id="{C014DD1E-5D91-48A3-AD6D-45FBA980D106}" type="slidenum">
+              <a:rPr lang="pt-PT" smtClean="0"/>
+              <a:t>8</a:t>
+            </a:fld>
+            <a:endParaRPr lang="pt-PT"/>
+          </a:p>
+        </p:txBody>
+      </p:sp>
+      <p:pic>
+        <p:nvPicPr>
+          <p:cNvPr id="9" name="Picture 8">
+            <a:extLst>
+              <a:ext uri="{FF2B5EF4-FFF2-40B4-BE49-F238E27FC236}">
+                <a16:creationId xmlns:a16="http://schemas.microsoft.com/office/drawing/2014/main" id="{E140E16B-6A5B-4A20-92CF-9357DF21AA1A}"/>
+              </a:ext>
+            </a:extLst>
+          </p:cNvPr>
+          <p:cNvPicPr>
+            <a:picLocks noChangeAspect="1"/>
+          </p:cNvPicPr>
+          <p:nvPr/>
+        </p:nvPicPr>
+        <p:blipFill>
+          <a:blip r:embed="rId2">
+            <a:extLst>
+              <a:ext uri="{28A0092B-C50C-407E-A947-70E740481C1C}">
+                <a14:useLocalDpi xmlns:a14="http://schemas.microsoft.com/office/drawing/2010/main" val="0"/>
+              </a:ext>
+            </a:extLst>
+          </a:blip>
+          <a:stretch>
+            <a:fillRect/>
+          </a:stretch>
+        </p:blipFill>
+        <p:spPr>
+          <a:xfrm>
+            <a:off x="1262008" y="476672"/>
+            <a:ext cx="9664808" cy="5666630"/>
+          </a:xfrm>
+          <a:prstGeom prst="rect">
+            <a:avLst/>
+          </a:prstGeom>
+        </p:spPr>
+      </p:pic>
+    </p:spTree>
+    <p:extLst>
+      <p:ext uri="{BB962C8B-B14F-4D97-AF65-F5344CB8AC3E}">
+        <p14:creationId xmlns:p14="http://schemas.microsoft.com/office/powerpoint/2010/main" val="1225435533"/>
+      </p:ext>
+    </p:extLst>
+  </p:cSld>
+  <p:clrMapOvr>
+    <a:masterClrMapping/>
+  </p:clrMapOvr>
+  <mc:AlternateContent xmlns:mc="http://schemas.openxmlformats.org/markup-compatibility/2006" xmlns:p14="http://schemas.microsoft.com/office/powerpoint/2010/main">
+    <mc:Choice Requires="p14">
+      <p:transition spd="med" p14:dur="700">
+        <p:fade/>
+      </p:transition>
+    </mc:Choice>
+    <mc:Fallback xmlns="">
+      <p:transition spd="med">
+        <p:fade/>
+      </p:transition>
+    </mc:Fallback>
+  </mc:AlternateContent>
+</p:sld>
+</file>
+
+<file path=ppt/slides/slide9.xml><?xml version="1.0" encoding="utf-8"?>
+<p:sld xmlns:a="http://schemas.openxmlformats.org/drawingml/2006/main" xmlns:r="http://schemas.openxmlformats.org/officeDocument/2006/relationships" xmlns:p="http://schemas.openxmlformats.org/presentationml/2006/main">
+  <p:cSld>
+    <p:spTree>
+      <p:nvGrpSpPr>
+        <p:cNvPr id="1" name=""/>
+        <p:cNvGrpSpPr/>
+        <p:nvPr/>
+      </p:nvGrpSpPr>
+      <p:grpSpPr>
+        <a:xfrm>
+          <a:off x="0" y="0"/>
+          <a:ext cx="0" cy="0"/>
+          <a:chOff x="0" y="0"/>
+          <a:chExt cx="0" cy="0"/>
+        </a:xfrm>
+      </p:grpSpPr>
+      <p:sp>
+        <p:nvSpPr>
           <p:cNvPr id="2" name="Título 1"/>
           <p:cNvSpPr>
             <a:spLocks noGrp="1"/>
@@ -27048,7 +27351,7 @@
             <a:pPr rtl="0"/>
             <a:fld id="{C014DD1E-5D91-48A3-AD6D-45FBA980D106}" type="slidenum">
               <a:rPr lang="pt-PT" smtClean="0"/>
-              <a:t>8</a:t>
+              <a:t>9</a:t>
             </a:fld>
             <a:endParaRPr lang="pt-PT"/>
           </a:p>
@@ -27169,15 +27472,7 @@
               <a:srgbClr val="FFFFFF"/>
             </a:contourClr>
           </a:sp3d>
-          <a:extLst>
-            <a:ext uri="{909E8E84-426E-40DD-AFC4-6F175D3DCCD1}">
-              <a14:hiddenFill xmlns:a14="http://schemas.microsoft.com/office/drawing/2010/main">
-                <a:solidFill>
-                  <a:srgbClr val="FFFFFF"/>
-                </a:solidFill>
-              </a14:hiddenFill>
-            </a:ext>
-          </a:extLst>
+          <a:extLst/>
         </p:spPr>
       </p:pic>
       <p:pic>
@@ -27295,15 +27590,7 @@
               <a:srgbClr val="FFFFFF"/>
             </a:contourClr>
           </a:sp3d>
-          <a:extLst>
-            <a:ext uri="{909E8E84-426E-40DD-AFC4-6F175D3DCCD1}">
-              <a14:hiddenFill xmlns:a14="http://schemas.microsoft.com/office/drawing/2010/main">
-                <a:solidFill>
-                  <a:srgbClr val="FFFFFF"/>
-                </a:solidFill>
-              </a14:hiddenFill>
-            </a:ext>
-          </a:extLst>
+          <a:extLst/>
         </p:spPr>
       </p:pic>
       <p:sp>
@@ -27417,200 +27704,6 @@
     <p:extLst>
       <p:ext uri="{BB962C8B-B14F-4D97-AF65-F5344CB8AC3E}">
         <p14:creationId xmlns:p14="http://schemas.microsoft.com/office/powerpoint/2010/main" val="479676154"/>
-      </p:ext>
-    </p:extLst>
-  </p:cSld>
-  <p:clrMapOvr>
-    <a:masterClrMapping/>
-  </p:clrMapOvr>
-  <mc:AlternateContent xmlns:mc="http://schemas.openxmlformats.org/markup-compatibility/2006" xmlns:p14="http://schemas.microsoft.com/office/powerpoint/2010/main">
-    <mc:Choice Requires="p14">
-      <p:transition spd="med" p14:dur="700">
-        <p:fade/>
-      </p:transition>
-    </mc:Choice>
-    <mc:Fallback xmlns="">
-      <p:transition spd="med">
-        <p:fade/>
-      </p:transition>
-    </mc:Fallback>
-  </mc:AlternateContent>
-</p:sld>
-</file>
-
-<file path=ppt/slides/slide9.xml><?xml version="1.0" encoding="utf-8"?>
-<p:sld xmlns:a="http://schemas.openxmlformats.org/drawingml/2006/main" xmlns:r="http://schemas.openxmlformats.org/officeDocument/2006/relationships" xmlns:p="http://schemas.openxmlformats.org/presentationml/2006/main">
-  <p:cSld>
-    <p:spTree>
-      <p:nvGrpSpPr>
-        <p:cNvPr id="1" name=""/>
-        <p:cNvGrpSpPr/>
-        <p:nvPr/>
-      </p:nvGrpSpPr>
-      <p:grpSpPr>
-        <a:xfrm>
-          <a:off x="0" y="0"/>
-          <a:ext cx="0" cy="0"/>
-          <a:chOff x="0" y="0"/>
-          <a:chExt cx="0" cy="0"/>
-        </a:xfrm>
-      </p:grpSpPr>
-      <p:sp>
-        <p:nvSpPr>
-          <p:cNvPr id="7" name="Título 6"/>
-          <p:cNvSpPr>
-            <a:spLocks noGrp="1"/>
-          </p:cNvSpPr>
-          <p:nvPr>
-            <p:ph type="title"/>
-          </p:nvPr>
-        </p:nvSpPr>
-        <p:spPr>
-          <a:xfrm>
-            <a:off x="1218883" y="274637"/>
-            <a:ext cx="10360501" cy="706091"/>
-          </a:xfrm>
-        </p:spPr>
-        <p:txBody>
-          <a:bodyPr rtlCol="0">
-            <a:normAutofit/>
-          </a:bodyPr>
-          <a:lstStyle/>
-          <a:p>
-            <a:pPr rtl="0"/>
-            <a:r>
-              <a:rPr lang="pt-PT" dirty="0"/>
-              <a:t>Estimativa de custos</a:t>
-            </a:r>
-            <a:endParaRPr lang="pt-pt" dirty="0"/>
-          </a:p>
-        </p:txBody>
-      </p:sp>
-      <p:sp>
-        <p:nvSpPr>
-          <p:cNvPr id="5" name="Marcador de Posição do Número do Diapositivo 4">
-            <a:extLst>
-              <a:ext uri="{FF2B5EF4-FFF2-40B4-BE49-F238E27FC236}">
-                <a16:creationId xmlns:a16="http://schemas.microsoft.com/office/drawing/2014/main" id="{4FFC9CB5-77D3-4DF1-BFFA-3582FEE45012}"/>
-              </a:ext>
-            </a:extLst>
-          </p:cNvPr>
-          <p:cNvSpPr>
-            <a:spLocks noGrp="1"/>
-          </p:cNvSpPr>
-          <p:nvPr>
-            <p:ph type="sldNum" sz="quarter" idx="12"/>
-          </p:nvPr>
-        </p:nvSpPr>
-        <p:spPr/>
-        <p:txBody>
-          <a:bodyPr/>
-          <a:lstStyle/>
-          <a:p>
-            <a:pPr rtl="0"/>
-            <a:fld id="{C014DD1E-5D91-48A3-AD6D-45FBA980D106}" type="slidenum">
-              <a:rPr lang="pt-PT" smtClean="0"/>
-              <a:t>9</a:t>
-            </a:fld>
-            <a:endParaRPr lang="pt-PT"/>
-          </a:p>
-        </p:txBody>
-      </p:sp>
-      <p:grpSp>
-        <p:nvGrpSpPr>
-          <p:cNvPr id="4" name="Agrupar 3">
-            <a:extLst>
-              <a:ext uri="{FF2B5EF4-FFF2-40B4-BE49-F238E27FC236}">
-                <a16:creationId xmlns:a16="http://schemas.microsoft.com/office/drawing/2014/main" id="{87195522-EFCC-44A4-8850-D2ECAC53EB9E}"/>
-              </a:ext>
-            </a:extLst>
-          </p:cNvPr>
-          <p:cNvGrpSpPr/>
-          <p:nvPr/>
-        </p:nvGrpSpPr>
-        <p:grpSpPr>
-          <a:xfrm>
-            <a:off x="1269876" y="1798592"/>
-            <a:ext cx="10579202" cy="3260816"/>
-            <a:chOff x="1092764" y="600232"/>
-            <a:chExt cx="10579202" cy="5444932"/>
-          </a:xfrm>
-        </p:grpSpPr>
-        <p:graphicFrame>
-          <p:nvGraphicFramePr>
-            <p:cNvPr id="2" name="Diagrama 1">
-              <a:extLst>
-                <a:ext uri="{FF2B5EF4-FFF2-40B4-BE49-F238E27FC236}">
-                  <a16:creationId xmlns:a16="http://schemas.microsoft.com/office/drawing/2014/main" id="{ECE5481E-89AF-4822-AC37-F2A873844233}"/>
-                </a:ext>
-              </a:extLst>
-            </p:cNvPr>
-            <p:cNvGraphicFramePr/>
-            <p:nvPr>
-              <p:extLst>
-                <p:ext uri="{D42A27DB-BD31-4B8C-83A1-F6EECF244321}">
-                  <p14:modId xmlns:p14="http://schemas.microsoft.com/office/powerpoint/2010/main" val="661391210"/>
-                </p:ext>
-              </p:extLst>
-            </p:nvPr>
-          </p:nvGraphicFramePr>
-          <p:xfrm>
-            <a:off x="1126300" y="600232"/>
-            <a:ext cx="10545666" cy="5444932"/>
-          </p:xfrm>
-          <a:graphic>
-            <a:graphicData uri="http://schemas.openxmlformats.org/drawingml/2006/diagram">
-              <dgm:relIds xmlns:dgm="http://schemas.openxmlformats.org/drawingml/2006/diagram" xmlns:r="http://schemas.openxmlformats.org/officeDocument/2006/relationships" r:dm="rId2" r:lo="rId3" r:qs="rId4" r:cs="rId5"/>
-            </a:graphicData>
-          </a:graphic>
-        </p:graphicFrame>
-        <p:sp>
-          <p:nvSpPr>
-            <p:cNvPr id="3" name="Retângulo 2">
-              <a:extLst>
-                <a:ext uri="{FF2B5EF4-FFF2-40B4-BE49-F238E27FC236}">
-                  <a16:creationId xmlns:a16="http://schemas.microsoft.com/office/drawing/2014/main" id="{463B2F36-BE2E-4D96-B009-F43963369B62}"/>
-                </a:ext>
-              </a:extLst>
-            </p:cNvPr>
-            <p:cNvSpPr/>
-            <p:nvPr/>
-          </p:nvSpPr>
-          <p:spPr>
-            <a:xfrm>
-              <a:off x="1092764" y="2628895"/>
-              <a:ext cx="1800200" cy="1387604"/>
-            </a:xfrm>
-            <a:prstGeom prst="rect">
-              <a:avLst/>
-            </a:prstGeom>
-          </p:spPr>
-          <p:txBody>
-            <a:bodyPr wrap="square">
-              <a:spAutoFit/>
-            </a:bodyPr>
-            <a:lstStyle/>
-            <a:p>
-              <a:pPr lvl="0" algn="ctr"/>
-              <a:r>
-                <a:rPr lang="pt-PT" sz="1600" dirty="0"/>
-                <a:t>Equipa de Desenvolvimento </a:t>
-              </a:r>
-            </a:p>
-            <a:p>
-              <a:pPr lvl="0" algn="ctr"/>
-              <a:r>
-                <a:rPr lang="pt-PT" sz="1600" dirty="0"/>
-                <a:t>e de Testes</a:t>
-              </a:r>
-            </a:p>
-          </p:txBody>
-        </p:sp>
-      </p:grpSp>
-    </p:spTree>
-    <p:extLst>
-      <p:ext uri="{BB962C8B-B14F-4D97-AF65-F5344CB8AC3E}">
-        <p14:creationId xmlns:p14="http://schemas.microsoft.com/office/powerpoint/2010/main" val="2672039197"/>
       </p:ext>
     </p:extLst>
   </p:cSld>
@@ -28583,139 +28676,12 @@
 </file>
 
 <file path=customXml/item1.xml><?xml version="1.0" encoding="utf-8"?>
-<p:properties xmlns:p="http://schemas.microsoft.com/office/2006/metadata/properties" xmlns:xsi="http://www.w3.org/2001/XMLSchema-instance" xmlns:pc="http://schemas.microsoft.com/office/infopath/2007/PartnerControls">
-  <documentManagement>
-    <LocPublishedLinkedAssetsLookup xmlns="4873beb7-5857-4685-be1f-d57550cc96cc" xsi:nil="true"/>
-    <ApprovalStatus xmlns="4873beb7-5857-4685-be1f-d57550cc96cc">InProgress</ApprovalStatus>
-    <MarketSpecific xmlns="4873beb7-5857-4685-be1f-d57550cc96cc">false</MarketSpecific>
-    <LocComments xmlns="4873beb7-5857-4685-be1f-d57550cc96cc" xsi:nil="true"/>
-    <LocLastLocAttemptVersionTypeLookup xmlns="4873beb7-5857-4685-be1f-d57550cc96cc" xsi:nil="true"/>
-    <DirectSourceMarket xmlns="4873beb7-5857-4685-be1f-d57550cc96cc" xsi:nil="true"/>
-    <ThumbnailAssetId xmlns="4873beb7-5857-4685-be1f-d57550cc96cc" xsi:nil="true"/>
-    <PrimaryImageGen xmlns="4873beb7-5857-4685-be1f-d57550cc96cc">false</PrimaryImageGen>
-    <LocNewPublishedVersionLookup xmlns="4873beb7-5857-4685-be1f-d57550cc96cc" xsi:nil="true"/>
-    <LegacyData xmlns="4873beb7-5857-4685-be1f-d57550cc96cc" xsi:nil="true"/>
-    <LocRecommendedHandoff xmlns="4873beb7-5857-4685-be1f-d57550cc96cc" xsi:nil="true"/>
-    <BusinessGroup xmlns="4873beb7-5857-4685-be1f-d57550cc96cc" xsi:nil="true"/>
-    <BlockPublish xmlns="4873beb7-5857-4685-be1f-d57550cc96cc">false</BlockPublish>
-    <TPFriendlyName xmlns="4873beb7-5857-4685-be1f-d57550cc96cc" xsi:nil="true"/>
-    <LocOverallPublishStatusLookup xmlns="4873beb7-5857-4685-be1f-d57550cc96cc" xsi:nil="true"/>
-    <NumericId xmlns="4873beb7-5857-4685-be1f-d57550cc96cc" xsi:nil="true"/>
-    <APEditor xmlns="4873beb7-5857-4685-be1f-d57550cc96cc">
-      <UserInfo>
-        <DisplayName/>
-        <AccountId xsi:nil="true"/>
-        <AccountType/>
-      </UserInfo>
-    </APEditor>
-    <SourceTitle xmlns="4873beb7-5857-4685-be1f-d57550cc96cc" xsi:nil="true"/>
-    <OpenTemplate xmlns="4873beb7-5857-4685-be1f-d57550cc96cc">true</OpenTemplate>
-    <LocOverallLocStatusLookup xmlns="4873beb7-5857-4685-be1f-d57550cc96cc" xsi:nil="true"/>
-    <UALocComments xmlns="4873beb7-5857-4685-be1f-d57550cc96cc" xsi:nil="true"/>
-    <ParentAssetId xmlns="4873beb7-5857-4685-be1f-d57550cc96cc" xsi:nil="true"/>
-    <IntlLangReviewDate xmlns="4873beb7-5857-4685-be1f-d57550cc96cc" xsi:nil="true"/>
-    <FeatureTagsTaxHTField0 xmlns="4873beb7-5857-4685-be1f-d57550cc96cc">
-      <Terms xmlns="http://schemas.microsoft.com/office/infopath/2007/PartnerControls"/>
-    </FeatureTagsTaxHTField0>
-    <PublishStatusLookup xmlns="4873beb7-5857-4685-be1f-d57550cc96cc">
-      <Value>1345093</Value>
-    </PublishStatusLookup>
-    <Providers xmlns="4873beb7-5857-4685-be1f-d57550cc96cc" xsi:nil="true"/>
-    <MachineTranslated xmlns="4873beb7-5857-4685-be1f-d57550cc96cc">false</MachineTranslated>
-    <OriginalSourceMarket xmlns="4873beb7-5857-4685-be1f-d57550cc96cc" xsi:nil="true"/>
-    <APDescription xmlns="4873beb7-5857-4685-be1f-d57550cc96cc">This simple template design works for technology and  businesses, but it's versatile enough to use in other contexts.  It features multiple slide layouts designed for widescreen (16x9 resolution) and includes a sample SmartArt list and chart that are easily editable.</APDescription>
-    <ClipArtFilename xmlns="4873beb7-5857-4685-be1f-d57550cc96cc" xsi:nil="true"/>
-    <ContentItem xmlns="4873beb7-5857-4685-be1f-d57550cc96cc" xsi:nil="true"/>
-    <TPInstallLocation xmlns="4873beb7-5857-4685-be1f-d57550cc96cc" xsi:nil="true"/>
-    <PublishTargets xmlns="4873beb7-5857-4685-be1f-d57550cc96cc">OfficeOnlineVNext</PublishTargets>
-    <TimesCloned xmlns="4873beb7-5857-4685-be1f-d57550cc96cc" xsi:nil="true"/>
-    <AssetStart xmlns="4873beb7-5857-4685-be1f-d57550cc96cc">2011-11-26T00:30:00+00:00</AssetStart>
-    <Provider xmlns="4873beb7-5857-4685-be1f-d57550cc96cc" xsi:nil="true"/>
-    <AcquiredFrom xmlns="4873beb7-5857-4685-be1f-d57550cc96cc">Internal MS</AcquiredFrom>
-    <FriendlyTitle xmlns="4873beb7-5857-4685-be1f-d57550cc96cc" xsi:nil="true"/>
-    <LastHandOff xmlns="4873beb7-5857-4685-be1f-d57550cc96cc" xsi:nil="true"/>
-    <TPClientViewer xmlns="4873beb7-5857-4685-be1f-d57550cc96cc" xsi:nil="true"/>
-    <TemplateStatus xmlns="4873beb7-5857-4685-be1f-d57550cc96cc">Complete</TemplateStatus>
-    <Downloads xmlns="4873beb7-5857-4685-be1f-d57550cc96cc">0</Downloads>
-    <OOCacheId xmlns="4873beb7-5857-4685-be1f-d57550cc96cc" xsi:nil="true"/>
-    <IsDeleted xmlns="4873beb7-5857-4685-be1f-d57550cc96cc">false</IsDeleted>
-    <LocPublishedDependentAssetsLookup xmlns="4873beb7-5857-4685-be1f-d57550cc96cc" xsi:nil="true"/>
-    <TPExecutable xmlns="4873beb7-5857-4685-be1f-d57550cc96cc" xsi:nil="true"/>
-    <EditorialTags xmlns="4873beb7-5857-4685-be1f-d57550cc96cc" xsi:nil="true"/>
-    <SubmitterId xmlns="4873beb7-5857-4685-be1f-d57550cc96cc" xsi:nil="true"/>
-    <ApprovalLog xmlns="4873beb7-5857-4685-be1f-d57550cc96cc" xsi:nil="true"/>
-    <AssetType xmlns="4873beb7-5857-4685-be1f-d57550cc96cc">TP</AssetType>
-    <BugNumber xmlns="4873beb7-5857-4685-be1f-d57550cc96cc" xsi:nil="true"/>
-    <CSXSubmissionDate xmlns="4873beb7-5857-4685-be1f-d57550cc96cc" xsi:nil="true"/>
-    <CSXUpdate xmlns="4873beb7-5857-4685-be1f-d57550cc96cc">false</CSXUpdate>
-    <Milestone xmlns="4873beb7-5857-4685-be1f-d57550cc96cc" xsi:nil="true"/>
-    <RecommendationsModifier xmlns="4873beb7-5857-4685-be1f-d57550cc96cc" xsi:nil="true"/>
-    <OriginAsset xmlns="4873beb7-5857-4685-be1f-d57550cc96cc" xsi:nil="true"/>
-    <TPComponent xmlns="4873beb7-5857-4685-be1f-d57550cc96cc" xsi:nil="true"/>
-    <AssetId xmlns="4873beb7-5857-4685-be1f-d57550cc96cc">TP102787989</AssetId>
-    <IntlLocPriority xmlns="4873beb7-5857-4685-be1f-d57550cc96cc" xsi:nil="true"/>
-    <PolicheckWords xmlns="4873beb7-5857-4685-be1f-d57550cc96cc" xsi:nil="true"/>
-    <TPLaunchHelpLink xmlns="4873beb7-5857-4685-be1f-d57550cc96cc" xsi:nil="true"/>
-    <TPApplication xmlns="4873beb7-5857-4685-be1f-d57550cc96cc" xsi:nil="true"/>
-    <CrawlForDependencies xmlns="4873beb7-5857-4685-be1f-d57550cc96cc">false</CrawlForDependencies>
-    <HandoffToMSDN xmlns="4873beb7-5857-4685-be1f-d57550cc96cc" xsi:nil="true"/>
-    <PlannedPubDate xmlns="4873beb7-5857-4685-be1f-d57550cc96cc" xsi:nil="true"/>
-    <IntlLangReviewer xmlns="4873beb7-5857-4685-be1f-d57550cc96cc" xsi:nil="true"/>
-    <TrustLevel xmlns="4873beb7-5857-4685-be1f-d57550cc96cc">1 Microsoft Managed Content</TrustLevel>
-    <LocLastLocAttemptVersionLookup xmlns="4873beb7-5857-4685-be1f-d57550cc96cc">694266</LocLastLocAttemptVersionLookup>
-    <LocProcessedForHandoffsLookup xmlns="4873beb7-5857-4685-be1f-d57550cc96cc" xsi:nil="true"/>
-    <IsSearchable xmlns="4873beb7-5857-4685-be1f-d57550cc96cc">true</IsSearchable>
-    <TemplateTemplateType xmlns="4873beb7-5857-4685-be1f-d57550cc96cc">PowerPoint Presentation Template</TemplateTemplateType>
-    <CampaignTagsTaxHTField0 xmlns="4873beb7-5857-4685-be1f-d57550cc96cc">
-      <Terms xmlns="http://schemas.microsoft.com/office/infopath/2007/PartnerControls"/>
-    </CampaignTagsTaxHTField0>
-    <TPNamespace xmlns="4873beb7-5857-4685-be1f-d57550cc96cc" xsi:nil="true"/>
-    <LocOverallPreviewStatusLookup xmlns="4873beb7-5857-4685-be1f-d57550cc96cc" xsi:nil="true"/>
-    <TaxCatchAll xmlns="4873beb7-5857-4685-be1f-d57550cc96cc"/>
-    <Markets xmlns="4873beb7-5857-4685-be1f-d57550cc96cc"/>
-    <UAProjectedTotalWords xmlns="4873beb7-5857-4685-be1f-d57550cc96cc" xsi:nil="true"/>
-    <IntlLangReview xmlns="4873beb7-5857-4685-be1f-d57550cc96cc" xsi:nil="true"/>
-    <OutputCachingOn xmlns="4873beb7-5857-4685-be1f-d57550cc96cc">false</OutputCachingOn>
-    <AverageRating xmlns="4873beb7-5857-4685-be1f-d57550cc96cc" xsi:nil="true"/>
-    <APAuthor xmlns="4873beb7-5857-4685-be1f-d57550cc96cc">
-      <UserInfo>
-        <DisplayName>REDMOND\kristaa</DisplayName>
-        <AccountId>136</AccountId>
-        <AccountType/>
-      </UserInfo>
-    </APAuthor>
-    <LocManualTestRequired xmlns="4873beb7-5857-4685-be1f-d57550cc96cc">false</LocManualTestRequired>
-    <TPCommandLine xmlns="4873beb7-5857-4685-be1f-d57550cc96cc" xsi:nil="true"/>
-    <TPAppVersion xmlns="4873beb7-5857-4685-be1f-d57550cc96cc" xsi:nil="true"/>
-    <EditorialStatus xmlns="4873beb7-5857-4685-be1f-d57550cc96cc">Complete</EditorialStatus>
-    <LastModifiedDateTime xmlns="4873beb7-5857-4685-be1f-d57550cc96cc" xsi:nil="true"/>
-    <ScenarioTagsTaxHTField0 xmlns="4873beb7-5857-4685-be1f-d57550cc96cc">
-      <Terms xmlns="http://schemas.microsoft.com/office/infopath/2007/PartnerControls"/>
-    </ScenarioTagsTaxHTField0>
-    <LocProcessedForMarketsLookup xmlns="4873beb7-5857-4685-be1f-d57550cc96cc" xsi:nil="true"/>
-    <TPLaunchHelpLinkType xmlns="4873beb7-5857-4685-be1f-d57550cc96cc">Template</TPLaunchHelpLinkType>
-    <OriginalRelease xmlns="4873beb7-5857-4685-be1f-d57550cc96cc">15</OriginalRelease>
-    <LocalizationTagsTaxHTField0 xmlns="4873beb7-5857-4685-be1f-d57550cc96cc">
-      <Terms xmlns="http://schemas.microsoft.com/office/infopath/2007/PartnerControls"/>
-    </LocalizationTagsTaxHTField0>
-    <UACurrentWords xmlns="4873beb7-5857-4685-be1f-d57550cc96cc" xsi:nil="true"/>
-    <ArtSampleDocs xmlns="4873beb7-5857-4685-be1f-d57550cc96cc" xsi:nil="true"/>
-    <UALocRecommendation xmlns="4873beb7-5857-4685-be1f-d57550cc96cc">Localize</UALocRecommendation>
-    <Manager xmlns="4873beb7-5857-4685-be1f-d57550cc96cc" xsi:nil="true"/>
-    <LocOverallHandbackStatusLookup xmlns="4873beb7-5857-4685-be1f-d57550cc96cc" xsi:nil="true"/>
-    <ShowIn xmlns="4873beb7-5857-4685-be1f-d57550cc96cc">Show everywhere</ShowIn>
-    <UANotes xmlns="4873beb7-5857-4685-be1f-d57550cc96cc" xsi:nil="true"/>
-    <InternalTagsTaxHTField0 xmlns="4873beb7-5857-4685-be1f-d57550cc96cc">
-      <Terms xmlns="http://schemas.microsoft.com/office/infopath/2007/PartnerControls"/>
-    </InternalTagsTaxHTField0>
-    <CSXHash xmlns="4873beb7-5857-4685-be1f-d57550cc96cc" xsi:nil="true"/>
-    <VoteCount xmlns="4873beb7-5857-4685-be1f-d57550cc96cc" xsi:nil="true"/>
-    <AssetExpire xmlns="4873beb7-5857-4685-be1f-d57550cc96cc">2029-05-12T07:00:00+00:00</AssetExpire>
-    <DSATActionTaken xmlns="4873beb7-5857-4685-be1f-d57550cc96cc" xsi:nil="true"/>
-    <CSXSubmissionMarket xmlns="4873beb7-5857-4685-be1f-d57550cc96cc" xsi:nil="true"/>
-    <LocMarketGroupTiers2 xmlns="4873beb7-5857-4685-be1f-d57550cc96cc" xsi:nil="true"/>
-  </documentManagement>
-</p:properties>
+<?mso-contentType ?>
+<FormTemplates xmlns="http://schemas.microsoft.com/sharepoint/v3/contenttype/forms">
+  <Display>DocumentLibraryForm</Display>
+  <Edit>AssetEditForm</Edit>
+  <New>DocumentLibraryForm</New>
+</FormTemplates>
 </file>
 
 <file path=customXml/item2.xml><?xml version="1.0" encoding="utf-8"?>
@@ -29759,26 +29725,145 @@
 </file>
 
 <file path=customXml/item3.xml><?xml version="1.0" encoding="utf-8"?>
-<?mso-contentType ?>
-<FormTemplates xmlns="http://schemas.microsoft.com/sharepoint/v3/contenttype/forms">
-  <Display>DocumentLibraryForm</Display>
-  <Edit>AssetEditForm</Edit>
-  <New>DocumentLibraryForm</New>
-</FormTemplates>
+<p:properties xmlns:p="http://schemas.microsoft.com/office/2006/metadata/properties" xmlns:xsi="http://www.w3.org/2001/XMLSchema-instance" xmlns:pc="http://schemas.microsoft.com/office/infopath/2007/PartnerControls">
+  <documentManagement>
+    <LocPublishedLinkedAssetsLookup xmlns="4873beb7-5857-4685-be1f-d57550cc96cc" xsi:nil="true"/>
+    <ApprovalStatus xmlns="4873beb7-5857-4685-be1f-d57550cc96cc">InProgress</ApprovalStatus>
+    <MarketSpecific xmlns="4873beb7-5857-4685-be1f-d57550cc96cc">false</MarketSpecific>
+    <LocComments xmlns="4873beb7-5857-4685-be1f-d57550cc96cc" xsi:nil="true"/>
+    <LocLastLocAttemptVersionTypeLookup xmlns="4873beb7-5857-4685-be1f-d57550cc96cc" xsi:nil="true"/>
+    <DirectSourceMarket xmlns="4873beb7-5857-4685-be1f-d57550cc96cc" xsi:nil="true"/>
+    <ThumbnailAssetId xmlns="4873beb7-5857-4685-be1f-d57550cc96cc" xsi:nil="true"/>
+    <PrimaryImageGen xmlns="4873beb7-5857-4685-be1f-d57550cc96cc">false</PrimaryImageGen>
+    <LocNewPublishedVersionLookup xmlns="4873beb7-5857-4685-be1f-d57550cc96cc" xsi:nil="true"/>
+    <LegacyData xmlns="4873beb7-5857-4685-be1f-d57550cc96cc" xsi:nil="true"/>
+    <LocRecommendedHandoff xmlns="4873beb7-5857-4685-be1f-d57550cc96cc" xsi:nil="true"/>
+    <BusinessGroup xmlns="4873beb7-5857-4685-be1f-d57550cc96cc" xsi:nil="true"/>
+    <BlockPublish xmlns="4873beb7-5857-4685-be1f-d57550cc96cc">false</BlockPublish>
+    <TPFriendlyName xmlns="4873beb7-5857-4685-be1f-d57550cc96cc" xsi:nil="true"/>
+    <LocOverallPublishStatusLookup xmlns="4873beb7-5857-4685-be1f-d57550cc96cc" xsi:nil="true"/>
+    <NumericId xmlns="4873beb7-5857-4685-be1f-d57550cc96cc" xsi:nil="true"/>
+    <APEditor xmlns="4873beb7-5857-4685-be1f-d57550cc96cc">
+      <UserInfo>
+        <DisplayName/>
+        <AccountId xsi:nil="true"/>
+        <AccountType/>
+      </UserInfo>
+    </APEditor>
+    <SourceTitle xmlns="4873beb7-5857-4685-be1f-d57550cc96cc" xsi:nil="true"/>
+    <OpenTemplate xmlns="4873beb7-5857-4685-be1f-d57550cc96cc">true</OpenTemplate>
+    <LocOverallLocStatusLookup xmlns="4873beb7-5857-4685-be1f-d57550cc96cc" xsi:nil="true"/>
+    <UALocComments xmlns="4873beb7-5857-4685-be1f-d57550cc96cc" xsi:nil="true"/>
+    <ParentAssetId xmlns="4873beb7-5857-4685-be1f-d57550cc96cc" xsi:nil="true"/>
+    <IntlLangReviewDate xmlns="4873beb7-5857-4685-be1f-d57550cc96cc" xsi:nil="true"/>
+    <FeatureTagsTaxHTField0 xmlns="4873beb7-5857-4685-be1f-d57550cc96cc">
+      <Terms xmlns="http://schemas.microsoft.com/office/infopath/2007/PartnerControls"/>
+    </FeatureTagsTaxHTField0>
+    <PublishStatusLookup xmlns="4873beb7-5857-4685-be1f-d57550cc96cc">
+      <Value>1345093</Value>
+    </PublishStatusLookup>
+    <Providers xmlns="4873beb7-5857-4685-be1f-d57550cc96cc" xsi:nil="true"/>
+    <MachineTranslated xmlns="4873beb7-5857-4685-be1f-d57550cc96cc">false</MachineTranslated>
+    <OriginalSourceMarket xmlns="4873beb7-5857-4685-be1f-d57550cc96cc" xsi:nil="true"/>
+    <APDescription xmlns="4873beb7-5857-4685-be1f-d57550cc96cc">This simple template design works for technology and  businesses, but it's versatile enough to use in other contexts.  It features multiple slide layouts designed for widescreen (16x9 resolution) and includes a sample SmartArt list and chart that are easily editable.</APDescription>
+    <ClipArtFilename xmlns="4873beb7-5857-4685-be1f-d57550cc96cc" xsi:nil="true"/>
+    <ContentItem xmlns="4873beb7-5857-4685-be1f-d57550cc96cc" xsi:nil="true"/>
+    <TPInstallLocation xmlns="4873beb7-5857-4685-be1f-d57550cc96cc" xsi:nil="true"/>
+    <PublishTargets xmlns="4873beb7-5857-4685-be1f-d57550cc96cc">OfficeOnlineVNext</PublishTargets>
+    <TimesCloned xmlns="4873beb7-5857-4685-be1f-d57550cc96cc" xsi:nil="true"/>
+    <AssetStart xmlns="4873beb7-5857-4685-be1f-d57550cc96cc">2011-11-26T00:30:00+00:00</AssetStart>
+    <Provider xmlns="4873beb7-5857-4685-be1f-d57550cc96cc" xsi:nil="true"/>
+    <AcquiredFrom xmlns="4873beb7-5857-4685-be1f-d57550cc96cc">Internal MS</AcquiredFrom>
+    <FriendlyTitle xmlns="4873beb7-5857-4685-be1f-d57550cc96cc" xsi:nil="true"/>
+    <LastHandOff xmlns="4873beb7-5857-4685-be1f-d57550cc96cc" xsi:nil="true"/>
+    <TPClientViewer xmlns="4873beb7-5857-4685-be1f-d57550cc96cc" xsi:nil="true"/>
+    <TemplateStatus xmlns="4873beb7-5857-4685-be1f-d57550cc96cc">Complete</TemplateStatus>
+    <Downloads xmlns="4873beb7-5857-4685-be1f-d57550cc96cc">0</Downloads>
+    <OOCacheId xmlns="4873beb7-5857-4685-be1f-d57550cc96cc" xsi:nil="true"/>
+    <IsDeleted xmlns="4873beb7-5857-4685-be1f-d57550cc96cc">false</IsDeleted>
+    <LocPublishedDependentAssetsLookup xmlns="4873beb7-5857-4685-be1f-d57550cc96cc" xsi:nil="true"/>
+    <TPExecutable xmlns="4873beb7-5857-4685-be1f-d57550cc96cc" xsi:nil="true"/>
+    <EditorialTags xmlns="4873beb7-5857-4685-be1f-d57550cc96cc" xsi:nil="true"/>
+    <SubmitterId xmlns="4873beb7-5857-4685-be1f-d57550cc96cc" xsi:nil="true"/>
+    <ApprovalLog xmlns="4873beb7-5857-4685-be1f-d57550cc96cc" xsi:nil="true"/>
+    <AssetType xmlns="4873beb7-5857-4685-be1f-d57550cc96cc">TP</AssetType>
+    <BugNumber xmlns="4873beb7-5857-4685-be1f-d57550cc96cc" xsi:nil="true"/>
+    <CSXSubmissionDate xmlns="4873beb7-5857-4685-be1f-d57550cc96cc" xsi:nil="true"/>
+    <CSXUpdate xmlns="4873beb7-5857-4685-be1f-d57550cc96cc">false</CSXUpdate>
+    <Milestone xmlns="4873beb7-5857-4685-be1f-d57550cc96cc" xsi:nil="true"/>
+    <RecommendationsModifier xmlns="4873beb7-5857-4685-be1f-d57550cc96cc" xsi:nil="true"/>
+    <OriginAsset xmlns="4873beb7-5857-4685-be1f-d57550cc96cc" xsi:nil="true"/>
+    <TPComponent xmlns="4873beb7-5857-4685-be1f-d57550cc96cc" xsi:nil="true"/>
+    <AssetId xmlns="4873beb7-5857-4685-be1f-d57550cc96cc">TP102787989</AssetId>
+    <IntlLocPriority xmlns="4873beb7-5857-4685-be1f-d57550cc96cc" xsi:nil="true"/>
+    <PolicheckWords xmlns="4873beb7-5857-4685-be1f-d57550cc96cc" xsi:nil="true"/>
+    <TPLaunchHelpLink xmlns="4873beb7-5857-4685-be1f-d57550cc96cc" xsi:nil="true"/>
+    <TPApplication xmlns="4873beb7-5857-4685-be1f-d57550cc96cc" xsi:nil="true"/>
+    <CrawlForDependencies xmlns="4873beb7-5857-4685-be1f-d57550cc96cc">false</CrawlForDependencies>
+    <HandoffToMSDN xmlns="4873beb7-5857-4685-be1f-d57550cc96cc" xsi:nil="true"/>
+    <PlannedPubDate xmlns="4873beb7-5857-4685-be1f-d57550cc96cc" xsi:nil="true"/>
+    <IntlLangReviewer xmlns="4873beb7-5857-4685-be1f-d57550cc96cc" xsi:nil="true"/>
+    <TrustLevel xmlns="4873beb7-5857-4685-be1f-d57550cc96cc">1 Microsoft Managed Content</TrustLevel>
+    <LocLastLocAttemptVersionLookup xmlns="4873beb7-5857-4685-be1f-d57550cc96cc">694266</LocLastLocAttemptVersionLookup>
+    <LocProcessedForHandoffsLookup xmlns="4873beb7-5857-4685-be1f-d57550cc96cc" xsi:nil="true"/>
+    <IsSearchable xmlns="4873beb7-5857-4685-be1f-d57550cc96cc">true</IsSearchable>
+    <TemplateTemplateType xmlns="4873beb7-5857-4685-be1f-d57550cc96cc">PowerPoint Presentation Template</TemplateTemplateType>
+    <CampaignTagsTaxHTField0 xmlns="4873beb7-5857-4685-be1f-d57550cc96cc">
+      <Terms xmlns="http://schemas.microsoft.com/office/infopath/2007/PartnerControls"/>
+    </CampaignTagsTaxHTField0>
+    <TPNamespace xmlns="4873beb7-5857-4685-be1f-d57550cc96cc" xsi:nil="true"/>
+    <LocOverallPreviewStatusLookup xmlns="4873beb7-5857-4685-be1f-d57550cc96cc" xsi:nil="true"/>
+    <TaxCatchAll xmlns="4873beb7-5857-4685-be1f-d57550cc96cc"/>
+    <Markets xmlns="4873beb7-5857-4685-be1f-d57550cc96cc"/>
+    <UAProjectedTotalWords xmlns="4873beb7-5857-4685-be1f-d57550cc96cc" xsi:nil="true"/>
+    <IntlLangReview xmlns="4873beb7-5857-4685-be1f-d57550cc96cc" xsi:nil="true"/>
+    <OutputCachingOn xmlns="4873beb7-5857-4685-be1f-d57550cc96cc">false</OutputCachingOn>
+    <AverageRating xmlns="4873beb7-5857-4685-be1f-d57550cc96cc" xsi:nil="true"/>
+    <APAuthor xmlns="4873beb7-5857-4685-be1f-d57550cc96cc">
+      <UserInfo>
+        <DisplayName>REDMOND\kristaa</DisplayName>
+        <AccountId>136</AccountId>
+        <AccountType/>
+      </UserInfo>
+    </APAuthor>
+    <LocManualTestRequired xmlns="4873beb7-5857-4685-be1f-d57550cc96cc">false</LocManualTestRequired>
+    <TPCommandLine xmlns="4873beb7-5857-4685-be1f-d57550cc96cc" xsi:nil="true"/>
+    <TPAppVersion xmlns="4873beb7-5857-4685-be1f-d57550cc96cc" xsi:nil="true"/>
+    <EditorialStatus xmlns="4873beb7-5857-4685-be1f-d57550cc96cc">Complete</EditorialStatus>
+    <LastModifiedDateTime xmlns="4873beb7-5857-4685-be1f-d57550cc96cc" xsi:nil="true"/>
+    <ScenarioTagsTaxHTField0 xmlns="4873beb7-5857-4685-be1f-d57550cc96cc">
+      <Terms xmlns="http://schemas.microsoft.com/office/infopath/2007/PartnerControls"/>
+    </ScenarioTagsTaxHTField0>
+    <LocProcessedForMarketsLookup xmlns="4873beb7-5857-4685-be1f-d57550cc96cc" xsi:nil="true"/>
+    <TPLaunchHelpLinkType xmlns="4873beb7-5857-4685-be1f-d57550cc96cc">Template</TPLaunchHelpLinkType>
+    <OriginalRelease xmlns="4873beb7-5857-4685-be1f-d57550cc96cc">15</OriginalRelease>
+    <LocalizationTagsTaxHTField0 xmlns="4873beb7-5857-4685-be1f-d57550cc96cc">
+      <Terms xmlns="http://schemas.microsoft.com/office/infopath/2007/PartnerControls"/>
+    </LocalizationTagsTaxHTField0>
+    <UACurrentWords xmlns="4873beb7-5857-4685-be1f-d57550cc96cc" xsi:nil="true"/>
+    <ArtSampleDocs xmlns="4873beb7-5857-4685-be1f-d57550cc96cc" xsi:nil="true"/>
+    <UALocRecommendation xmlns="4873beb7-5857-4685-be1f-d57550cc96cc">Localize</UALocRecommendation>
+    <Manager xmlns="4873beb7-5857-4685-be1f-d57550cc96cc" xsi:nil="true"/>
+    <LocOverallHandbackStatusLookup xmlns="4873beb7-5857-4685-be1f-d57550cc96cc" xsi:nil="true"/>
+    <ShowIn xmlns="4873beb7-5857-4685-be1f-d57550cc96cc">Show everywhere</ShowIn>
+    <UANotes xmlns="4873beb7-5857-4685-be1f-d57550cc96cc" xsi:nil="true"/>
+    <InternalTagsTaxHTField0 xmlns="4873beb7-5857-4685-be1f-d57550cc96cc">
+      <Terms xmlns="http://schemas.microsoft.com/office/infopath/2007/PartnerControls"/>
+    </InternalTagsTaxHTField0>
+    <CSXHash xmlns="4873beb7-5857-4685-be1f-d57550cc96cc" xsi:nil="true"/>
+    <VoteCount xmlns="4873beb7-5857-4685-be1f-d57550cc96cc" xsi:nil="true"/>
+    <AssetExpire xmlns="4873beb7-5857-4685-be1f-d57550cc96cc">2029-05-12T07:00:00+00:00</AssetExpire>
+    <DSATActionTaken xmlns="4873beb7-5857-4685-be1f-d57550cc96cc" xsi:nil="true"/>
+    <CSXSubmissionMarket xmlns="4873beb7-5857-4685-be1f-d57550cc96cc" xsi:nil="true"/>
+    <LocMarketGroupTiers2 xmlns="4873beb7-5857-4685-be1f-d57550cc96cc" xsi:nil="true"/>
+  </documentManagement>
+</p:properties>
 </file>
 
 <file path=customXml/itemProps1.xml><?xml version="1.0" encoding="utf-8"?>
-<ds:datastoreItem xmlns:ds="http://schemas.openxmlformats.org/officeDocument/2006/customXml" ds:itemID="{60C67BEE-D13F-4BD2-98A5-34D8A0977F68}">
+<ds:datastoreItem xmlns:ds="http://schemas.openxmlformats.org/officeDocument/2006/customXml" ds:itemID="{3836F65B-1B07-41EE-A0E8-BC6EF3855225}">
   <ds:schemaRefs>
-    <ds:schemaRef ds:uri="4873beb7-5857-4685-be1f-d57550cc96cc"/>
-    <ds:schemaRef ds:uri="http://purl.org/dc/dcmitype/"/>
-    <ds:schemaRef ds:uri="http://schemas.openxmlformats.org/package/2006/metadata/core-properties"/>
-    <ds:schemaRef ds:uri="http://purl.org/dc/terms/"/>
-    <ds:schemaRef ds:uri="http://www.w3.org/XML/1998/namespace"/>
-    <ds:schemaRef ds:uri="http://purl.org/dc/elements/1.1/"/>
-    <ds:schemaRef ds:uri="http://schemas.microsoft.com/office/2006/documentManagement/types"/>
-    <ds:schemaRef ds:uri="http://schemas.microsoft.com/office/2006/metadata/properties"/>
-    <ds:schemaRef ds:uri="http://schemas.microsoft.com/office/infopath/2007/PartnerControls"/>
+    <ds:schemaRef ds:uri="http://schemas.microsoft.com/sharepoint/v3/contenttype/forms"/>
   </ds:schemaRefs>
 </ds:datastoreItem>
 </file>
@@ -29802,9 +29887,17 @@
 </file>
 
 <file path=customXml/itemProps3.xml><?xml version="1.0" encoding="utf-8"?>
-<ds:datastoreItem xmlns:ds="http://schemas.openxmlformats.org/officeDocument/2006/customXml" ds:itemID="{3836F65B-1B07-41EE-A0E8-BC6EF3855225}">
+<ds:datastoreItem xmlns:ds="http://schemas.openxmlformats.org/officeDocument/2006/customXml" ds:itemID="{60C67BEE-D13F-4BD2-98A5-34D8A0977F68}">
   <ds:schemaRefs>
-    <ds:schemaRef ds:uri="http://schemas.microsoft.com/sharepoint/v3/contenttype/forms"/>
+    <ds:schemaRef ds:uri="4873beb7-5857-4685-be1f-d57550cc96cc"/>
+    <ds:schemaRef ds:uri="http://purl.org/dc/dcmitype/"/>
+    <ds:schemaRef ds:uri="http://schemas.openxmlformats.org/package/2006/metadata/core-properties"/>
+    <ds:schemaRef ds:uri="http://purl.org/dc/terms/"/>
+    <ds:schemaRef ds:uri="http://www.w3.org/XML/1998/namespace"/>
+    <ds:schemaRef ds:uri="http://purl.org/dc/elements/1.1/"/>
+    <ds:schemaRef ds:uri="http://schemas.microsoft.com/office/2006/documentManagement/types"/>
+    <ds:schemaRef ds:uri="http://schemas.microsoft.com/office/2006/metadata/properties"/>
+    <ds:schemaRef ds:uri="http://schemas.microsoft.com/office/infopath/2007/PartnerControls"/>
   </ds:schemaRefs>
 </ds:datastoreItem>
 </file>
--- a/Apresentacao.pptx
+++ b/Apresentacao.pptx
@@ -26836,7 +26836,7 @@
         </p:nvSpPr>
         <p:spPr>
           <a:xfrm>
-            <a:off x="914161" y="1"/>
+            <a:off x="1218883" y="-143093"/>
             <a:ext cx="10360501" cy="1052736"/>
           </a:xfrm>
         </p:spPr>
@@ -27310,7 +27310,7 @@
         </p:nvSpPr>
         <p:spPr>
           <a:xfrm>
-            <a:off x="914161" y="1"/>
+            <a:off x="1218883" y="-142983"/>
             <a:ext cx="10360501" cy="1052736"/>
           </a:xfrm>
         </p:spPr>

--- a/Apresentacao.pptx
+++ b/Apresentacao.pptx
@@ -27234,7 +27234,7 @@
           </p:cNvPicPr>
           <p:nvPr/>
         </p:nvPicPr>
-        <p:blipFill>
+        <p:blipFill rotWithShape="1">
           <a:blip r:embed="rId2">
             <a:extLst>
               <a:ext uri="{28A0092B-C50C-407E-A947-70E740481C1C}">
@@ -27242,20 +27242,65 @@
               </a:ext>
             </a:extLst>
           </a:blip>
-          <a:stretch>
-            <a:fillRect/>
-          </a:stretch>
+          <a:srcRect t="8895" b="2153"/>
+          <a:stretch/>
         </p:blipFill>
         <p:spPr>
           <a:xfrm>
-            <a:off x="1262008" y="476672"/>
-            <a:ext cx="9664808" cy="5666630"/>
+            <a:off x="1262008" y="1052736"/>
+            <a:ext cx="9664808" cy="5040560"/>
           </a:xfrm>
           <a:prstGeom prst="rect">
             <a:avLst/>
           </a:prstGeom>
         </p:spPr>
       </p:pic>
+      <p:sp>
+        <p:nvSpPr>
+          <p:cNvPr id="10" name="Título 1">
+            <a:extLst>
+              <a:ext uri="{FF2B5EF4-FFF2-40B4-BE49-F238E27FC236}">
+                <a16:creationId xmlns:a16="http://schemas.microsoft.com/office/drawing/2014/main" id="{CDC2BD05-9944-4A48-A0CD-C36B678D67E1}"/>
+              </a:ext>
+            </a:extLst>
+          </p:cNvPr>
+          <p:cNvSpPr>
+            <a:spLocks noGrp="1"/>
+          </p:cNvSpPr>
+          <p:nvPr>
+            <p:ph type="title"/>
+          </p:nvPr>
+        </p:nvSpPr>
+        <p:spPr>
+          <a:xfrm>
+            <a:off x="1218883" y="-142983"/>
+            <a:ext cx="10360501" cy="1052736"/>
+          </a:xfrm>
+        </p:spPr>
+        <p:txBody>
+          <a:bodyPr rtlCol="0"/>
+          <a:lstStyle/>
+          <a:p>
+            <a:r>
+              <a:rPr lang="pt-PT" dirty="0" err="1"/>
+              <a:t>Burndown</a:t>
+            </a:r>
+            <a:r>
+              <a:rPr lang="pt-PT" dirty="0"/>
+              <a:t> </a:t>
+            </a:r>
+            <a:r>
+              <a:rPr lang="pt-PT" dirty="0" err="1"/>
+              <a:t>Chart</a:t>
+            </a:r>
+            <a:r>
+              <a:rPr lang="pt-PT" dirty="0"/>
+              <a:t> - Projeto</a:t>
+            </a:r>
+            <a:endParaRPr lang="pt-pt" dirty="0"/>
+          </a:p>
+        </p:txBody>
+      </p:sp>
     </p:spTree>
     <p:extLst>
       <p:ext uri="{BB962C8B-B14F-4D97-AF65-F5344CB8AC3E}">
